--- a/Abgabe ML Gruppe 2/Anhang Präsentation Grp 2.pptx
+++ b/Abgabe ML Gruppe 2/Anhang Präsentation Grp 2.pptx
@@ -188,3257 +188,6 @@
 </p1510:revInfo>
 </file>
 
-<file path=ppt/changesInfos/changesInfo1.xml><?xml version="1.0" encoding="utf-8"?>
-<pc:chgInfo xmlns:a="http://schemas.openxmlformats.org/drawingml/2006/main" xmlns:r="http://schemas.openxmlformats.org/officeDocument/2006/relationships" xmlns:ac="http://schemas.microsoft.com/office/drawing/2013/main/command" xmlns:pc="http://schemas.microsoft.com/office/powerpoint/2013/main/command">
-  <pc:docChgLst>
-    <pc:chgData name="Bastian Büeler (s)" userId="e39f6fd0-c78f-474b-9c7d-3977659f393b" providerId="ADAL" clId="{16E3282C-43BF-4430-9881-CE19AECE4016}"/>
-    <pc:docChg chg="custSel modSld">
-      <pc:chgData name="Bastian Büeler (s)" userId="e39f6fd0-c78f-474b-9c7d-3977659f393b" providerId="ADAL" clId="{16E3282C-43BF-4430-9881-CE19AECE4016}" dt="2025-05-20T08:51:43.807" v="433" actId="20577"/>
-      <pc:docMkLst>
-        <pc:docMk/>
-      </pc:docMkLst>
-      <pc:sldChg chg="modSp mod">
-        <pc:chgData name="Bastian Büeler (s)" userId="e39f6fd0-c78f-474b-9c7d-3977659f393b" providerId="ADAL" clId="{16E3282C-43BF-4430-9881-CE19AECE4016}" dt="2025-05-16T05:32:36.194" v="46" actId="20577"/>
-        <pc:sldMkLst>
-          <pc:docMk/>
-          <pc:sldMk cId="1577499883" sldId="256"/>
-        </pc:sldMkLst>
-        <pc:spChg chg="mod">
-          <ac:chgData name="Bastian Büeler (s)" userId="e39f6fd0-c78f-474b-9c7d-3977659f393b" providerId="ADAL" clId="{16E3282C-43BF-4430-9881-CE19AECE4016}" dt="2025-05-16T05:32:36.194" v="46" actId="20577"/>
-          <ac:spMkLst>
-            <pc:docMk/>
-            <pc:sldMk cId="1577499883" sldId="256"/>
-            <ac:spMk id="3" creationId="{00000000-0000-0000-0000-000000000000}"/>
-          </ac:spMkLst>
-        </pc:spChg>
-      </pc:sldChg>
-      <pc:sldChg chg="modSp mod">
-        <pc:chgData name="Bastian Büeler (s)" userId="e39f6fd0-c78f-474b-9c7d-3977659f393b" providerId="ADAL" clId="{16E3282C-43BF-4430-9881-CE19AECE4016}" dt="2025-05-16T05:39:59.545" v="320" actId="20577"/>
-        <pc:sldMkLst>
-          <pc:docMk/>
-          <pc:sldMk cId="3065368559" sldId="258"/>
-        </pc:sldMkLst>
-        <pc:spChg chg="mod">
-          <ac:chgData name="Bastian Büeler (s)" userId="e39f6fd0-c78f-474b-9c7d-3977659f393b" providerId="ADAL" clId="{16E3282C-43BF-4430-9881-CE19AECE4016}" dt="2025-05-16T05:39:59.545" v="320" actId="20577"/>
-          <ac:spMkLst>
-            <pc:docMk/>
-            <pc:sldMk cId="3065368559" sldId="258"/>
-            <ac:spMk id="3" creationId="{77EFB770-DDC1-DE71-D55A-2F045E861332}"/>
-          </ac:spMkLst>
-        </pc:spChg>
-      </pc:sldChg>
-      <pc:sldChg chg="modSp mod">
-        <pc:chgData name="Bastian Büeler (s)" userId="e39f6fd0-c78f-474b-9c7d-3977659f393b" providerId="ADAL" clId="{16E3282C-43BF-4430-9881-CE19AECE4016}" dt="2025-05-16T06:34:47.944" v="335" actId="20577"/>
-        <pc:sldMkLst>
-          <pc:docMk/>
-          <pc:sldMk cId="585021499" sldId="272"/>
-        </pc:sldMkLst>
-        <pc:spChg chg="mod">
-          <ac:chgData name="Bastian Büeler (s)" userId="e39f6fd0-c78f-474b-9c7d-3977659f393b" providerId="ADAL" clId="{16E3282C-43BF-4430-9881-CE19AECE4016}" dt="2025-05-16T06:34:47.944" v="335" actId="20577"/>
-          <ac:spMkLst>
-            <pc:docMk/>
-            <pc:sldMk cId="585021499" sldId="272"/>
-            <ac:spMk id="2" creationId="{2CEB55BE-814A-FC8E-8AFB-7EE59C94466E}"/>
-          </ac:spMkLst>
-        </pc:spChg>
-      </pc:sldChg>
-      <pc:sldChg chg="modSp mod">
-        <pc:chgData name="Bastian Büeler (s)" userId="e39f6fd0-c78f-474b-9c7d-3977659f393b" providerId="ADAL" clId="{16E3282C-43BF-4430-9881-CE19AECE4016}" dt="2025-05-20T08:40:47.310" v="369" actId="20577"/>
-        <pc:sldMkLst>
-          <pc:docMk/>
-          <pc:sldMk cId="2278894473" sldId="309"/>
-        </pc:sldMkLst>
-        <pc:graphicFrameChg chg="modGraphic">
-          <ac:chgData name="Bastian Büeler (s)" userId="e39f6fd0-c78f-474b-9c7d-3977659f393b" providerId="ADAL" clId="{16E3282C-43BF-4430-9881-CE19AECE4016}" dt="2025-05-20T08:40:47.310" v="369" actId="20577"/>
-          <ac:graphicFrameMkLst>
-            <pc:docMk/>
-            <pc:sldMk cId="2278894473" sldId="309"/>
-            <ac:graphicFrameMk id="5" creationId="{F7E3B9A6-778E-8F0B-1021-0F67278FEAED}"/>
-          </ac:graphicFrameMkLst>
-        </pc:graphicFrameChg>
-      </pc:sldChg>
-      <pc:sldChg chg="modSp mod">
-        <pc:chgData name="Bastian Büeler (s)" userId="e39f6fd0-c78f-474b-9c7d-3977659f393b" providerId="ADAL" clId="{16E3282C-43BF-4430-9881-CE19AECE4016}" dt="2025-05-20T08:49:57.020" v="393" actId="20577"/>
-        <pc:sldMkLst>
-          <pc:docMk/>
-          <pc:sldMk cId="1755570174" sldId="314"/>
-        </pc:sldMkLst>
-        <pc:graphicFrameChg chg="modGraphic">
-          <ac:chgData name="Bastian Büeler (s)" userId="e39f6fd0-c78f-474b-9c7d-3977659f393b" providerId="ADAL" clId="{16E3282C-43BF-4430-9881-CE19AECE4016}" dt="2025-05-20T08:49:57.020" v="393" actId="20577"/>
-          <ac:graphicFrameMkLst>
-            <pc:docMk/>
-            <pc:sldMk cId="1755570174" sldId="314"/>
-            <ac:graphicFrameMk id="5" creationId="{F7E3B9A6-778E-8F0B-1021-0F67278FEAED}"/>
-          </ac:graphicFrameMkLst>
-        </pc:graphicFrameChg>
-      </pc:sldChg>
-      <pc:sldChg chg="modSp mod">
-        <pc:chgData name="Bastian Büeler (s)" userId="e39f6fd0-c78f-474b-9c7d-3977659f393b" providerId="ADAL" clId="{16E3282C-43BF-4430-9881-CE19AECE4016}" dt="2025-05-20T08:51:43.807" v="433" actId="20577"/>
-        <pc:sldMkLst>
-          <pc:docMk/>
-          <pc:sldMk cId="2514956489" sldId="315"/>
-        </pc:sldMkLst>
-        <pc:graphicFrameChg chg="modGraphic">
-          <ac:chgData name="Bastian Büeler (s)" userId="e39f6fd0-c78f-474b-9c7d-3977659f393b" providerId="ADAL" clId="{16E3282C-43BF-4430-9881-CE19AECE4016}" dt="2025-05-20T08:51:43.807" v="433" actId="20577"/>
-          <ac:graphicFrameMkLst>
-            <pc:docMk/>
-            <pc:sldMk cId="2514956489" sldId="315"/>
-            <ac:graphicFrameMk id="5" creationId="{F7E3B9A6-778E-8F0B-1021-0F67278FEAED}"/>
-          </ac:graphicFrameMkLst>
-        </pc:graphicFrameChg>
-      </pc:sldChg>
-    </pc:docChg>
-  </pc:docChgLst>
-  <pc:docChgLst>
-    <pc:chgData name="Yves Bornhauser (s)" userId="7add2d99-4032-4933-ae91-0874c7fbc61b" providerId="ADAL" clId="{9A411AD8-4DF4-47F3-8A1A-65A44EF6D59B}"/>
-    <pc:docChg chg="modSld">
-      <pc:chgData name="Yves Bornhauser (s)" userId="7add2d99-4032-4933-ae91-0874c7fbc61b" providerId="ADAL" clId="{9A411AD8-4DF4-47F3-8A1A-65A44EF6D59B}" dt="2025-05-20T18:11:23.961" v="2" actId="20577"/>
-      <pc:docMkLst>
-        <pc:docMk/>
-      </pc:docMkLst>
-      <pc:sldChg chg="modSp mod">
-        <pc:chgData name="Yves Bornhauser (s)" userId="7add2d99-4032-4933-ae91-0874c7fbc61b" providerId="ADAL" clId="{9A411AD8-4DF4-47F3-8A1A-65A44EF6D59B}" dt="2025-05-20T18:11:23.961" v="2" actId="20577"/>
-        <pc:sldMkLst>
-          <pc:docMk/>
-          <pc:sldMk cId="101207978" sldId="300"/>
-        </pc:sldMkLst>
-        <pc:spChg chg="mod">
-          <ac:chgData name="Yves Bornhauser (s)" userId="7add2d99-4032-4933-ae91-0874c7fbc61b" providerId="ADAL" clId="{9A411AD8-4DF4-47F3-8A1A-65A44EF6D59B}" dt="2025-05-20T18:11:23.961" v="2" actId="20577"/>
-          <ac:spMkLst>
-            <pc:docMk/>
-            <pc:sldMk cId="101207978" sldId="300"/>
-            <ac:spMk id="3" creationId="{F23C6E7C-52DF-8B60-3028-4D90F6D02BD1}"/>
-          </ac:spMkLst>
-        </pc:spChg>
-      </pc:sldChg>
-    </pc:docChg>
-  </pc:docChgLst>
-  <pc:docChgLst>
-    <pc:chgData name="Elia Geromin (s)" userId="2de40101-81c9-4a0f-8315-3bbc1bc984b9" providerId="ADAL" clId="{D2297816-261A-44E1-9674-5DC61E937568}"/>
-    <pc:docChg chg="undo custSel addSld modSld sldOrd">
-      <pc:chgData name="Elia Geromin (s)" userId="2de40101-81c9-4a0f-8315-3bbc1bc984b9" providerId="ADAL" clId="{D2297816-261A-44E1-9674-5DC61E937568}" dt="2025-05-20T18:23:09.338" v="1991" actId="20577"/>
-      <pc:docMkLst>
-        <pc:docMk/>
-      </pc:docMkLst>
-      <pc:sldChg chg="modSp mod ord">
-        <pc:chgData name="Elia Geromin (s)" userId="2de40101-81c9-4a0f-8315-3bbc1bc984b9" providerId="ADAL" clId="{D2297816-261A-44E1-9674-5DC61E937568}" dt="2025-05-18T18:13:44.379" v="1245" actId="6549"/>
-        <pc:sldMkLst>
-          <pc:docMk/>
-          <pc:sldMk cId="1577499883" sldId="256"/>
-        </pc:sldMkLst>
-        <pc:spChg chg="mod">
-          <ac:chgData name="Elia Geromin (s)" userId="2de40101-81c9-4a0f-8315-3bbc1bc984b9" providerId="ADAL" clId="{D2297816-261A-44E1-9674-5DC61E937568}" dt="2025-05-18T18:13:44.379" v="1245" actId="6549"/>
-          <ac:spMkLst>
-            <pc:docMk/>
-            <pc:sldMk cId="1577499883" sldId="256"/>
-            <ac:spMk id="3" creationId="{00000000-0000-0000-0000-000000000000}"/>
-          </ac:spMkLst>
-        </pc:spChg>
-      </pc:sldChg>
-      <pc:sldChg chg="modSp mod">
-        <pc:chgData name="Elia Geromin (s)" userId="2de40101-81c9-4a0f-8315-3bbc1bc984b9" providerId="ADAL" clId="{D2297816-261A-44E1-9674-5DC61E937568}" dt="2025-05-20T18:08:11.452" v="1953" actId="20577"/>
-        <pc:sldMkLst>
-          <pc:docMk/>
-          <pc:sldMk cId="1700550836" sldId="259"/>
-        </pc:sldMkLst>
-        <pc:spChg chg="mod">
-          <ac:chgData name="Elia Geromin (s)" userId="2de40101-81c9-4a0f-8315-3bbc1bc984b9" providerId="ADAL" clId="{D2297816-261A-44E1-9674-5DC61E937568}" dt="2025-05-20T18:08:11.452" v="1953" actId="20577"/>
-          <ac:spMkLst>
-            <pc:docMk/>
-            <pc:sldMk cId="1700550836" sldId="259"/>
-            <ac:spMk id="3" creationId="{2273B9F9-AF02-0DE3-A701-DC2B1A7E6205}"/>
-          </ac:spMkLst>
-        </pc:spChg>
-      </pc:sldChg>
-      <pc:sldChg chg="modSp mod">
-        <pc:chgData name="Elia Geromin (s)" userId="2de40101-81c9-4a0f-8315-3bbc1bc984b9" providerId="ADAL" clId="{D2297816-261A-44E1-9674-5DC61E937568}" dt="2025-05-20T18:07:42.003" v="1930" actId="20577"/>
-        <pc:sldMkLst>
-          <pc:docMk/>
-          <pc:sldMk cId="3160545444" sldId="274"/>
-        </pc:sldMkLst>
-        <pc:spChg chg="mod">
-          <ac:chgData name="Elia Geromin (s)" userId="2de40101-81c9-4a0f-8315-3bbc1bc984b9" providerId="ADAL" clId="{D2297816-261A-44E1-9674-5DC61E937568}" dt="2025-05-20T18:07:42.003" v="1930" actId="20577"/>
-          <ac:spMkLst>
-            <pc:docMk/>
-            <pc:sldMk cId="3160545444" sldId="274"/>
-            <ac:spMk id="3" creationId="{1255F9F7-57FD-D676-7687-EE314F288D99}"/>
-          </ac:spMkLst>
-        </pc:spChg>
-      </pc:sldChg>
-      <pc:sldChg chg="modSp mod">
-        <pc:chgData name="Elia Geromin (s)" userId="2de40101-81c9-4a0f-8315-3bbc1bc984b9" providerId="ADAL" clId="{D2297816-261A-44E1-9674-5DC61E937568}" dt="2025-05-20T18:23:09.338" v="1991" actId="20577"/>
-        <pc:sldMkLst>
-          <pc:docMk/>
-          <pc:sldMk cId="2309109412" sldId="276"/>
-        </pc:sldMkLst>
-        <pc:spChg chg="mod">
-          <ac:chgData name="Elia Geromin (s)" userId="2de40101-81c9-4a0f-8315-3bbc1bc984b9" providerId="ADAL" clId="{D2297816-261A-44E1-9674-5DC61E937568}" dt="2025-05-20T18:23:09.338" v="1991" actId="20577"/>
-          <ac:spMkLst>
-            <pc:docMk/>
-            <pc:sldMk cId="2309109412" sldId="276"/>
-            <ac:spMk id="2" creationId="{A1138CBD-47EE-A76B-6F2D-6BE5D5D5260B}"/>
-          </ac:spMkLst>
-        </pc:spChg>
-      </pc:sldChg>
-      <pc:sldChg chg="modSp mod">
-        <pc:chgData name="Elia Geromin (s)" userId="2de40101-81c9-4a0f-8315-3bbc1bc984b9" providerId="ADAL" clId="{D2297816-261A-44E1-9674-5DC61E937568}" dt="2025-05-20T18:22:35.984" v="1982" actId="313"/>
-        <pc:sldMkLst>
-          <pc:docMk/>
-          <pc:sldMk cId="2047081832" sldId="277"/>
-        </pc:sldMkLst>
-        <pc:spChg chg="mod">
-          <ac:chgData name="Elia Geromin (s)" userId="2de40101-81c9-4a0f-8315-3bbc1bc984b9" providerId="ADAL" clId="{D2297816-261A-44E1-9674-5DC61E937568}" dt="2025-05-20T18:22:35.984" v="1982" actId="313"/>
-          <ac:spMkLst>
-            <pc:docMk/>
-            <pc:sldMk cId="2047081832" sldId="277"/>
-            <ac:spMk id="3" creationId="{E2301E13-9583-BA29-A2E7-2D2AC07BBBA7}"/>
-          </ac:spMkLst>
-        </pc:spChg>
-      </pc:sldChg>
-      <pc:sldChg chg="modSp mod">
-        <pc:chgData name="Elia Geromin (s)" userId="2de40101-81c9-4a0f-8315-3bbc1bc984b9" providerId="ADAL" clId="{D2297816-261A-44E1-9674-5DC61E937568}" dt="2025-05-20T18:23:01.061" v="1989" actId="20577"/>
-        <pc:sldMkLst>
-          <pc:docMk/>
-          <pc:sldMk cId="2002242714" sldId="278"/>
-        </pc:sldMkLst>
-        <pc:spChg chg="mod">
-          <ac:chgData name="Elia Geromin (s)" userId="2de40101-81c9-4a0f-8315-3bbc1bc984b9" providerId="ADAL" clId="{D2297816-261A-44E1-9674-5DC61E937568}" dt="2025-05-20T18:23:01.061" v="1989" actId="20577"/>
-          <ac:spMkLst>
-            <pc:docMk/>
-            <pc:sldMk cId="2002242714" sldId="278"/>
-            <ac:spMk id="2" creationId="{A6D04393-FF73-FA84-588F-5601130437E7}"/>
-          </ac:spMkLst>
-        </pc:spChg>
-        <pc:spChg chg="mod">
-          <ac:chgData name="Elia Geromin (s)" userId="2de40101-81c9-4a0f-8315-3bbc1bc984b9" providerId="ADAL" clId="{D2297816-261A-44E1-9674-5DC61E937568}" dt="2025-05-20T18:22:45.468" v="1987" actId="313"/>
-          <ac:spMkLst>
-            <pc:docMk/>
-            <pc:sldMk cId="2002242714" sldId="278"/>
-            <ac:spMk id="3" creationId="{0D1A6D40-BB22-1BC6-315D-31DFE5414F86}"/>
-          </ac:spMkLst>
-        </pc:spChg>
-      </pc:sldChg>
-      <pc:sldChg chg="modSp mod ord">
-        <pc:chgData name="Elia Geromin (s)" userId="2de40101-81c9-4a0f-8315-3bbc1bc984b9" providerId="ADAL" clId="{D2297816-261A-44E1-9674-5DC61E937568}" dt="2025-05-18T18:32:06.108" v="1639" actId="6549"/>
-        <pc:sldMkLst>
-          <pc:docMk/>
-          <pc:sldMk cId="3419743759" sldId="280"/>
-        </pc:sldMkLst>
-        <pc:spChg chg="mod">
-          <ac:chgData name="Elia Geromin (s)" userId="2de40101-81c9-4a0f-8315-3bbc1bc984b9" providerId="ADAL" clId="{D2297816-261A-44E1-9674-5DC61E937568}" dt="2025-05-18T18:32:06.108" v="1639" actId="6549"/>
-          <ac:spMkLst>
-            <pc:docMk/>
-            <pc:sldMk cId="3419743759" sldId="280"/>
-            <ac:spMk id="3" creationId="{92CCC8EA-1B6D-603D-5772-FFF67DBF1130}"/>
-          </ac:spMkLst>
-        </pc:spChg>
-      </pc:sldChg>
-      <pc:sldChg chg="modSp mod">
-        <pc:chgData name="Elia Geromin (s)" userId="2de40101-81c9-4a0f-8315-3bbc1bc984b9" providerId="ADAL" clId="{D2297816-261A-44E1-9674-5DC61E937568}" dt="2025-05-20T18:00:04.089" v="1925"/>
-        <pc:sldMkLst>
-          <pc:docMk/>
-          <pc:sldMk cId="821717914" sldId="283"/>
-        </pc:sldMkLst>
-        <pc:spChg chg="mod">
-          <ac:chgData name="Elia Geromin (s)" userId="2de40101-81c9-4a0f-8315-3bbc1bc984b9" providerId="ADAL" clId="{D2297816-261A-44E1-9674-5DC61E937568}" dt="2025-05-20T18:00:04.089" v="1925"/>
-          <ac:spMkLst>
-            <pc:docMk/>
-            <pc:sldMk cId="821717914" sldId="283"/>
-            <ac:spMk id="2" creationId="{0FB9D1EC-97BD-AD80-216E-D9F996E475D3}"/>
-          </ac:spMkLst>
-        </pc:spChg>
-        <pc:spChg chg="mod">
-          <ac:chgData name="Elia Geromin (s)" userId="2de40101-81c9-4a0f-8315-3bbc1bc984b9" providerId="ADAL" clId="{D2297816-261A-44E1-9674-5DC61E937568}" dt="2025-05-20T17:55:17.870" v="1924" actId="255"/>
-          <ac:spMkLst>
-            <pc:docMk/>
-            <pc:sldMk cId="821717914" sldId="283"/>
-            <ac:spMk id="3" creationId="{576429D0-D0D3-29EE-0BAE-08F4551EEC25}"/>
-          </ac:spMkLst>
-        </pc:spChg>
-      </pc:sldChg>
-      <pc:sldChg chg="addSp modSp">
-        <pc:chgData name="Elia Geromin (s)" userId="2de40101-81c9-4a0f-8315-3bbc1bc984b9" providerId="ADAL" clId="{D2297816-261A-44E1-9674-5DC61E937568}" dt="2025-05-20T18:16:28.882" v="1972"/>
-        <pc:sldMkLst>
-          <pc:docMk/>
-          <pc:sldMk cId="377028967" sldId="285"/>
-        </pc:sldMkLst>
-        <pc:spChg chg="add">
-          <ac:chgData name="Elia Geromin (s)" userId="2de40101-81c9-4a0f-8315-3bbc1bc984b9" providerId="ADAL" clId="{D2297816-261A-44E1-9674-5DC61E937568}" dt="2025-05-20T18:16:22.016" v="1968"/>
-          <ac:spMkLst>
-            <pc:docMk/>
-            <pc:sldMk cId="377028967" sldId="285"/>
-            <ac:spMk id="4" creationId="{1D795255-4C7A-654B-E8D3-EE8051CB0513}"/>
-          </ac:spMkLst>
-        </pc:spChg>
-        <pc:spChg chg="add mod">
-          <ac:chgData name="Elia Geromin (s)" userId="2de40101-81c9-4a0f-8315-3bbc1bc984b9" providerId="ADAL" clId="{D2297816-261A-44E1-9674-5DC61E937568}" dt="2025-05-20T18:16:28.882" v="1972"/>
-          <ac:spMkLst>
-            <pc:docMk/>
-            <pc:sldMk cId="377028967" sldId="285"/>
-            <ac:spMk id="5" creationId="{F6898E31-7FDA-3E25-EA29-B06E287EF3B3}"/>
-          </ac:spMkLst>
-        </pc:spChg>
-        <pc:spChg chg="add mod">
-          <ac:chgData name="Elia Geromin (s)" userId="2de40101-81c9-4a0f-8315-3bbc1bc984b9" providerId="ADAL" clId="{D2297816-261A-44E1-9674-5DC61E937568}" dt="2025-05-20T18:16:28.822" v="1971"/>
-          <ac:spMkLst>
-            <pc:docMk/>
-            <pc:sldMk cId="377028967" sldId="285"/>
-            <ac:spMk id="6" creationId="{CC1AD6DB-97DF-FFCA-E0C4-B509B6F0967B}"/>
-          </ac:spMkLst>
-        </pc:spChg>
-      </pc:sldChg>
-      <pc:sldChg chg="modSp mod">
-        <pc:chgData name="Elia Geromin (s)" userId="2de40101-81c9-4a0f-8315-3bbc1bc984b9" providerId="ADAL" clId="{D2297816-261A-44E1-9674-5DC61E937568}" dt="2025-05-20T18:17:27.536" v="1973" actId="313"/>
-        <pc:sldMkLst>
-          <pc:docMk/>
-          <pc:sldMk cId="409269048" sldId="288"/>
-        </pc:sldMkLst>
-        <pc:spChg chg="mod">
-          <ac:chgData name="Elia Geromin (s)" userId="2de40101-81c9-4a0f-8315-3bbc1bc984b9" providerId="ADAL" clId="{D2297816-261A-44E1-9674-5DC61E937568}" dt="2025-05-20T18:17:27.536" v="1973" actId="313"/>
-          <ac:spMkLst>
-            <pc:docMk/>
-            <pc:sldMk cId="409269048" sldId="288"/>
-            <ac:spMk id="3" creationId="{269D9BEA-7507-67E8-0A07-0E95A0CC3DFA}"/>
-          </ac:spMkLst>
-        </pc:spChg>
-      </pc:sldChg>
-      <pc:sldChg chg="modSp mod">
-        <pc:chgData name="Elia Geromin (s)" userId="2de40101-81c9-4a0f-8315-3bbc1bc984b9" providerId="ADAL" clId="{D2297816-261A-44E1-9674-5DC61E937568}" dt="2025-05-20T18:18:01.635" v="1975" actId="14100"/>
-        <pc:sldMkLst>
-          <pc:docMk/>
-          <pc:sldMk cId="1185693819" sldId="293"/>
-        </pc:sldMkLst>
-        <pc:spChg chg="mod">
-          <ac:chgData name="Elia Geromin (s)" userId="2de40101-81c9-4a0f-8315-3bbc1bc984b9" providerId="ADAL" clId="{D2297816-261A-44E1-9674-5DC61E937568}" dt="2025-05-20T18:18:01.635" v="1975" actId="14100"/>
-          <ac:spMkLst>
-            <pc:docMk/>
-            <pc:sldMk cId="1185693819" sldId="293"/>
-            <ac:spMk id="5" creationId="{09D0F3AD-6464-8BA1-D56C-43E82F212D08}"/>
-          </ac:spMkLst>
-        </pc:spChg>
-      </pc:sldChg>
-      <pc:sldChg chg="modSp new mod">
-        <pc:chgData name="Elia Geromin (s)" userId="2de40101-81c9-4a0f-8315-3bbc1bc984b9" providerId="ADAL" clId="{D2297816-261A-44E1-9674-5DC61E937568}" dt="2025-05-18T18:36:19.762" v="1854" actId="113"/>
-        <pc:sldMkLst>
-          <pc:docMk/>
-          <pc:sldMk cId="3088770211" sldId="295"/>
-        </pc:sldMkLst>
-        <pc:spChg chg="mod">
-          <ac:chgData name="Elia Geromin (s)" userId="2de40101-81c9-4a0f-8315-3bbc1bc984b9" providerId="ADAL" clId="{D2297816-261A-44E1-9674-5DC61E937568}" dt="2025-05-18T15:15:10.143" v="38" actId="20577"/>
-          <ac:spMkLst>
-            <pc:docMk/>
-            <pc:sldMk cId="3088770211" sldId="295"/>
-            <ac:spMk id="2" creationId="{6F759502-0485-7D01-45F1-E9277CE503BE}"/>
-          </ac:spMkLst>
-        </pc:spChg>
-        <pc:spChg chg="mod">
-          <ac:chgData name="Elia Geromin (s)" userId="2de40101-81c9-4a0f-8315-3bbc1bc984b9" providerId="ADAL" clId="{D2297816-261A-44E1-9674-5DC61E937568}" dt="2025-05-18T18:36:19.762" v="1854" actId="113"/>
-          <ac:spMkLst>
-            <pc:docMk/>
-            <pc:sldMk cId="3088770211" sldId="295"/>
-            <ac:spMk id="3" creationId="{9B9ABCBB-EF9A-A262-CFE0-DEDCB86A6F25}"/>
-          </ac:spMkLst>
-        </pc:spChg>
-      </pc:sldChg>
-      <pc:sldChg chg="modSp new mod">
-        <pc:chgData name="Elia Geromin (s)" userId="2de40101-81c9-4a0f-8315-3bbc1bc984b9" providerId="ADAL" clId="{D2297816-261A-44E1-9674-5DC61E937568}" dt="2025-05-18T15:57:34.496" v="79" actId="12"/>
-        <pc:sldMkLst>
-          <pc:docMk/>
-          <pc:sldMk cId="454520595" sldId="296"/>
-        </pc:sldMkLst>
-        <pc:spChg chg="mod">
-          <ac:chgData name="Elia Geromin (s)" userId="2de40101-81c9-4a0f-8315-3bbc1bc984b9" providerId="ADAL" clId="{D2297816-261A-44E1-9674-5DC61E937568}" dt="2025-05-18T15:15:20.644" v="47" actId="20577"/>
-          <ac:spMkLst>
-            <pc:docMk/>
-            <pc:sldMk cId="454520595" sldId="296"/>
-            <ac:spMk id="2" creationId="{E46D5977-3B0B-1A29-D39F-45A0DD71368F}"/>
-          </ac:spMkLst>
-        </pc:spChg>
-        <pc:spChg chg="mod">
-          <ac:chgData name="Elia Geromin (s)" userId="2de40101-81c9-4a0f-8315-3bbc1bc984b9" providerId="ADAL" clId="{D2297816-261A-44E1-9674-5DC61E937568}" dt="2025-05-18T15:57:34.496" v="79" actId="12"/>
-          <ac:spMkLst>
-            <pc:docMk/>
-            <pc:sldMk cId="454520595" sldId="296"/>
-            <ac:spMk id="3" creationId="{06208E74-2886-44C3-2843-5610CDED8A40}"/>
-          </ac:spMkLst>
-        </pc:spChg>
-      </pc:sldChg>
-      <pc:sldChg chg="modSp new mod">
-        <pc:chgData name="Elia Geromin (s)" userId="2de40101-81c9-4a0f-8315-3bbc1bc984b9" providerId="ADAL" clId="{D2297816-261A-44E1-9674-5DC61E937568}" dt="2025-05-18T18:35:52.793" v="1849" actId="20577"/>
-        <pc:sldMkLst>
-          <pc:docMk/>
-          <pc:sldMk cId="2995549603" sldId="297"/>
-        </pc:sldMkLst>
-        <pc:spChg chg="mod">
-          <ac:chgData name="Elia Geromin (s)" userId="2de40101-81c9-4a0f-8315-3bbc1bc984b9" providerId="ADAL" clId="{D2297816-261A-44E1-9674-5DC61E937568}" dt="2025-05-18T15:15:28.024" v="57" actId="20577"/>
-          <ac:spMkLst>
-            <pc:docMk/>
-            <pc:sldMk cId="2995549603" sldId="297"/>
-            <ac:spMk id="2" creationId="{A9C95262-74A3-0FE1-EFC5-439946222FF7}"/>
-          </ac:spMkLst>
-        </pc:spChg>
-        <pc:spChg chg="mod">
-          <ac:chgData name="Elia Geromin (s)" userId="2de40101-81c9-4a0f-8315-3bbc1bc984b9" providerId="ADAL" clId="{D2297816-261A-44E1-9674-5DC61E937568}" dt="2025-05-18T18:35:52.793" v="1849" actId="20577"/>
-          <ac:spMkLst>
-            <pc:docMk/>
-            <pc:sldMk cId="2995549603" sldId="297"/>
-            <ac:spMk id="3" creationId="{21A9D7CD-F2D8-F392-2993-63FE8E14A82D}"/>
-          </ac:spMkLst>
-        </pc:spChg>
-      </pc:sldChg>
-      <pc:sldChg chg="modSp add mod">
-        <pc:chgData name="Elia Geromin (s)" userId="2de40101-81c9-4a0f-8315-3bbc1bc984b9" providerId="ADAL" clId="{D2297816-261A-44E1-9674-5DC61E937568}" dt="2025-05-18T18:36:55.988" v="1864" actId="113"/>
-        <pc:sldMkLst>
-          <pc:docMk/>
-          <pc:sldMk cId="3309023913" sldId="304"/>
-        </pc:sldMkLst>
-        <pc:spChg chg="mod">
-          <ac:chgData name="Elia Geromin (s)" userId="2de40101-81c9-4a0f-8315-3bbc1bc984b9" providerId="ADAL" clId="{D2297816-261A-44E1-9674-5DC61E937568}" dt="2025-05-18T18:36:55.988" v="1864" actId="113"/>
-          <ac:spMkLst>
-            <pc:docMk/>
-            <pc:sldMk cId="3309023913" sldId="304"/>
-            <ac:spMk id="3" creationId="{9B9E0EAB-F1A4-128A-9C15-1573FEB666D1}"/>
-          </ac:spMkLst>
-        </pc:spChg>
-      </pc:sldChg>
-      <pc:sldChg chg="modSp mod">
-        <pc:chgData name="Elia Geromin (s)" userId="2de40101-81c9-4a0f-8315-3bbc1bc984b9" providerId="ADAL" clId="{D2297816-261A-44E1-9674-5DC61E937568}" dt="2025-05-20T18:18:49.501" v="1977" actId="313"/>
-        <pc:sldMkLst>
-          <pc:docMk/>
-          <pc:sldMk cId="99585021" sldId="305"/>
-        </pc:sldMkLst>
-        <pc:spChg chg="mod">
-          <ac:chgData name="Elia Geromin (s)" userId="2de40101-81c9-4a0f-8315-3bbc1bc984b9" providerId="ADAL" clId="{D2297816-261A-44E1-9674-5DC61E937568}" dt="2025-05-20T18:18:49.501" v="1977" actId="313"/>
-          <ac:spMkLst>
-            <pc:docMk/>
-            <pc:sldMk cId="99585021" sldId="305"/>
-            <ac:spMk id="3" creationId="{74A555EC-3CDD-AA57-FF68-55B04E23269C}"/>
-          </ac:spMkLst>
-        </pc:spChg>
-      </pc:sldChg>
-      <pc:sldChg chg="modSp new mod">
-        <pc:chgData name="Elia Geromin (s)" userId="2de40101-81c9-4a0f-8315-3bbc1bc984b9" providerId="ADAL" clId="{D2297816-261A-44E1-9674-5DC61E937568}" dt="2025-05-20T18:10:17.757" v="1966" actId="6549"/>
-        <pc:sldMkLst>
-          <pc:docMk/>
-          <pc:sldMk cId="2355913817" sldId="310"/>
-        </pc:sldMkLst>
-        <pc:spChg chg="mod">
-          <ac:chgData name="Elia Geromin (s)" userId="2de40101-81c9-4a0f-8315-3bbc1bc984b9" providerId="ADAL" clId="{D2297816-261A-44E1-9674-5DC61E937568}" dt="2025-05-20T18:10:17.757" v="1966" actId="6549"/>
-          <ac:spMkLst>
-            <pc:docMk/>
-            <pc:sldMk cId="2355913817" sldId="310"/>
-            <ac:spMk id="2" creationId="{8346029D-0C67-17D6-A3D5-7C691B63AFDC}"/>
-          </ac:spMkLst>
-        </pc:spChg>
-      </pc:sldChg>
-      <pc:sldChg chg="modSp mod">
-        <pc:chgData name="Elia Geromin (s)" userId="2de40101-81c9-4a0f-8315-3bbc1bc984b9" providerId="ADAL" clId="{D2297816-261A-44E1-9674-5DC61E937568}" dt="2025-05-20T18:13:45.568" v="1967" actId="20577"/>
-        <pc:sldMkLst>
-          <pc:docMk/>
-          <pc:sldMk cId="2514956489" sldId="315"/>
-        </pc:sldMkLst>
-        <pc:graphicFrameChg chg="modGraphic">
-          <ac:chgData name="Elia Geromin (s)" userId="2de40101-81c9-4a0f-8315-3bbc1bc984b9" providerId="ADAL" clId="{D2297816-261A-44E1-9674-5DC61E937568}" dt="2025-05-20T18:13:45.568" v="1967" actId="20577"/>
-          <ac:graphicFrameMkLst>
-            <pc:docMk/>
-            <pc:sldMk cId="2514956489" sldId="315"/>
-            <ac:graphicFrameMk id="5" creationId="{F7E3B9A6-778E-8F0B-1021-0F67278FEAED}"/>
-          </ac:graphicFrameMkLst>
-        </pc:graphicFrameChg>
-      </pc:sldChg>
-      <pc:sldChg chg="modSp mod">
-        <pc:chgData name="Elia Geromin (s)" userId="2de40101-81c9-4a0f-8315-3bbc1bc984b9" providerId="ADAL" clId="{D2297816-261A-44E1-9674-5DC61E937568}" dt="2025-05-20T18:10:15.956" v="1965" actId="6549"/>
-        <pc:sldMkLst>
-          <pc:docMk/>
-          <pc:sldMk cId="3667580556" sldId="316"/>
-        </pc:sldMkLst>
-        <pc:spChg chg="mod">
-          <ac:chgData name="Elia Geromin (s)" userId="2de40101-81c9-4a0f-8315-3bbc1bc984b9" providerId="ADAL" clId="{D2297816-261A-44E1-9674-5DC61E937568}" dt="2025-05-20T18:10:15.956" v="1965" actId="6549"/>
-          <ac:spMkLst>
-            <pc:docMk/>
-            <pc:sldMk cId="3667580556" sldId="316"/>
-            <ac:spMk id="2" creationId="{A988A277-8DBE-3327-35A0-E9B0FA639C9F}"/>
-          </ac:spMkLst>
-        </pc:spChg>
-      </pc:sldChg>
-      <pc:sldChg chg="modSp mod">
-        <pc:chgData name="Elia Geromin (s)" userId="2de40101-81c9-4a0f-8315-3bbc1bc984b9" providerId="ADAL" clId="{D2297816-261A-44E1-9674-5DC61E937568}" dt="2025-05-20T18:10:13.819" v="1964" actId="6549"/>
-        <pc:sldMkLst>
-          <pc:docMk/>
-          <pc:sldMk cId="1659016504" sldId="317"/>
-        </pc:sldMkLst>
-        <pc:spChg chg="mod">
-          <ac:chgData name="Elia Geromin (s)" userId="2de40101-81c9-4a0f-8315-3bbc1bc984b9" providerId="ADAL" clId="{D2297816-261A-44E1-9674-5DC61E937568}" dt="2025-05-20T18:10:13.819" v="1964" actId="6549"/>
-          <ac:spMkLst>
-            <pc:docMk/>
-            <pc:sldMk cId="1659016504" sldId="317"/>
-            <ac:spMk id="2" creationId="{BC25F722-71ED-DAD8-7640-A28DCE7C16A7}"/>
-          </ac:spMkLst>
-        </pc:spChg>
-      </pc:sldChg>
-      <pc:sldChg chg="modSp mod">
-        <pc:chgData name="Elia Geromin (s)" userId="2de40101-81c9-4a0f-8315-3bbc1bc984b9" providerId="ADAL" clId="{D2297816-261A-44E1-9674-5DC61E937568}" dt="2025-05-20T18:09:57.197" v="1960" actId="6549"/>
-        <pc:sldMkLst>
-          <pc:docMk/>
-          <pc:sldMk cId="285650887" sldId="318"/>
-        </pc:sldMkLst>
-        <pc:spChg chg="mod">
-          <ac:chgData name="Elia Geromin (s)" userId="2de40101-81c9-4a0f-8315-3bbc1bc984b9" providerId="ADAL" clId="{D2297816-261A-44E1-9674-5DC61E937568}" dt="2025-05-20T18:09:57.197" v="1960" actId="6549"/>
-          <ac:spMkLst>
-            <pc:docMk/>
-            <pc:sldMk cId="285650887" sldId="318"/>
-            <ac:spMk id="2" creationId="{791A1F53-BF5B-9CD6-1FD8-E1AD51BE3327}"/>
-          </ac:spMkLst>
-        </pc:spChg>
-      </pc:sldChg>
-      <pc:sldChg chg="modSp mod">
-        <pc:chgData name="Elia Geromin (s)" userId="2de40101-81c9-4a0f-8315-3bbc1bc984b9" providerId="ADAL" clId="{D2297816-261A-44E1-9674-5DC61E937568}" dt="2025-05-20T18:10:02.588" v="1961" actId="6549"/>
-        <pc:sldMkLst>
-          <pc:docMk/>
-          <pc:sldMk cId="3997049224" sldId="319"/>
-        </pc:sldMkLst>
-        <pc:spChg chg="mod">
-          <ac:chgData name="Elia Geromin (s)" userId="2de40101-81c9-4a0f-8315-3bbc1bc984b9" providerId="ADAL" clId="{D2297816-261A-44E1-9674-5DC61E937568}" dt="2025-05-20T18:10:02.588" v="1961" actId="6549"/>
-          <ac:spMkLst>
-            <pc:docMk/>
-            <pc:sldMk cId="3997049224" sldId="319"/>
-            <ac:spMk id="2" creationId="{AF8CE273-7E0A-74F7-4914-BFD8ADFDF39C}"/>
-          </ac:spMkLst>
-        </pc:spChg>
-      </pc:sldChg>
-    </pc:docChg>
-  </pc:docChgLst>
-  <pc:docChgLst>
-    <pc:chgData name="Elia Geromin (s)" userId="2de40101-81c9-4a0f-8315-3bbc1bc984b9" providerId="ADAL" clId="{E521D3EF-61A7-7244-A220-34FBCD13FAAA}"/>
-    <pc:docChg chg="undo custSel addSld modSld sldOrd">
-      <pc:chgData name="Elia Geromin (s)" userId="2de40101-81c9-4a0f-8315-3bbc1bc984b9" providerId="ADAL" clId="{E521D3EF-61A7-7244-A220-34FBCD13FAAA}" dt="2025-05-19T22:54:17.183" v="4366" actId="20577"/>
-      <pc:docMkLst>
-        <pc:docMk/>
-      </pc:docMkLst>
-      <pc:sldChg chg="modSp mod">
-        <pc:chgData name="Elia Geromin (s)" userId="2de40101-81c9-4a0f-8315-3bbc1bc984b9" providerId="ADAL" clId="{E521D3EF-61A7-7244-A220-34FBCD13FAAA}" dt="2025-05-18T17:19:57.948" v="2708" actId="20577"/>
-        <pc:sldMkLst>
-          <pc:docMk/>
-          <pc:sldMk cId="1577499883" sldId="256"/>
-        </pc:sldMkLst>
-        <pc:spChg chg="mod">
-          <ac:chgData name="Elia Geromin (s)" userId="2de40101-81c9-4a0f-8315-3bbc1bc984b9" providerId="ADAL" clId="{E521D3EF-61A7-7244-A220-34FBCD13FAAA}" dt="2025-05-18T17:19:57.948" v="2708" actId="20577"/>
-          <ac:spMkLst>
-            <pc:docMk/>
-            <pc:sldMk cId="1577499883" sldId="256"/>
-            <ac:spMk id="3" creationId="{00000000-0000-0000-0000-000000000000}"/>
-          </ac:spMkLst>
-        </pc:spChg>
-      </pc:sldChg>
-      <pc:sldChg chg="modSp mod">
-        <pc:chgData name="Elia Geromin (s)" userId="2de40101-81c9-4a0f-8315-3bbc1bc984b9" providerId="ADAL" clId="{E521D3EF-61A7-7244-A220-34FBCD13FAAA}" dt="2025-05-09T05:45:21.700" v="139" actId="20577"/>
-        <pc:sldMkLst>
-          <pc:docMk/>
-          <pc:sldMk cId="1810379146" sldId="264"/>
-        </pc:sldMkLst>
-      </pc:sldChg>
-      <pc:sldChg chg="addSp delSp modSp mod setBg">
-        <pc:chgData name="Elia Geromin (s)" userId="2de40101-81c9-4a0f-8315-3bbc1bc984b9" providerId="ADAL" clId="{E521D3EF-61A7-7244-A220-34FBCD13FAAA}" dt="2025-05-12T09:01:59.971" v="258" actId="20577"/>
-        <pc:sldMkLst>
-          <pc:docMk/>
-          <pc:sldMk cId="738540662" sldId="265"/>
-        </pc:sldMkLst>
-        <pc:spChg chg="mod">
-          <ac:chgData name="Elia Geromin (s)" userId="2de40101-81c9-4a0f-8315-3bbc1bc984b9" providerId="ADAL" clId="{E521D3EF-61A7-7244-A220-34FBCD13FAAA}" dt="2025-05-09T05:43:32.786" v="3" actId="26606"/>
-          <ac:spMkLst>
-            <pc:docMk/>
-            <pc:sldMk cId="738540662" sldId="265"/>
-            <ac:spMk id="2" creationId="{6A393300-83B9-D0BB-D7A2-59E1A8F0458A}"/>
-          </ac:spMkLst>
-        </pc:spChg>
-      </pc:sldChg>
-      <pc:sldChg chg="modSp mod">
-        <pc:chgData name="Elia Geromin (s)" userId="2de40101-81c9-4a0f-8315-3bbc1bc984b9" providerId="ADAL" clId="{E521D3EF-61A7-7244-A220-34FBCD13FAAA}" dt="2025-05-18T09:39:08.077" v="1642" actId="20577"/>
-        <pc:sldMkLst>
-          <pc:docMk/>
-          <pc:sldMk cId="1074422744" sldId="279"/>
-        </pc:sldMkLst>
-        <pc:spChg chg="mod">
-          <ac:chgData name="Elia Geromin (s)" userId="2de40101-81c9-4a0f-8315-3bbc1bc984b9" providerId="ADAL" clId="{E521D3EF-61A7-7244-A220-34FBCD13FAAA}" dt="2025-05-18T09:39:08.077" v="1642" actId="20577"/>
-          <ac:spMkLst>
-            <pc:docMk/>
-            <pc:sldMk cId="1074422744" sldId="279"/>
-            <ac:spMk id="3" creationId="{0BB54BEA-F380-319D-696A-08FA537CF11D}"/>
-          </ac:spMkLst>
-        </pc:spChg>
-      </pc:sldChg>
-      <pc:sldChg chg="addSp delSp modSp add mod">
-        <pc:chgData name="Elia Geromin (s)" userId="2de40101-81c9-4a0f-8315-3bbc1bc984b9" providerId="ADAL" clId="{E521D3EF-61A7-7244-A220-34FBCD13FAAA}" dt="2025-05-18T17:17:35.027" v="2590" actId="20577"/>
-        <pc:sldMkLst>
-          <pc:docMk/>
-          <pc:sldMk cId="3419743759" sldId="280"/>
-        </pc:sldMkLst>
-        <pc:spChg chg="mod">
-          <ac:chgData name="Elia Geromin (s)" userId="2de40101-81c9-4a0f-8315-3bbc1bc984b9" providerId="ADAL" clId="{E521D3EF-61A7-7244-A220-34FBCD13FAAA}" dt="2025-05-18T17:17:35.027" v="2590" actId="20577"/>
-          <ac:spMkLst>
-            <pc:docMk/>
-            <pc:sldMk cId="3419743759" sldId="280"/>
-            <ac:spMk id="3" creationId="{92CCC8EA-1B6D-603D-5772-FFF67DBF1130}"/>
-          </ac:spMkLst>
-        </pc:spChg>
-      </pc:sldChg>
-      <pc:sldChg chg="modSp add mod">
-        <pc:chgData name="Elia Geromin (s)" userId="2de40101-81c9-4a0f-8315-3bbc1bc984b9" providerId="ADAL" clId="{E521D3EF-61A7-7244-A220-34FBCD13FAAA}" dt="2025-05-18T09:40:00.799" v="1660" actId="20577"/>
-        <pc:sldMkLst>
-          <pc:docMk/>
-          <pc:sldMk cId="3841946204" sldId="281"/>
-        </pc:sldMkLst>
-        <pc:spChg chg="mod">
-          <ac:chgData name="Elia Geromin (s)" userId="2de40101-81c9-4a0f-8315-3bbc1bc984b9" providerId="ADAL" clId="{E521D3EF-61A7-7244-A220-34FBCD13FAAA}" dt="2025-05-18T09:40:00.799" v="1660" actId="20577"/>
-          <ac:spMkLst>
-            <pc:docMk/>
-            <pc:sldMk cId="3841946204" sldId="281"/>
-            <ac:spMk id="3" creationId="{3874EC3C-C1F6-075E-5CCC-B838347C6A4D}"/>
-          </ac:spMkLst>
-        </pc:spChg>
-      </pc:sldChg>
-      <pc:sldChg chg="modSp add mod">
-        <pc:chgData name="Elia Geromin (s)" userId="2de40101-81c9-4a0f-8315-3bbc1bc984b9" providerId="ADAL" clId="{E521D3EF-61A7-7244-A220-34FBCD13FAAA}" dt="2025-05-18T09:42:06.968" v="1692" actId="20577"/>
-        <pc:sldMkLst>
-          <pc:docMk/>
-          <pc:sldMk cId="1167533235" sldId="282"/>
-        </pc:sldMkLst>
-        <pc:spChg chg="mod">
-          <ac:chgData name="Elia Geromin (s)" userId="2de40101-81c9-4a0f-8315-3bbc1bc984b9" providerId="ADAL" clId="{E521D3EF-61A7-7244-A220-34FBCD13FAAA}" dt="2025-05-18T09:42:06.968" v="1692" actId="20577"/>
-          <ac:spMkLst>
-            <pc:docMk/>
-            <pc:sldMk cId="1167533235" sldId="282"/>
-            <ac:spMk id="3" creationId="{20BF2C2D-BCD1-9955-4BB0-05DE73D31992}"/>
-          </ac:spMkLst>
-        </pc:spChg>
-      </pc:sldChg>
-      <pc:sldChg chg="modSp add mod">
-        <pc:chgData name="Elia Geromin (s)" userId="2de40101-81c9-4a0f-8315-3bbc1bc984b9" providerId="ADAL" clId="{E521D3EF-61A7-7244-A220-34FBCD13FAAA}" dt="2025-05-18T17:08:37.750" v="2340" actId="20577"/>
-        <pc:sldMkLst>
-          <pc:docMk/>
-          <pc:sldMk cId="821717914" sldId="283"/>
-        </pc:sldMkLst>
-        <pc:spChg chg="mod">
-          <ac:chgData name="Elia Geromin (s)" userId="2de40101-81c9-4a0f-8315-3bbc1bc984b9" providerId="ADAL" clId="{E521D3EF-61A7-7244-A220-34FBCD13FAAA}" dt="2025-05-18T17:08:37.750" v="2340" actId="20577"/>
-          <ac:spMkLst>
-            <pc:docMk/>
-            <pc:sldMk cId="821717914" sldId="283"/>
-            <ac:spMk id="2" creationId="{0FB9D1EC-97BD-AD80-216E-D9F996E475D3}"/>
-          </ac:spMkLst>
-        </pc:spChg>
-        <pc:spChg chg="mod">
-          <ac:chgData name="Elia Geromin (s)" userId="2de40101-81c9-4a0f-8315-3bbc1bc984b9" providerId="ADAL" clId="{E521D3EF-61A7-7244-A220-34FBCD13FAAA}" dt="2025-05-18T09:41:00.711" v="1676" actId="20577"/>
-          <ac:spMkLst>
-            <pc:docMk/>
-            <pc:sldMk cId="821717914" sldId="283"/>
-            <ac:spMk id="3" creationId="{576429D0-D0D3-29EE-0BAE-08F4551EEC25}"/>
-          </ac:spMkLst>
-        </pc:spChg>
-      </pc:sldChg>
-      <pc:sldChg chg="modSp add mod modCm">
-        <pc:chgData name="Elia Geromin (s)" userId="2de40101-81c9-4a0f-8315-3bbc1bc984b9" providerId="ADAL" clId="{E521D3EF-61A7-7244-A220-34FBCD13FAAA}" dt="2025-05-18T17:09:50.601" v="2347" actId="20577"/>
-        <pc:sldMkLst>
-          <pc:docMk/>
-          <pc:sldMk cId="1333545438" sldId="284"/>
-        </pc:sldMkLst>
-        <pc:spChg chg="mod">
-          <ac:chgData name="Elia Geromin (s)" userId="2de40101-81c9-4a0f-8315-3bbc1bc984b9" providerId="ADAL" clId="{E521D3EF-61A7-7244-A220-34FBCD13FAAA}" dt="2025-05-18T17:09:00.197" v="2342" actId="27636"/>
-          <ac:spMkLst>
-            <pc:docMk/>
-            <pc:sldMk cId="1333545438" sldId="284"/>
-            <ac:spMk id="2" creationId="{6B1E2847-9ADE-7AA6-0A61-4D2C6F042998}"/>
-          </ac:spMkLst>
-        </pc:spChg>
-        <pc:spChg chg="mod">
-          <ac:chgData name="Elia Geromin (s)" userId="2de40101-81c9-4a0f-8315-3bbc1bc984b9" providerId="ADAL" clId="{E521D3EF-61A7-7244-A220-34FBCD13FAAA}" dt="2025-05-18T17:09:50.601" v="2347" actId="20577"/>
-          <ac:spMkLst>
-            <pc:docMk/>
-            <pc:sldMk cId="1333545438" sldId="284"/>
-            <ac:spMk id="3" creationId="{86EF0C0B-6EF5-A584-7D5D-8ED616041690}"/>
-          </ac:spMkLst>
-        </pc:spChg>
-        <pc:extLst>
-          <p:ext xmlns:p="http://schemas.openxmlformats.org/presentationml/2006/main" uri="{D6D511B9-2390-475A-947B-AFAB55BFBCF1}">
-            <pc226:cmChg xmlns:pc226="http://schemas.microsoft.com/office/powerpoint/2022/06/main/command" chg="mod">
-              <pc226:chgData name="Elia Geromin (s)" userId="2de40101-81c9-4a0f-8315-3bbc1bc984b9" providerId="ADAL" clId="{E521D3EF-61A7-7244-A220-34FBCD13FAAA}" dt="2025-05-18T17:09:00.149" v="2341" actId="20577"/>
-              <pc2:cmMkLst xmlns:pc2="http://schemas.microsoft.com/office/powerpoint/2019/9/main/command">
-                <pc:docMk/>
-                <pc:sldMk cId="1333545438" sldId="284"/>
-                <pc2:cmMk id="{4F47C56D-ABCC-4E2B-9FE4-66D64826053C}"/>
-              </pc2:cmMkLst>
-            </pc226:cmChg>
-          </p:ext>
-        </pc:extLst>
-      </pc:sldChg>
-      <pc:sldChg chg="modSp new mod">
-        <pc:chgData name="Elia Geromin (s)" userId="2de40101-81c9-4a0f-8315-3bbc1bc984b9" providerId="ADAL" clId="{E521D3EF-61A7-7244-A220-34FBCD13FAAA}" dt="2025-05-18T13:32:26.612" v="2285" actId="20577"/>
-        <pc:sldMkLst>
-          <pc:docMk/>
-          <pc:sldMk cId="3449873247" sldId="291"/>
-        </pc:sldMkLst>
-        <pc:spChg chg="mod">
-          <ac:chgData name="Elia Geromin (s)" userId="2de40101-81c9-4a0f-8315-3bbc1bc984b9" providerId="ADAL" clId="{E521D3EF-61A7-7244-A220-34FBCD13FAAA}" dt="2025-05-18T13:32:26.612" v="2285" actId="20577"/>
-          <ac:spMkLst>
-            <pc:docMk/>
-            <pc:sldMk cId="3449873247" sldId="291"/>
-            <ac:spMk id="2" creationId="{9A21931A-7B87-660D-6F77-DCE686E14A51}"/>
-          </ac:spMkLst>
-        </pc:spChg>
-        <pc:spChg chg="mod">
-          <ac:chgData name="Elia Geromin (s)" userId="2de40101-81c9-4a0f-8315-3bbc1bc984b9" providerId="ADAL" clId="{E521D3EF-61A7-7244-A220-34FBCD13FAAA}" dt="2025-05-18T13:31:55.070" v="2276" actId="20577"/>
-          <ac:spMkLst>
-            <pc:docMk/>
-            <pc:sldMk cId="3449873247" sldId="291"/>
-            <ac:spMk id="3" creationId="{6408218E-A65C-DB47-3F43-09BCE6E1DBD5}"/>
-          </ac:spMkLst>
-        </pc:spChg>
-      </pc:sldChg>
-      <pc:sldChg chg="modSp mod">
-        <pc:chgData name="Elia Geromin (s)" userId="2de40101-81c9-4a0f-8315-3bbc1bc984b9" providerId="ADAL" clId="{E521D3EF-61A7-7244-A220-34FBCD13FAAA}" dt="2025-05-19T22:35:58.311" v="3246" actId="20577"/>
-        <pc:sldMkLst>
-          <pc:docMk/>
-          <pc:sldMk cId="454520595" sldId="296"/>
-        </pc:sldMkLst>
-        <pc:spChg chg="mod">
-          <ac:chgData name="Elia Geromin (s)" userId="2de40101-81c9-4a0f-8315-3bbc1bc984b9" providerId="ADAL" clId="{E521D3EF-61A7-7244-A220-34FBCD13FAAA}" dt="2025-05-19T22:35:58.311" v="3246" actId="20577"/>
-          <ac:spMkLst>
-            <pc:docMk/>
-            <pc:sldMk cId="454520595" sldId="296"/>
-            <ac:spMk id="3" creationId="{06208E74-2886-44C3-2843-5610CDED8A40}"/>
-          </ac:spMkLst>
-        </pc:spChg>
-      </pc:sldChg>
-      <pc:sldChg chg="modSp mod">
-        <pc:chgData name="Elia Geromin (s)" userId="2de40101-81c9-4a0f-8315-3bbc1bc984b9" providerId="ADAL" clId="{E521D3EF-61A7-7244-A220-34FBCD13FAAA}" dt="2025-05-19T22:53:51.820" v="4353" actId="20577"/>
-        <pc:sldMkLst>
-          <pc:docMk/>
-          <pc:sldMk cId="2355913817" sldId="310"/>
-        </pc:sldMkLst>
-        <pc:spChg chg="mod">
-          <ac:chgData name="Elia Geromin (s)" userId="2de40101-81c9-4a0f-8315-3bbc1bc984b9" providerId="ADAL" clId="{E521D3EF-61A7-7244-A220-34FBCD13FAAA}" dt="2025-05-19T22:53:51.820" v="4353" actId="20577"/>
-          <ac:spMkLst>
-            <pc:docMk/>
-            <pc:sldMk cId="2355913817" sldId="310"/>
-            <ac:spMk id="2" creationId="{8346029D-0C67-17D6-A3D5-7C691B63AFDC}"/>
-          </ac:spMkLst>
-        </pc:spChg>
-        <pc:spChg chg="mod">
-          <ac:chgData name="Elia Geromin (s)" userId="2de40101-81c9-4a0f-8315-3bbc1bc984b9" providerId="ADAL" clId="{E521D3EF-61A7-7244-A220-34FBCD13FAAA}" dt="2025-05-19T22:43:48.151" v="3683" actId="20577"/>
-          <ac:spMkLst>
-            <pc:docMk/>
-            <pc:sldMk cId="2355913817" sldId="310"/>
-            <ac:spMk id="3" creationId="{42228345-539E-2293-3B5A-8DF0D27D2245}"/>
-          </ac:spMkLst>
-        </pc:spChg>
-      </pc:sldChg>
-      <pc:sldChg chg="addSp delSp modSp add mod">
-        <pc:chgData name="Elia Geromin (s)" userId="2de40101-81c9-4a0f-8315-3bbc1bc984b9" providerId="ADAL" clId="{E521D3EF-61A7-7244-A220-34FBCD13FAAA}" dt="2025-05-19T22:53:59.150" v="4360" actId="20577"/>
-        <pc:sldMkLst>
-          <pc:docMk/>
-          <pc:sldMk cId="3667580556" sldId="316"/>
-        </pc:sldMkLst>
-        <pc:spChg chg="mod">
-          <ac:chgData name="Elia Geromin (s)" userId="2de40101-81c9-4a0f-8315-3bbc1bc984b9" providerId="ADAL" clId="{E521D3EF-61A7-7244-A220-34FBCD13FAAA}" dt="2025-05-19T22:53:59.150" v="4360" actId="20577"/>
-          <ac:spMkLst>
-            <pc:docMk/>
-            <pc:sldMk cId="3667580556" sldId="316"/>
-            <ac:spMk id="2" creationId="{A988A277-8DBE-3327-35A0-E9B0FA639C9F}"/>
-          </ac:spMkLst>
-        </pc:spChg>
-        <pc:picChg chg="add mod">
-          <ac:chgData name="Elia Geromin (s)" userId="2de40101-81c9-4a0f-8315-3bbc1bc984b9" providerId="ADAL" clId="{E521D3EF-61A7-7244-A220-34FBCD13FAAA}" dt="2025-05-19T22:45:24.149" v="3698" actId="14100"/>
-          <ac:picMkLst>
-            <pc:docMk/>
-            <pc:sldMk cId="3667580556" sldId="316"/>
-            <ac:picMk id="5" creationId="{FB442F20-C5A8-13EF-7F89-2DDA0D164EC8}"/>
-          </ac:picMkLst>
-        </pc:picChg>
-        <pc:picChg chg="add mod">
-          <ac:chgData name="Elia Geromin (s)" userId="2de40101-81c9-4a0f-8315-3bbc1bc984b9" providerId="ADAL" clId="{E521D3EF-61A7-7244-A220-34FBCD13FAAA}" dt="2025-05-19T22:45:35.383" v="3701" actId="14100"/>
-          <ac:picMkLst>
-            <pc:docMk/>
-            <pc:sldMk cId="3667580556" sldId="316"/>
-            <ac:picMk id="7" creationId="{5FACC319-83FC-76C5-592A-5E281AD6B560}"/>
-          </ac:picMkLst>
-        </pc:picChg>
-      </pc:sldChg>
-      <pc:sldChg chg="modSp add mod ord">
-        <pc:chgData name="Elia Geromin (s)" userId="2de40101-81c9-4a0f-8315-3bbc1bc984b9" providerId="ADAL" clId="{E521D3EF-61A7-7244-A220-34FBCD13FAAA}" dt="2025-05-19T22:54:04.846" v="4362" actId="20577"/>
-        <pc:sldMkLst>
-          <pc:docMk/>
-          <pc:sldMk cId="1659016504" sldId="317"/>
-        </pc:sldMkLst>
-        <pc:spChg chg="mod">
-          <ac:chgData name="Elia Geromin (s)" userId="2de40101-81c9-4a0f-8315-3bbc1bc984b9" providerId="ADAL" clId="{E521D3EF-61A7-7244-A220-34FBCD13FAAA}" dt="2025-05-19T22:54:04.846" v="4362" actId="20577"/>
-          <ac:spMkLst>
-            <pc:docMk/>
-            <pc:sldMk cId="1659016504" sldId="317"/>
-            <ac:spMk id="2" creationId="{BC25F722-71ED-DAD8-7640-A28DCE7C16A7}"/>
-          </ac:spMkLst>
-        </pc:spChg>
-        <pc:spChg chg="mod">
-          <ac:chgData name="Elia Geromin (s)" userId="2de40101-81c9-4a0f-8315-3bbc1bc984b9" providerId="ADAL" clId="{E521D3EF-61A7-7244-A220-34FBCD13FAAA}" dt="2025-05-19T22:51:14.185" v="4323" actId="20577"/>
-          <ac:spMkLst>
-            <pc:docMk/>
-            <pc:sldMk cId="1659016504" sldId="317"/>
-            <ac:spMk id="3" creationId="{1B3E3F1C-1D6E-A64E-9570-6DB47EEEEB78}"/>
-          </ac:spMkLst>
-        </pc:spChg>
-      </pc:sldChg>
-      <pc:sldChg chg="addSp delSp modSp add mod setBg">
-        <pc:chgData name="Elia Geromin (s)" userId="2de40101-81c9-4a0f-8315-3bbc1bc984b9" providerId="ADAL" clId="{E521D3EF-61A7-7244-A220-34FBCD13FAAA}" dt="2025-05-19T22:54:11.181" v="4364" actId="20577"/>
-        <pc:sldMkLst>
-          <pc:docMk/>
-          <pc:sldMk cId="285650887" sldId="318"/>
-        </pc:sldMkLst>
-        <pc:spChg chg="mod">
-          <ac:chgData name="Elia Geromin (s)" userId="2de40101-81c9-4a0f-8315-3bbc1bc984b9" providerId="ADAL" clId="{E521D3EF-61A7-7244-A220-34FBCD13FAAA}" dt="2025-05-19T22:54:11.181" v="4364" actId="20577"/>
-          <ac:spMkLst>
-            <pc:docMk/>
-            <pc:sldMk cId="285650887" sldId="318"/>
-            <ac:spMk id="2" creationId="{791A1F53-BF5B-9CD6-1FD8-E1AD51BE3327}"/>
-          </ac:spMkLst>
-        </pc:spChg>
-        <pc:picChg chg="add mod ord">
-          <ac:chgData name="Elia Geromin (s)" userId="2de40101-81c9-4a0f-8315-3bbc1bc984b9" providerId="ADAL" clId="{E521D3EF-61A7-7244-A220-34FBCD13FAAA}" dt="2025-05-19T22:52:45.215" v="4346" actId="14100"/>
-          <ac:picMkLst>
-            <pc:docMk/>
-            <pc:sldMk cId="285650887" sldId="318"/>
-            <ac:picMk id="5" creationId="{85B55497-6E93-3DB3-D86C-1F2821E79B48}"/>
-          </ac:picMkLst>
-        </pc:picChg>
-      </pc:sldChg>
-      <pc:sldChg chg="addSp delSp modSp add mod">
-        <pc:chgData name="Elia Geromin (s)" userId="2de40101-81c9-4a0f-8315-3bbc1bc984b9" providerId="ADAL" clId="{E521D3EF-61A7-7244-A220-34FBCD13FAAA}" dt="2025-05-19T22:54:17.183" v="4366" actId="20577"/>
-        <pc:sldMkLst>
-          <pc:docMk/>
-          <pc:sldMk cId="3997049224" sldId="319"/>
-        </pc:sldMkLst>
-        <pc:spChg chg="mod">
-          <ac:chgData name="Elia Geromin (s)" userId="2de40101-81c9-4a0f-8315-3bbc1bc984b9" providerId="ADAL" clId="{E521D3EF-61A7-7244-A220-34FBCD13FAAA}" dt="2025-05-19T22:54:17.183" v="4366" actId="20577"/>
-          <ac:spMkLst>
-            <pc:docMk/>
-            <pc:sldMk cId="3997049224" sldId="319"/>
-            <ac:spMk id="2" creationId="{AF8CE273-7E0A-74F7-4914-BFD8ADFDF39C}"/>
-          </ac:spMkLst>
-        </pc:spChg>
-        <pc:picChg chg="mod">
-          <ac:chgData name="Elia Geromin (s)" userId="2de40101-81c9-4a0f-8315-3bbc1bc984b9" providerId="ADAL" clId="{E521D3EF-61A7-7244-A220-34FBCD13FAAA}" dt="2025-05-19T22:53:04.246" v="4351" actId="14100"/>
-          <ac:picMkLst>
-            <pc:docMk/>
-            <pc:sldMk cId="3997049224" sldId="319"/>
-            <ac:picMk id="7" creationId="{3032AEAF-12EC-2E65-E2C0-B3B154F5C750}"/>
-          </ac:picMkLst>
-        </pc:picChg>
-      </pc:sldChg>
-    </pc:docChg>
-  </pc:docChgLst>
-  <pc:docChgLst>
-    <pc:chgData name="Bastian Büeler (s)" userId="e39f6fd0-c78f-474b-9c7d-3977659f393b" providerId="ADAL" clId="{CF1D351C-345A-4978-AAC3-8BB4B8BD928A}"/>
-    <pc:docChg chg="undo custSel addSld modSld">
-      <pc:chgData name="Bastian Büeler (s)" userId="e39f6fd0-c78f-474b-9c7d-3977659f393b" providerId="ADAL" clId="{CF1D351C-345A-4978-AAC3-8BB4B8BD928A}" dt="2025-05-20T14:00:40.825" v="483" actId="20577"/>
-      <pc:docMkLst>
-        <pc:docMk/>
-      </pc:docMkLst>
-      <pc:sldChg chg="modSp mod">
-        <pc:chgData name="Bastian Büeler (s)" userId="e39f6fd0-c78f-474b-9c7d-3977659f393b" providerId="ADAL" clId="{CF1D351C-345A-4978-AAC3-8BB4B8BD928A}" dt="2025-05-19T15:20:51.583" v="112" actId="20577"/>
-        <pc:sldMkLst>
-          <pc:docMk/>
-          <pc:sldMk cId="914902159" sldId="261"/>
-        </pc:sldMkLst>
-        <pc:spChg chg="mod">
-          <ac:chgData name="Bastian Büeler (s)" userId="e39f6fd0-c78f-474b-9c7d-3977659f393b" providerId="ADAL" clId="{CF1D351C-345A-4978-AAC3-8BB4B8BD928A}" dt="2025-05-19T15:20:51.583" v="112" actId="20577"/>
-          <ac:spMkLst>
-            <pc:docMk/>
-            <pc:sldMk cId="914902159" sldId="261"/>
-            <ac:spMk id="9" creationId="{E249F1D9-D4EE-28C4-4E40-202A74582571}"/>
-          </ac:spMkLst>
-        </pc:spChg>
-        <pc:picChg chg="mod">
-          <ac:chgData name="Bastian Büeler (s)" userId="e39f6fd0-c78f-474b-9c7d-3977659f393b" providerId="ADAL" clId="{CF1D351C-345A-4978-AAC3-8BB4B8BD928A}" dt="2025-05-19T15:20:46.353" v="97" actId="1076"/>
-          <ac:picMkLst>
-            <pc:docMk/>
-            <pc:sldMk cId="914902159" sldId="261"/>
-            <ac:picMk id="11" creationId="{150ADD2B-1E62-948A-40AA-C9DBB6C8452E}"/>
-          </ac:picMkLst>
-        </pc:picChg>
-        <pc:picChg chg="mod">
-          <ac:chgData name="Bastian Büeler (s)" userId="e39f6fd0-c78f-474b-9c7d-3977659f393b" providerId="ADAL" clId="{CF1D351C-345A-4978-AAC3-8BB4B8BD928A}" dt="2025-05-19T15:20:42.453" v="96" actId="1076"/>
-          <ac:picMkLst>
-            <pc:docMk/>
-            <pc:sldMk cId="914902159" sldId="261"/>
-            <ac:picMk id="13" creationId="{04EB9149-FF27-6018-9A5A-1C653E42B415}"/>
-          </ac:picMkLst>
-        </pc:picChg>
-      </pc:sldChg>
-      <pc:sldChg chg="addSp delSp modSp mod setBg">
-        <pc:chgData name="Bastian Büeler (s)" userId="e39f6fd0-c78f-474b-9c7d-3977659f393b" providerId="ADAL" clId="{CF1D351C-345A-4978-AAC3-8BB4B8BD928A}" dt="2025-05-19T15:14:14.572" v="22" actId="26606"/>
-        <pc:sldMkLst>
-          <pc:docMk/>
-          <pc:sldMk cId="585021499" sldId="272"/>
-        </pc:sldMkLst>
-        <pc:spChg chg="mod">
-          <ac:chgData name="Bastian Büeler (s)" userId="e39f6fd0-c78f-474b-9c7d-3977659f393b" providerId="ADAL" clId="{CF1D351C-345A-4978-AAC3-8BB4B8BD928A}" dt="2025-05-19T15:14:14.572" v="22" actId="26606"/>
-          <ac:spMkLst>
-            <pc:docMk/>
-            <pc:sldMk cId="585021499" sldId="272"/>
-            <ac:spMk id="2" creationId="{2CEB55BE-814A-FC8E-8AFB-7EE59C94466E}"/>
-          </ac:spMkLst>
-        </pc:spChg>
-        <pc:spChg chg="add">
-          <ac:chgData name="Bastian Büeler (s)" userId="e39f6fd0-c78f-474b-9c7d-3977659f393b" providerId="ADAL" clId="{CF1D351C-345A-4978-AAC3-8BB4B8BD928A}" dt="2025-05-19T15:14:14.572" v="22" actId="26606"/>
-          <ac:spMkLst>
-            <pc:docMk/>
-            <pc:sldMk cId="585021499" sldId="272"/>
-            <ac:spMk id="365" creationId="{489B7BFD-8F45-4093-AD9C-91B15B0503D9}"/>
-          </ac:spMkLst>
-        </pc:spChg>
-        <pc:spChg chg="add">
-          <ac:chgData name="Bastian Büeler (s)" userId="e39f6fd0-c78f-474b-9c7d-3977659f393b" providerId="ADAL" clId="{CF1D351C-345A-4978-AAC3-8BB4B8BD928A}" dt="2025-05-19T15:14:14.572" v="22" actId="26606"/>
-          <ac:spMkLst>
-            <pc:docMk/>
-            <pc:sldMk cId="585021499" sldId="272"/>
-            <ac:spMk id="371" creationId="{498F8FF6-43B4-494A-AF8F-123A4983EDF7}"/>
-          </ac:spMkLst>
-        </pc:spChg>
-        <pc:spChg chg="add">
-          <ac:chgData name="Bastian Büeler (s)" userId="e39f6fd0-c78f-474b-9c7d-3977659f393b" providerId="ADAL" clId="{CF1D351C-345A-4978-AAC3-8BB4B8BD928A}" dt="2025-05-19T15:14:14.572" v="22" actId="26606"/>
-          <ac:spMkLst>
-            <pc:docMk/>
-            <pc:sldMk cId="585021499" sldId="272"/>
-            <ac:spMk id="373" creationId="{2B06059C-C357-4011-82B9-9C0106301384}"/>
-          </ac:spMkLst>
-        </pc:spChg>
-        <pc:spChg chg="add">
-          <ac:chgData name="Bastian Büeler (s)" userId="e39f6fd0-c78f-474b-9c7d-3977659f393b" providerId="ADAL" clId="{CF1D351C-345A-4978-AAC3-8BB4B8BD928A}" dt="2025-05-19T15:14:14.572" v="22" actId="26606"/>
-          <ac:spMkLst>
-            <pc:docMk/>
-            <pc:sldMk cId="585021499" sldId="272"/>
-            <ac:spMk id="375" creationId="{5AFEC601-A132-47EE-B0C2-B38ACD9FCE6F}"/>
-          </ac:spMkLst>
-        </pc:spChg>
-        <pc:spChg chg="add">
-          <ac:chgData name="Bastian Büeler (s)" userId="e39f6fd0-c78f-474b-9c7d-3977659f393b" providerId="ADAL" clId="{CF1D351C-345A-4978-AAC3-8BB4B8BD928A}" dt="2025-05-19T15:14:14.572" v="22" actId="26606"/>
-          <ac:spMkLst>
-            <pc:docMk/>
-            <pc:sldMk cId="585021499" sldId="272"/>
-            <ac:spMk id="377" creationId="{279CAF82-0ECF-42BE-8F37-F71941E5D410}"/>
-          </ac:spMkLst>
-        </pc:spChg>
-        <pc:spChg chg="add">
-          <ac:chgData name="Bastian Büeler (s)" userId="e39f6fd0-c78f-474b-9c7d-3977659f393b" providerId="ADAL" clId="{CF1D351C-345A-4978-AAC3-8BB4B8BD928A}" dt="2025-05-19T15:14:14.572" v="22" actId="26606"/>
-          <ac:spMkLst>
-            <pc:docMk/>
-            <pc:sldMk cId="585021499" sldId="272"/>
-            <ac:spMk id="379" creationId="{218E095B-4870-4AD5-9C41-C16D59523501}"/>
-          </ac:spMkLst>
-        </pc:spChg>
-        <pc:spChg chg="add">
-          <ac:chgData name="Bastian Büeler (s)" userId="e39f6fd0-c78f-474b-9c7d-3977659f393b" providerId="ADAL" clId="{CF1D351C-345A-4978-AAC3-8BB4B8BD928A}" dt="2025-05-19T15:14:14.572" v="22" actId="26606"/>
-          <ac:spMkLst>
-            <pc:docMk/>
-            <pc:sldMk cId="585021499" sldId="272"/>
-            <ac:spMk id="388" creationId="{033BC44A-0661-43B4-9C14-FD5963C226AE}"/>
-          </ac:spMkLst>
-        </pc:spChg>
-        <pc:spChg chg="add">
-          <ac:chgData name="Bastian Büeler (s)" userId="e39f6fd0-c78f-474b-9c7d-3977659f393b" providerId="ADAL" clId="{CF1D351C-345A-4978-AAC3-8BB4B8BD928A}" dt="2025-05-19T15:14:14.572" v="22" actId="26606"/>
-          <ac:spMkLst>
-            <pc:docMk/>
-            <pc:sldMk cId="585021499" sldId="272"/>
-            <ac:spMk id="390" creationId="{BE8CB2F0-2F5A-4EBD-B214-E0309C31F578}"/>
-          </ac:spMkLst>
-        </pc:spChg>
-        <pc:spChg chg="add">
-          <ac:chgData name="Bastian Büeler (s)" userId="e39f6fd0-c78f-474b-9c7d-3977659f393b" providerId="ADAL" clId="{CF1D351C-345A-4978-AAC3-8BB4B8BD928A}" dt="2025-05-19T15:14:14.572" v="22" actId="26606"/>
-          <ac:spMkLst>
-            <pc:docMk/>
-            <pc:sldMk cId="585021499" sldId="272"/>
-            <ac:spMk id="392" creationId="{FFD3887D-244B-4EC4-9208-E304984C5D0F}"/>
-          </ac:spMkLst>
-        </pc:spChg>
-        <pc:spChg chg="add">
-          <ac:chgData name="Bastian Büeler (s)" userId="e39f6fd0-c78f-474b-9c7d-3977659f393b" providerId="ADAL" clId="{CF1D351C-345A-4978-AAC3-8BB4B8BD928A}" dt="2025-05-19T15:14:14.572" v="22" actId="26606"/>
-          <ac:spMkLst>
-            <pc:docMk/>
-            <pc:sldMk cId="585021499" sldId="272"/>
-            <ac:spMk id="394" creationId="{97224C31-855E-4593-8A58-5B2B0CC4F537}"/>
-          </ac:spMkLst>
-        </pc:spChg>
-        <pc:grpChg chg="add">
-          <ac:chgData name="Bastian Büeler (s)" userId="e39f6fd0-c78f-474b-9c7d-3977659f393b" providerId="ADAL" clId="{CF1D351C-345A-4978-AAC3-8BB4B8BD928A}" dt="2025-05-19T15:14:14.572" v="22" actId="26606"/>
-          <ac:grpSpMkLst>
-            <pc:docMk/>
-            <pc:sldMk cId="585021499" sldId="272"/>
-            <ac:grpSpMk id="367" creationId="{042BC7E5-76DB-4826-8C07-4A49B6353F76}"/>
-          </ac:grpSpMkLst>
-        </pc:grpChg>
-        <pc:grpChg chg="add">
-          <ac:chgData name="Bastian Büeler (s)" userId="e39f6fd0-c78f-474b-9c7d-3977659f393b" providerId="ADAL" clId="{CF1D351C-345A-4978-AAC3-8BB4B8BD928A}" dt="2025-05-19T15:14:14.572" v="22" actId="26606"/>
-          <ac:grpSpMkLst>
-            <pc:docMk/>
-            <pc:sldMk cId="585021499" sldId="272"/>
-            <ac:grpSpMk id="381" creationId="{FB9739EB-7F66-433D-841F-AB3CD18700B7}"/>
-          </ac:grpSpMkLst>
-        </pc:grpChg>
-      </pc:sldChg>
-      <pc:sldChg chg="addSp delSp modSp mod">
-        <pc:chgData name="Bastian Büeler (s)" userId="e39f6fd0-c78f-474b-9c7d-3977659f393b" providerId="ADAL" clId="{CF1D351C-345A-4978-AAC3-8BB4B8BD928A}" dt="2025-05-20T13:57:47.746" v="407" actId="20577"/>
-        <pc:sldMkLst>
-          <pc:docMk/>
-          <pc:sldMk cId="2278894473" sldId="309"/>
-        </pc:sldMkLst>
-        <pc:spChg chg="mod">
-          <ac:chgData name="Bastian Büeler (s)" userId="e39f6fd0-c78f-474b-9c7d-3977659f393b" providerId="ADAL" clId="{CF1D351C-345A-4978-AAC3-8BB4B8BD928A}" dt="2025-05-19T15:31:32.449" v="159" actId="1076"/>
-          <ac:spMkLst>
-            <pc:docMk/>
-            <pc:sldMk cId="2278894473" sldId="309"/>
-            <ac:spMk id="2" creationId="{AE2595EE-7350-F4E8-992C-AE06633CE23B}"/>
-          </ac:spMkLst>
-        </pc:spChg>
-        <pc:spChg chg="add mod">
-          <ac:chgData name="Bastian Büeler (s)" userId="e39f6fd0-c78f-474b-9c7d-3977659f393b" providerId="ADAL" clId="{CF1D351C-345A-4978-AAC3-8BB4B8BD928A}" dt="2025-05-20T13:57:47.746" v="407" actId="20577"/>
-          <ac:spMkLst>
-            <pc:docMk/>
-            <pc:sldMk cId="2278894473" sldId="309"/>
-            <ac:spMk id="3" creationId="{D0E3796F-3499-7808-3199-A6804DAFA3B9}"/>
-          </ac:spMkLst>
-        </pc:spChg>
-        <pc:graphicFrameChg chg="add mod modGraphic">
-          <ac:chgData name="Bastian Büeler (s)" userId="e39f6fd0-c78f-474b-9c7d-3977659f393b" providerId="ADAL" clId="{CF1D351C-345A-4978-AAC3-8BB4B8BD928A}" dt="2025-05-20T13:52:54.361" v="287" actId="20577"/>
-          <ac:graphicFrameMkLst>
-            <pc:docMk/>
-            <pc:sldMk cId="2278894473" sldId="309"/>
-            <ac:graphicFrameMk id="5" creationId="{F7E3B9A6-778E-8F0B-1021-0F67278FEAED}"/>
-          </ac:graphicFrameMkLst>
-        </pc:graphicFrameChg>
-      </pc:sldChg>
-      <pc:sldChg chg="modSp mod">
-        <pc:chgData name="Bastian Büeler (s)" userId="e39f6fd0-c78f-474b-9c7d-3977659f393b" providerId="ADAL" clId="{CF1D351C-345A-4978-AAC3-8BB4B8BD928A}" dt="2025-05-19T15:19:27.237" v="34" actId="20577"/>
-        <pc:sldMkLst>
-          <pc:docMk/>
-          <pc:sldMk cId="55602853" sldId="313"/>
-        </pc:sldMkLst>
-        <pc:spChg chg="mod">
-          <ac:chgData name="Bastian Büeler (s)" userId="e39f6fd0-c78f-474b-9c7d-3977659f393b" providerId="ADAL" clId="{CF1D351C-345A-4978-AAC3-8BB4B8BD928A}" dt="2025-05-19T15:19:27.237" v="34" actId="20577"/>
-          <ac:spMkLst>
-            <pc:docMk/>
-            <pc:sldMk cId="55602853" sldId="313"/>
-            <ac:spMk id="5" creationId="{B1914C5A-3C26-CCAD-EEAF-82D244FA35E2}"/>
-          </ac:spMkLst>
-        </pc:spChg>
-      </pc:sldChg>
-      <pc:sldChg chg="addSp modSp add mod">
-        <pc:chgData name="Bastian Büeler (s)" userId="e39f6fd0-c78f-474b-9c7d-3977659f393b" providerId="ADAL" clId="{CF1D351C-345A-4978-AAC3-8BB4B8BD928A}" dt="2025-05-20T13:57:51.215" v="408"/>
-        <pc:sldMkLst>
-          <pc:docMk/>
-          <pc:sldMk cId="1755570174" sldId="314"/>
-        </pc:sldMkLst>
-        <pc:spChg chg="mod">
-          <ac:chgData name="Bastian Büeler (s)" userId="e39f6fd0-c78f-474b-9c7d-3977659f393b" providerId="ADAL" clId="{CF1D351C-345A-4978-AAC3-8BB4B8BD928A}" dt="2025-05-19T15:36:22.433" v="178" actId="20577"/>
-          <ac:spMkLst>
-            <pc:docMk/>
-            <pc:sldMk cId="1755570174" sldId="314"/>
-            <ac:spMk id="2" creationId="{AE2595EE-7350-F4E8-992C-AE06633CE23B}"/>
-          </ac:spMkLst>
-        </pc:spChg>
-        <pc:spChg chg="add mod">
-          <ac:chgData name="Bastian Büeler (s)" userId="e39f6fd0-c78f-474b-9c7d-3977659f393b" providerId="ADAL" clId="{CF1D351C-345A-4978-AAC3-8BB4B8BD928A}" dt="2025-05-20T13:57:51.215" v="408"/>
-          <ac:spMkLst>
-            <pc:docMk/>
-            <pc:sldMk cId="1755570174" sldId="314"/>
-            <ac:spMk id="3" creationId="{0465E696-67C3-3EAB-F6B5-19EF6A215CD5}"/>
-          </ac:spMkLst>
-        </pc:spChg>
-        <pc:graphicFrameChg chg="mod modGraphic">
-          <ac:chgData name="Bastian Büeler (s)" userId="e39f6fd0-c78f-474b-9c7d-3977659f393b" providerId="ADAL" clId="{CF1D351C-345A-4978-AAC3-8BB4B8BD928A}" dt="2025-05-20T13:55:33.992" v="355" actId="20577"/>
-          <ac:graphicFrameMkLst>
-            <pc:docMk/>
-            <pc:sldMk cId="1755570174" sldId="314"/>
-            <ac:graphicFrameMk id="5" creationId="{F7E3B9A6-778E-8F0B-1021-0F67278FEAED}"/>
-          </ac:graphicFrameMkLst>
-        </pc:graphicFrameChg>
-      </pc:sldChg>
-      <pc:sldChg chg="addSp modSp add mod">
-        <pc:chgData name="Bastian Büeler (s)" userId="e39f6fd0-c78f-474b-9c7d-3977659f393b" providerId="ADAL" clId="{CF1D351C-345A-4978-AAC3-8BB4B8BD928A}" dt="2025-05-20T14:00:40.825" v="483" actId="20577"/>
-        <pc:sldMkLst>
-          <pc:docMk/>
-          <pc:sldMk cId="2514956489" sldId="315"/>
-        </pc:sldMkLst>
-        <pc:spChg chg="mod">
-          <ac:chgData name="Bastian Büeler (s)" userId="e39f6fd0-c78f-474b-9c7d-3977659f393b" providerId="ADAL" clId="{CF1D351C-345A-4978-AAC3-8BB4B8BD928A}" dt="2025-05-19T15:36:28.628" v="181" actId="20577"/>
-          <ac:spMkLst>
-            <pc:docMk/>
-            <pc:sldMk cId="2514956489" sldId="315"/>
-            <ac:spMk id="2" creationId="{AE2595EE-7350-F4E8-992C-AE06633CE23B}"/>
-          </ac:spMkLst>
-        </pc:spChg>
-        <pc:spChg chg="add mod">
-          <ac:chgData name="Bastian Büeler (s)" userId="e39f6fd0-c78f-474b-9c7d-3977659f393b" providerId="ADAL" clId="{CF1D351C-345A-4978-AAC3-8BB4B8BD928A}" dt="2025-05-20T13:57:52.445" v="409"/>
-          <ac:spMkLst>
-            <pc:docMk/>
-            <pc:sldMk cId="2514956489" sldId="315"/>
-            <ac:spMk id="3" creationId="{A37837D2-AA8B-9E51-55C3-3D7FD4DD7E25}"/>
-          </ac:spMkLst>
-        </pc:spChg>
-        <pc:graphicFrameChg chg="modGraphic">
-          <ac:chgData name="Bastian Büeler (s)" userId="e39f6fd0-c78f-474b-9c7d-3977659f393b" providerId="ADAL" clId="{CF1D351C-345A-4978-AAC3-8BB4B8BD928A}" dt="2025-05-20T14:00:40.825" v="483" actId="20577"/>
-          <ac:graphicFrameMkLst>
-            <pc:docMk/>
-            <pc:sldMk cId="2514956489" sldId="315"/>
-            <ac:graphicFrameMk id="5" creationId="{F7E3B9A6-778E-8F0B-1021-0F67278FEAED}"/>
-          </ac:graphicFrameMkLst>
-        </pc:graphicFrameChg>
-      </pc:sldChg>
-    </pc:docChg>
-  </pc:docChgLst>
-  <pc:docChgLst>
-    <pc:chgData name="Bastian Büeler (s)" userId="S::bastian.bueeler@students.fhnw.ch::e39f6fd0-c78f-474b-9c7d-3977659f393b" providerId="AD" clId="Web-{D8F87E83-3588-56DA-2E6A-B1C83F0E5D8E}"/>
-    <pc:docChg chg="addSld modSld">
-      <pc:chgData name="Bastian Büeler (s)" userId="S::bastian.bueeler@students.fhnw.ch::e39f6fd0-c78f-474b-9c7d-3977659f393b" providerId="AD" clId="Web-{D8F87E83-3588-56DA-2E6A-B1C83F0E5D8E}" dt="2025-04-30T15:28:35.714" v="1368" actId="20577"/>
-      <pc:docMkLst>
-        <pc:docMk/>
-      </pc:docMkLst>
-      <pc:sldChg chg="addSp delSp modSp">
-        <pc:chgData name="Bastian Büeler (s)" userId="S::bastian.bueeler@students.fhnw.ch::e39f6fd0-c78f-474b-9c7d-3977659f393b" providerId="AD" clId="Web-{D8F87E83-3588-56DA-2E6A-B1C83F0E5D8E}" dt="2025-04-30T13:36:16.243" v="734" actId="20577"/>
-        <pc:sldMkLst>
-          <pc:docMk/>
-          <pc:sldMk cId="1577499883" sldId="256"/>
-        </pc:sldMkLst>
-        <pc:spChg chg="mod">
-          <ac:chgData name="Bastian Büeler (s)" userId="S::bastian.bueeler@students.fhnw.ch::e39f6fd0-c78f-474b-9c7d-3977659f393b" providerId="AD" clId="Web-{D8F87E83-3588-56DA-2E6A-B1C83F0E5D8E}" dt="2025-04-30T13:36:02.461" v="726" actId="1076"/>
-          <ac:spMkLst>
-            <pc:docMk/>
-            <pc:sldMk cId="1577499883" sldId="256"/>
-            <ac:spMk id="3" creationId="{00000000-0000-0000-0000-000000000000}"/>
-          </ac:spMkLst>
-        </pc:spChg>
-        <pc:spChg chg="add mod">
-          <ac:chgData name="Bastian Büeler (s)" userId="S::bastian.bueeler@students.fhnw.ch::e39f6fd0-c78f-474b-9c7d-3977659f393b" providerId="AD" clId="Web-{D8F87E83-3588-56DA-2E6A-B1C83F0E5D8E}" dt="2025-04-30T13:36:16.243" v="734" actId="20577"/>
-          <ac:spMkLst>
-            <pc:docMk/>
-            <pc:sldMk cId="1577499883" sldId="256"/>
-            <ac:spMk id="4" creationId="{8AECD778-7011-F604-8581-F2C9871BCDF3}"/>
-          </ac:spMkLst>
-        </pc:spChg>
-      </pc:sldChg>
-      <pc:sldChg chg="modSp new">
-        <pc:chgData name="Bastian Büeler (s)" userId="S::bastian.bueeler@students.fhnw.ch::e39f6fd0-c78f-474b-9c7d-3977659f393b" providerId="AD" clId="Web-{D8F87E83-3588-56DA-2E6A-B1C83F0E5D8E}" dt="2025-04-30T13:49:31.323" v="1172" actId="20577"/>
-        <pc:sldMkLst>
-          <pc:docMk/>
-          <pc:sldMk cId="453666391" sldId="257"/>
-        </pc:sldMkLst>
-        <pc:spChg chg="mod">
-          <ac:chgData name="Bastian Büeler (s)" userId="S::bastian.bueeler@students.fhnw.ch::e39f6fd0-c78f-474b-9c7d-3977659f393b" providerId="AD" clId="Web-{D8F87E83-3588-56DA-2E6A-B1C83F0E5D8E}" dt="2025-04-30T13:36:37.900" v="742" actId="20577"/>
-          <ac:spMkLst>
-            <pc:docMk/>
-            <pc:sldMk cId="453666391" sldId="257"/>
-            <ac:spMk id="2" creationId="{82A6A552-040D-CA1B-729C-28BD43BF483B}"/>
-          </ac:spMkLst>
-        </pc:spChg>
-        <pc:spChg chg="mod">
-          <ac:chgData name="Bastian Büeler (s)" userId="S::bastian.bueeler@students.fhnw.ch::e39f6fd0-c78f-474b-9c7d-3977659f393b" providerId="AD" clId="Web-{D8F87E83-3588-56DA-2E6A-B1C83F0E5D8E}" dt="2025-04-30T13:49:31.323" v="1172" actId="20577"/>
-          <ac:spMkLst>
-            <pc:docMk/>
-            <pc:sldMk cId="453666391" sldId="257"/>
-            <ac:spMk id="3" creationId="{5FBA1A5B-7269-9104-8D2F-2109465799B3}"/>
-          </ac:spMkLst>
-        </pc:spChg>
-      </pc:sldChg>
-      <pc:sldChg chg="modSp new">
-        <pc:chgData name="Bastian Büeler (s)" userId="S::bastian.bueeler@students.fhnw.ch::e39f6fd0-c78f-474b-9c7d-3977659f393b" providerId="AD" clId="Web-{D8F87E83-3588-56DA-2E6A-B1C83F0E5D8E}" dt="2025-04-30T15:10:26.475" v="1235" actId="20577"/>
-        <pc:sldMkLst>
-          <pc:docMk/>
-          <pc:sldMk cId="3065368559" sldId="258"/>
-        </pc:sldMkLst>
-        <pc:spChg chg="mod">
-          <ac:chgData name="Bastian Büeler (s)" userId="S::bastian.bueeler@students.fhnw.ch::e39f6fd0-c78f-474b-9c7d-3977659f393b" providerId="AD" clId="Web-{D8F87E83-3588-56DA-2E6A-B1C83F0E5D8E}" dt="2025-04-30T15:06:08.001" v="1184" actId="20577"/>
-          <ac:spMkLst>
-            <pc:docMk/>
-            <pc:sldMk cId="3065368559" sldId="258"/>
-            <ac:spMk id="2" creationId="{E43BDB5E-2B3C-9BD1-7354-8FD39B870B31}"/>
-          </ac:spMkLst>
-        </pc:spChg>
-        <pc:spChg chg="mod">
-          <ac:chgData name="Bastian Büeler (s)" userId="S::bastian.bueeler@students.fhnw.ch::e39f6fd0-c78f-474b-9c7d-3977659f393b" providerId="AD" clId="Web-{D8F87E83-3588-56DA-2E6A-B1C83F0E5D8E}" dt="2025-04-30T15:10:26.475" v="1235" actId="20577"/>
-          <ac:spMkLst>
-            <pc:docMk/>
-            <pc:sldMk cId="3065368559" sldId="258"/>
-            <ac:spMk id="3" creationId="{77EFB770-DDC1-DE71-D55A-2F045E861332}"/>
-          </ac:spMkLst>
-        </pc:spChg>
-      </pc:sldChg>
-      <pc:sldChg chg="modSp new">
-        <pc:chgData name="Bastian Büeler (s)" userId="S::bastian.bueeler@students.fhnw.ch::e39f6fd0-c78f-474b-9c7d-3977659f393b" providerId="AD" clId="Web-{D8F87E83-3588-56DA-2E6A-B1C83F0E5D8E}" dt="2025-04-30T15:11:36.992" v="1249" actId="20577"/>
-        <pc:sldMkLst>
-          <pc:docMk/>
-          <pc:sldMk cId="1700550836" sldId="259"/>
-        </pc:sldMkLst>
-        <pc:spChg chg="mod">
-          <ac:chgData name="Bastian Büeler (s)" userId="S::bastian.bueeler@students.fhnw.ch::e39f6fd0-c78f-474b-9c7d-3977659f393b" providerId="AD" clId="Web-{D8F87E83-3588-56DA-2E6A-B1C83F0E5D8E}" dt="2025-04-30T15:11:31.632" v="1245" actId="20577"/>
-          <ac:spMkLst>
-            <pc:docMk/>
-            <pc:sldMk cId="1700550836" sldId="259"/>
-            <ac:spMk id="2" creationId="{B3F46567-BC80-1099-0D1E-C77D87F2D067}"/>
-          </ac:spMkLst>
-        </pc:spChg>
-        <pc:spChg chg="mod">
-          <ac:chgData name="Bastian Büeler (s)" userId="S::bastian.bueeler@students.fhnw.ch::e39f6fd0-c78f-474b-9c7d-3977659f393b" providerId="AD" clId="Web-{D8F87E83-3588-56DA-2E6A-B1C83F0E5D8E}" dt="2025-04-30T15:11:36.992" v="1249" actId="20577"/>
-          <ac:spMkLst>
-            <pc:docMk/>
-            <pc:sldMk cId="1700550836" sldId="259"/>
-            <ac:spMk id="3" creationId="{2273B9F9-AF02-0DE3-A701-DC2B1A7E6205}"/>
-          </ac:spMkLst>
-        </pc:spChg>
-      </pc:sldChg>
-      <pc:sldChg chg="modSp new">
-        <pc:chgData name="Bastian Büeler (s)" userId="S::bastian.bueeler@students.fhnw.ch::e39f6fd0-c78f-474b-9c7d-3977659f393b" providerId="AD" clId="Web-{D8F87E83-3588-56DA-2E6A-B1C83F0E5D8E}" dt="2025-04-30T15:15:43.950" v="1255" actId="20577"/>
-        <pc:sldMkLst>
-          <pc:docMk/>
-          <pc:sldMk cId="3398125848" sldId="260"/>
-        </pc:sldMkLst>
-        <pc:spChg chg="mod">
-          <ac:chgData name="Bastian Büeler (s)" userId="S::bastian.bueeler@students.fhnw.ch::e39f6fd0-c78f-474b-9c7d-3977659f393b" providerId="AD" clId="Web-{D8F87E83-3588-56DA-2E6A-B1C83F0E5D8E}" dt="2025-04-30T15:15:43.950" v="1255" actId="20577"/>
-          <ac:spMkLst>
-            <pc:docMk/>
-            <pc:sldMk cId="3398125848" sldId="260"/>
-            <ac:spMk id="2" creationId="{BF9D8B20-6538-B2A1-A0D2-26D68BB3FEFB}"/>
-          </ac:spMkLst>
-        </pc:spChg>
-      </pc:sldChg>
-      <pc:sldChg chg="modSp new">
-        <pc:chgData name="Bastian Büeler (s)" userId="S::bastian.bueeler@students.fhnw.ch::e39f6fd0-c78f-474b-9c7d-3977659f393b" providerId="AD" clId="Web-{D8F87E83-3588-56DA-2E6A-B1C83F0E5D8E}" dt="2025-04-30T15:16:18.966" v="1268" actId="20577"/>
-        <pc:sldMkLst>
-          <pc:docMk/>
-          <pc:sldMk cId="914902159" sldId="261"/>
-        </pc:sldMkLst>
-        <pc:spChg chg="mod">
-          <ac:chgData name="Bastian Büeler (s)" userId="S::bastian.bueeler@students.fhnw.ch::e39f6fd0-c78f-474b-9c7d-3977659f393b" providerId="AD" clId="Web-{D8F87E83-3588-56DA-2E6A-B1C83F0E5D8E}" dt="2025-04-30T15:16:18.966" v="1268" actId="20577"/>
-          <ac:spMkLst>
-            <pc:docMk/>
-            <pc:sldMk cId="914902159" sldId="261"/>
-            <ac:spMk id="2" creationId="{A275C6F0-429A-F5FA-DDCB-813C71A24222}"/>
-          </ac:spMkLst>
-        </pc:spChg>
-      </pc:sldChg>
-      <pc:sldChg chg="modSp new">
-        <pc:chgData name="Bastian Büeler (s)" userId="S::bastian.bueeler@students.fhnw.ch::e39f6fd0-c78f-474b-9c7d-3977659f393b" providerId="AD" clId="Web-{D8F87E83-3588-56DA-2E6A-B1C83F0E5D8E}" dt="2025-04-30T15:16:58.592" v="1274" actId="20577"/>
-        <pc:sldMkLst>
-          <pc:docMk/>
-          <pc:sldMk cId="2110341137" sldId="262"/>
-        </pc:sldMkLst>
-        <pc:spChg chg="mod">
-          <ac:chgData name="Bastian Büeler (s)" userId="S::bastian.bueeler@students.fhnw.ch::e39f6fd0-c78f-474b-9c7d-3977659f393b" providerId="AD" clId="Web-{D8F87E83-3588-56DA-2E6A-B1C83F0E5D8E}" dt="2025-04-30T15:16:58.592" v="1274" actId="20577"/>
-          <ac:spMkLst>
-            <pc:docMk/>
-            <pc:sldMk cId="2110341137" sldId="262"/>
-            <ac:spMk id="2" creationId="{9E7FA033-2767-9914-BD8B-CA4DFC733534}"/>
-          </ac:spMkLst>
-        </pc:spChg>
-      </pc:sldChg>
-      <pc:sldChg chg="modSp new">
-        <pc:chgData name="Bastian Büeler (s)" userId="S::bastian.bueeler@students.fhnw.ch::e39f6fd0-c78f-474b-9c7d-3977659f393b" providerId="AD" clId="Web-{D8F87E83-3588-56DA-2E6A-B1C83F0E5D8E}" dt="2025-04-30T15:18:30.094" v="1279" actId="20577"/>
-        <pc:sldMkLst>
-          <pc:docMk/>
-          <pc:sldMk cId="658855556" sldId="263"/>
-        </pc:sldMkLst>
-      </pc:sldChg>
-      <pc:sldChg chg="modSp new">
-        <pc:chgData name="Bastian Büeler (s)" userId="S::bastian.bueeler@students.fhnw.ch::e39f6fd0-c78f-474b-9c7d-3977659f393b" providerId="AD" clId="Web-{D8F87E83-3588-56DA-2E6A-B1C83F0E5D8E}" dt="2025-04-30T15:18:44.281" v="1292" actId="20577"/>
-        <pc:sldMkLst>
-          <pc:docMk/>
-          <pc:sldMk cId="1810379146" sldId="264"/>
-        </pc:sldMkLst>
-      </pc:sldChg>
-      <pc:sldChg chg="modSp new">
-        <pc:chgData name="Bastian Büeler (s)" userId="S::bastian.bueeler@students.fhnw.ch::e39f6fd0-c78f-474b-9c7d-3977659f393b" providerId="AD" clId="Web-{D8F87E83-3588-56DA-2E6A-B1C83F0E5D8E}" dt="2025-04-30T15:19:00.953" v="1301" actId="20577"/>
-        <pc:sldMkLst>
-          <pc:docMk/>
-          <pc:sldMk cId="738540662" sldId="265"/>
-        </pc:sldMkLst>
-        <pc:spChg chg="mod">
-          <ac:chgData name="Bastian Büeler (s)" userId="S::bastian.bueeler@students.fhnw.ch::e39f6fd0-c78f-474b-9c7d-3977659f393b" providerId="AD" clId="Web-{D8F87E83-3588-56DA-2E6A-B1C83F0E5D8E}" dt="2025-04-30T15:19:00.953" v="1301" actId="20577"/>
-          <ac:spMkLst>
-            <pc:docMk/>
-            <pc:sldMk cId="738540662" sldId="265"/>
-            <ac:spMk id="2" creationId="{6A393300-83B9-D0BB-D7A2-59E1A8F0458A}"/>
-          </ac:spMkLst>
-        </pc:spChg>
-      </pc:sldChg>
-      <pc:sldChg chg="modSp new">
-        <pc:chgData name="Bastian Büeler (s)" userId="S::bastian.bueeler@students.fhnw.ch::e39f6fd0-c78f-474b-9c7d-3977659f393b" providerId="AD" clId="Web-{D8F87E83-3588-56DA-2E6A-B1C83F0E5D8E}" dt="2025-04-30T15:19:07.532" v="1305" actId="20577"/>
-        <pc:sldMkLst>
-          <pc:docMk/>
-          <pc:sldMk cId="3677249615" sldId="266"/>
-        </pc:sldMkLst>
-      </pc:sldChg>
-      <pc:sldChg chg="modSp new">
-        <pc:chgData name="Bastian Büeler (s)" userId="S::bastian.bueeler@students.fhnw.ch::e39f6fd0-c78f-474b-9c7d-3977659f393b" providerId="AD" clId="Web-{D8F87E83-3588-56DA-2E6A-B1C83F0E5D8E}" dt="2025-04-30T15:23:23.771" v="1322" actId="20577"/>
-        <pc:sldMkLst>
-          <pc:docMk/>
-          <pc:sldMk cId="1175028386" sldId="267"/>
-        </pc:sldMkLst>
-      </pc:sldChg>
-      <pc:sldChg chg="modSp new">
-        <pc:chgData name="Bastian Büeler (s)" userId="S::bastian.bueeler@students.fhnw.ch::e39f6fd0-c78f-474b-9c7d-3977659f393b" providerId="AD" clId="Web-{D8F87E83-3588-56DA-2E6A-B1C83F0E5D8E}" dt="2025-04-30T15:26:54.197" v="1334" actId="20577"/>
-        <pc:sldMkLst>
-          <pc:docMk/>
-          <pc:sldMk cId="3543542930" sldId="268"/>
-        </pc:sldMkLst>
-      </pc:sldChg>
-      <pc:sldChg chg="modSp new">
-        <pc:chgData name="Bastian Büeler (s)" userId="S::bastian.bueeler@students.fhnw.ch::e39f6fd0-c78f-474b-9c7d-3977659f393b" providerId="AD" clId="Web-{D8F87E83-3588-56DA-2E6A-B1C83F0E5D8E}" dt="2025-04-30T15:27:12.791" v="1351" actId="20577"/>
-        <pc:sldMkLst>
-          <pc:docMk/>
-          <pc:sldMk cId="1755744872" sldId="269"/>
-        </pc:sldMkLst>
-        <pc:spChg chg="mod">
-          <ac:chgData name="Bastian Büeler (s)" userId="S::bastian.bueeler@students.fhnw.ch::e39f6fd0-c78f-474b-9c7d-3977659f393b" providerId="AD" clId="Web-{D8F87E83-3588-56DA-2E6A-B1C83F0E5D8E}" dt="2025-04-30T15:27:12.791" v="1351" actId="20577"/>
-          <ac:spMkLst>
-            <pc:docMk/>
-            <pc:sldMk cId="1755744872" sldId="269"/>
-            <ac:spMk id="2" creationId="{95698C40-D826-731F-C5FF-3DAFB0900E05}"/>
-          </ac:spMkLst>
-        </pc:spChg>
-      </pc:sldChg>
-      <pc:sldChg chg="modSp new">
-        <pc:chgData name="Bastian Büeler (s)" userId="S::bastian.bueeler@students.fhnw.ch::e39f6fd0-c78f-474b-9c7d-3977659f393b" providerId="AD" clId="Web-{D8F87E83-3588-56DA-2E6A-B1C83F0E5D8E}" dt="2025-04-30T15:27:29.698" v="1362" actId="20577"/>
-        <pc:sldMkLst>
-          <pc:docMk/>
-          <pc:sldMk cId="2789266917" sldId="270"/>
-        </pc:sldMkLst>
-      </pc:sldChg>
-      <pc:sldChg chg="modSp new">
-        <pc:chgData name="Bastian Büeler (s)" userId="S::bastian.bueeler@students.fhnw.ch::e39f6fd0-c78f-474b-9c7d-3977659f393b" providerId="AD" clId="Web-{D8F87E83-3588-56DA-2E6A-B1C83F0E5D8E}" dt="2025-04-30T15:28:35.714" v="1368" actId="20577"/>
-        <pc:sldMkLst>
-          <pc:docMk/>
-          <pc:sldMk cId="1411395925" sldId="271"/>
-        </pc:sldMkLst>
-      </pc:sldChg>
-    </pc:docChg>
-  </pc:docChgLst>
-  <pc:docChgLst>
-    <pc:chgData name="Bastian Büeler (s)" userId="S::bastian.bueeler@students.fhnw.ch::e39f6fd0-c78f-474b-9c7d-3977659f393b" providerId="AD" clId="Web-{233E70A5-0FBD-A7C2-D7B5-D154B89C6607}"/>
-    <pc:docChg chg="addSld modSld sldOrd">
-      <pc:chgData name="Bastian Büeler (s)" userId="S::bastian.bueeler@students.fhnw.ch::e39f6fd0-c78f-474b-9c7d-3977659f393b" providerId="AD" clId="Web-{233E70A5-0FBD-A7C2-D7B5-D154B89C6607}" dt="2025-05-08T14:23:56.800" v="38"/>
-      <pc:docMkLst>
-        <pc:docMk/>
-      </pc:docMkLst>
-      <pc:sldChg chg="addSp delSp modSp">
-        <pc:chgData name="Bastian Büeler (s)" userId="S::bastian.bueeler@students.fhnw.ch::e39f6fd0-c78f-474b-9c7d-3977659f393b" providerId="AD" clId="Web-{233E70A5-0FBD-A7C2-D7B5-D154B89C6607}" dt="2025-05-08T14:17:03.317" v="27"/>
-        <pc:sldMkLst>
-          <pc:docMk/>
-          <pc:sldMk cId="1577499883" sldId="256"/>
-        </pc:sldMkLst>
-      </pc:sldChg>
-      <pc:sldChg chg="ord">
-        <pc:chgData name="Bastian Büeler (s)" userId="S::bastian.bueeler@students.fhnw.ch::e39f6fd0-c78f-474b-9c7d-3977659f393b" providerId="AD" clId="Web-{233E70A5-0FBD-A7C2-D7B5-D154B89C6607}" dt="2025-05-08T14:23:56.800" v="38"/>
-        <pc:sldMkLst>
-          <pc:docMk/>
-          <pc:sldMk cId="3398125848" sldId="260"/>
-        </pc:sldMkLst>
-      </pc:sldChg>
-      <pc:sldChg chg="modSp">
-        <pc:chgData name="Bastian Büeler (s)" userId="S::bastian.bueeler@students.fhnw.ch::e39f6fd0-c78f-474b-9c7d-3977659f393b" providerId="AD" clId="Web-{233E70A5-0FBD-A7C2-D7B5-D154B89C6607}" dt="2025-05-08T14:06:24.684" v="7" actId="20577"/>
-        <pc:sldMkLst>
-          <pc:docMk/>
-          <pc:sldMk cId="914902159" sldId="261"/>
-        </pc:sldMkLst>
-        <pc:spChg chg="mod">
-          <ac:chgData name="Bastian Büeler (s)" userId="S::bastian.bueeler@students.fhnw.ch::e39f6fd0-c78f-474b-9c7d-3977659f393b" providerId="AD" clId="Web-{233E70A5-0FBD-A7C2-D7B5-D154B89C6607}" dt="2025-05-08T14:06:24.684" v="7" actId="20577"/>
-          <ac:spMkLst>
-            <pc:docMk/>
-            <pc:sldMk cId="914902159" sldId="261"/>
-            <ac:spMk id="2" creationId="{A275C6F0-429A-F5FA-DDCB-813C71A24222}"/>
-          </ac:spMkLst>
-        </pc:spChg>
-      </pc:sldChg>
-      <pc:sldChg chg="modSp">
-        <pc:chgData name="Bastian Büeler (s)" userId="S::bastian.bueeler@students.fhnw.ch::e39f6fd0-c78f-474b-9c7d-3977659f393b" providerId="AD" clId="Web-{233E70A5-0FBD-A7C2-D7B5-D154B89C6607}" dt="2025-05-08T14:06:35.309" v="18" actId="20577"/>
-        <pc:sldMkLst>
-          <pc:docMk/>
-          <pc:sldMk cId="2110341137" sldId="262"/>
-        </pc:sldMkLst>
-        <pc:spChg chg="mod">
-          <ac:chgData name="Bastian Büeler (s)" userId="S::bastian.bueeler@students.fhnw.ch::e39f6fd0-c78f-474b-9c7d-3977659f393b" providerId="AD" clId="Web-{233E70A5-0FBD-A7C2-D7B5-D154B89C6607}" dt="2025-05-08T14:06:35.309" v="18" actId="20577"/>
-          <ac:spMkLst>
-            <pc:docMk/>
-            <pc:sldMk cId="2110341137" sldId="262"/>
-            <ac:spMk id="2" creationId="{9E7FA033-2767-9914-BD8B-CA4DFC733534}"/>
-          </ac:spMkLst>
-        </pc:spChg>
-      </pc:sldChg>
-      <pc:sldChg chg="modSp">
-        <pc:chgData name="Bastian Büeler (s)" userId="S::bastian.bueeler@students.fhnw.ch::e39f6fd0-c78f-474b-9c7d-3977659f393b" providerId="AD" clId="Web-{233E70A5-0FBD-A7C2-D7B5-D154B89C6607}" dt="2025-05-08T14:06:43.028" v="25" actId="20577"/>
-        <pc:sldMkLst>
-          <pc:docMk/>
-          <pc:sldMk cId="658855556" sldId="263"/>
-        </pc:sldMkLst>
-      </pc:sldChg>
-      <pc:sldChg chg="modSp ord">
-        <pc:chgData name="Bastian Büeler (s)" userId="S::bastian.bueeler@students.fhnw.ch::e39f6fd0-c78f-474b-9c7d-3977659f393b" providerId="AD" clId="Web-{233E70A5-0FBD-A7C2-D7B5-D154B89C6607}" dt="2025-05-08T14:23:26.752" v="37"/>
-        <pc:sldMkLst>
-          <pc:docMk/>
-          <pc:sldMk cId="2789266917" sldId="270"/>
-        </pc:sldMkLst>
-      </pc:sldChg>
-      <pc:sldChg chg="new">
-        <pc:chgData name="Bastian Büeler (s)" userId="S::bastian.bueeler@students.fhnw.ch::e39f6fd0-c78f-474b-9c7d-3977659f393b" providerId="AD" clId="Web-{233E70A5-0FBD-A7C2-D7B5-D154B89C6607}" dt="2025-05-08T14:17:08.786" v="28"/>
-        <pc:sldMkLst>
-          <pc:docMk/>
-          <pc:sldMk cId="585021499" sldId="272"/>
-        </pc:sldMkLst>
-      </pc:sldChg>
-    </pc:docChg>
-  </pc:docChgLst>
-  <pc:docChgLst>
-    <pc:chgData name="Yves Bornhauser (s)" userId="7add2d99-4032-4933-ae91-0874c7fbc61b" providerId="ADAL" clId="{890CA342-91DB-0A4A-A6FC-574C1908866C}"/>
-    <pc:docChg chg="undo custSel addSld delSld modSld sldOrd">
-      <pc:chgData name="Yves Bornhauser (s)" userId="7add2d99-4032-4933-ae91-0874c7fbc61b" providerId="ADAL" clId="{890CA342-91DB-0A4A-A6FC-574C1908866C}" dt="2025-05-21T11:19:47.148" v="19593" actId="1076"/>
-      <pc:docMkLst>
-        <pc:docMk/>
-      </pc:docMkLst>
-      <pc:sldChg chg="modSp mod">
-        <pc:chgData name="Yves Bornhauser (s)" userId="7add2d99-4032-4933-ae91-0874c7fbc61b" providerId="ADAL" clId="{890CA342-91DB-0A4A-A6FC-574C1908866C}" dt="2025-05-18T21:21:02.358" v="19384" actId="790"/>
-        <pc:sldMkLst>
-          <pc:docMk/>
-          <pc:sldMk cId="1577499883" sldId="256"/>
-        </pc:sldMkLst>
-        <pc:spChg chg="mod">
-          <ac:chgData name="Yves Bornhauser (s)" userId="7add2d99-4032-4933-ae91-0874c7fbc61b" providerId="ADAL" clId="{890CA342-91DB-0A4A-A6FC-574C1908866C}" dt="2025-05-18T21:21:02.358" v="19384" actId="790"/>
-          <ac:spMkLst>
-            <pc:docMk/>
-            <pc:sldMk cId="1577499883" sldId="256"/>
-            <ac:spMk id="3" creationId="{00000000-0000-0000-0000-000000000000}"/>
-          </ac:spMkLst>
-        </pc:spChg>
-        <pc:spChg chg="mod">
-          <ac:chgData name="Yves Bornhauser (s)" userId="7add2d99-4032-4933-ae91-0874c7fbc61b" providerId="ADAL" clId="{890CA342-91DB-0A4A-A6FC-574C1908866C}" dt="2025-05-18T21:21:02.358" v="19384" actId="790"/>
-          <ac:spMkLst>
-            <pc:docMk/>
-            <pc:sldMk cId="1577499883" sldId="256"/>
-            <ac:spMk id="4" creationId="{8AECD778-7011-F604-8581-F2C9871BCDF3}"/>
-          </ac:spMkLst>
-        </pc:spChg>
-      </pc:sldChg>
-      <pc:sldChg chg="modSp mod">
-        <pc:chgData name="Yves Bornhauser (s)" userId="7add2d99-4032-4933-ae91-0874c7fbc61b" providerId="ADAL" clId="{890CA342-91DB-0A4A-A6FC-574C1908866C}" dt="2025-05-18T21:21:02.358" v="19384" actId="790"/>
-        <pc:sldMkLst>
-          <pc:docMk/>
-          <pc:sldMk cId="453666391" sldId="257"/>
-        </pc:sldMkLst>
-        <pc:spChg chg="mod">
-          <ac:chgData name="Yves Bornhauser (s)" userId="7add2d99-4032-4933-ae91-0874c7fbc61b" providerId="ADAL" clId="{890CA342-91DB-0A4A-A6FC-574C1908866C}" dt="2025-05-18T21:21:02.358" v="19384" actId="790"/>
-          <ac:spMkLst>
-            <pc:docMk/>
-            <pc:sldMk cId="453666391" sldId="257"/>
-            <ac:spMk id="2" creationId="{82A6A552-040D-CA1B-729C-28BD43BF483B}"/>
-          </ac:spMkLst>
-        </pc:spChg>
-        <pc:spChg chg="mod">
-          <ac:chgData name="Yves Bornhauser (s)" userId="7add2d99-4032-4933-ae91-0874c7fbc61b" providerId="ADAL" clId="{890CA342-91DB-0A4A-A6FC-574C1908866C}" dt="2025-05-18T21:21:02.358" v="19384" actId="790"/>
-          <ac:spMkLst>
-            <pc:docMk/>
-            <pc:sldMk cId="453666391" sldId="257"/>
-            <ac:spMk id="3" creationId="{5FBA1A5B-7269-9104-8D2F-2109465799B3}"/>
-          </ac:spMkLst>
-        </pc:spChg>
-      </pc:sldChg>
-      <pc:sldChg chg="modSp mod">
-        <pc:chgData name="Yves Bornhauser (s)" userId="7add2d99-4032-4933-ae91-0874c7fbc61b" providerId="ADAL" clId="{890CA342-91DB-0A4A-A6FC-574C1908866C}" dt="2025-05-18T21:21:02.358" v="19384" actId="790"/>
-        <pc:sldMkLst>
-          <pc:docMk/>
-          <pc:sldMk cId="3065368559" sldId="258"/>
-        </pc:sldMkLst>
-        <pc:spChg chg="mod">
-          <ac:chgData name="Yves Bornhauser (s)" userId="7add2d99-4032-4933-ae91-0874c7fbc61b" providerId="ADAL" clId="{890CA342-91DB-0A4A-A6FC-574C1908866C}" dt="2025-05-18T21:21:02.358" v="19384" actId="790"/>
-          <ac:spMkLst>
-            <pc:docMk/>
-            <pc:sldMk cId="3065368559" sldId="258"/>
-            <ac:spMk id="2" creationId="{E43BDB5E-2B3C-9BD1-7354-8FD39B870B31}"/>
-          </ac:spMkLst>
-        </pc:spChg>
-        <pc:spChg chg="mod">
-          <ac:chgData name="Yves Bornhauser (s)" userId="7add2d99-4032-4933-ae91-0874c7fbc61b" providerId="ADAL" clId="{890CA342-91DB-0A4A-A6FC-574C1908866C}" dt="2025-05-18T21:21:02.358" v="19384" actId="790"/>
-          <ac:spMkLst>
-            <pc:docMk/>
-            <pc:sldMk cId="3065368559" sldId="258"/>
-            <ac:spMk id="3" creationId="{77EFB770-DDC1-DE71-D55A-2F045E861332}"/>
-          </ac:spMkLst>
-        </pc:spChg>
-      </pc:sldChg>
-      <pc:sldChg chg="modSp mod ord">
-        <pc:chgData name="Yves Bornhauser (s)" userId="7add2d99-4032-4933-ae91-0874c7fbc61b" providerId="ADAL" clId="{890CA342-91DB-0A4A-A6FC-574C1908866C}" dt="2025-05-21T11:05:05.803" v="19539" actId="20577"/>
-        <pc:sldMkLst>
-          <pc:docMk/>
-          <pc:sldMk cId="1700550836" sldId="259"/>
-        </pc:sldMkLst>
-        <pc:spChg chg="mod">
-          <ac:chgData name="Yves Bornhauser (s)" userId="7add2d99-4032-4933-ae91-0874c7fbc61b" providerId="ADAL" clId="{890CA342-91DB-0A4A-A6FC-574C1908866C}" dt="2025-05-18T21:21:02.358" v="19384" actId="790"/>
-          <ac:spMkLst>
-            <pc:docMk/>
-            <pc:sldMk cId="1700550836" sldId="259"/>
-            <ac:spMk id="2" creationId="{B3F46567-BC80-1099-0D1E-C77D87F2D067}"/>
-          </ac:spMkLst>
-        </pc:spChg>
-        <pc:spChg chg="mod">
-          <ac:chgData name="Yves Bornhauser (s)" userId="7add2d99-4032-4933-ae91-0874c7fbc61b" providerId="ADAL" clId="{890CA342-91DB-0A4A-A6FC-574C1908866C}" dt="2025-05-21T11:05:05.803" v="19539" actId="20577"/>
-          <ac:spMkLst>
-            <pc:docMk/>
-            <pc:sldMk cId="1700550836" sldId="259"/>
-            <ac:spMk id="3" creationId="{2273B9F9-AF02-0DE3-A701-DC2B1A7E6205}"/>
-          </ac:spMkLst>
-        </pc:spChg>
-      </pc:sldChg>
-      <pc:sldChg chg="addSp delSp modSp mod">
-        <pc:chgData name="Yves Bornhauser (s)" userId="7add2d99-4032-4933-ae91-0874c7fbc61b" providerId="ADAL" clId="{890CA342-91DB-0A4A-A6FC-574C1908866C}" dt="2025-05-18T21:21:02.358" v="19384" actId="790"/>
-        <pc:sldMkLst>
-          <pc:docMk/>
-          <pc:sldMk cId="3398125848" sldId="260"/>
-        </pc:sldMkLst>
-        <pc:spChg chg="mod">
-          <ac:chgData name="Yves Bornhauser (s)" userId="7add2d99-4032-4933-ae91-0874c7fbc61b" providerId="ADAL" clId="{890CA342-91DB-0A4A-A6FC-574C1908866C}" dt="2025-05-18T21:21:02.358" v="19384" actId="790"/>
-          <ac:spMkLst>
-            <pc:docMk/>
-            <pc:sldMk cId="3398125848" sldId="260"/>
-            <ac:spMk id="2" creationId="{BF9D8B20-6538-B2A1-A0D2-26D68BB3FEFB}"/>
-          </ac:spMkLst>
-        </pc:spChg>
-        <pc:picChg chg="add mod">
-          <ac:chgData name="Yves Bornhauser (s)" userId="7add2d99-4032-4933-ae91-0874c7fbc61b" providerId="ADAL" clId="{890CA342-91DB-0A4A-A6FC-574C1908866C}" dt="2025-05-04T15:51:55.219" v="169" actId="1076"/>
-          <ac:picMkLst>
-            <pc:docMk/>
-            <pc:sldMk cId="3398125848" sldId="260"/>
-            <ac:picMk id="4" creationId="{AEEF2FBE-9BC4-5C2B-EC6D-59D6FB6B1A97}"/>
-          </ac:picMkLst>
-        </pc:picChg>
-      </pc:sldChg>
-      <pc:sldChg chg="addSp modSp mod ord">
-        <pc:chgData name="Yves Bornhauser (s)" userId="7add2d99-4032-4933-ae91-0874c7fbc61b" providerId="ADAL" clId="{890CA342-91DB-0A4A-A6FC-574C1908866C}" dt="2025-05-21T11:19:47.148" v="19593" actId="1076"/>
-        <pc:sldMkLst>
-          <pc:docMk/>
-          <pc:sldMk cId="914902159" sldId="261"/>
-        </pc:sldMkLst>
-        <pc:spChg chg="mod">
-          <ac:chgData name="Yves Bornhauser (s)" userId="7add2d99-4032-4933-ae91-0874c7fbc61b" providerId="ADAL" clId="{890CA342-91DB-0A4A-A6FC-574C1908866C}" dt="2025-05-18T21:21:02.358" v="19384" actId="790"/>
-          <ac:spMkLst>
-            <pc:docMk/>
-            <pc:sldMk cId="914902159" sldId="261"/>
-            <ac:spMk id="2" creationId="{A275C6F0-429A-F5FA-DDCB-813C71A24222}"/>
-          </ac:spMkLst>
-        </pc:spChg>
-        <pc:spChg chg="add mod">
-          <ac:chgData name="Yves Bornhauser (s)" userId="7add2d99-4032-4933-ae91-0874c7fbc61b" providerId="ADAL" clId="{890CA342-91DB-0A4A-A6FC-574C1908866C}" dt="2025-05-21T11:19:34.906" v="19574" actId="20577"/>
-          <ac:spMkLst>
-            <pc:docMk/>
-            <pc:sldMk cId="914902159" sldId="261"/>
-            <ac:spMk id="4" creationId="{CC5F7DFE-8571-F481-D154-19131DCE84FC}"/>
-          </ac:spMkLst>
-        </pc:spChg>
-        <pc:spChg chg="add mod">
-          <ac:chgData name="Yves Bornhauser (s)" userId="7add2d99-4032-4933-ae91-0874c7fbc61b" providerId="ADAL" clId="{890CA342-91DB-0A4A-A6FC-574C1908866C}" dt="2025-05-21T11:19:47.148" v="19593" actId="1076"/>
-          <ac:spMkLst>
-            <pc:docMk/>
-            <pc:sldMk cId="914902159" sldId="261"/>
-            <ac:spMk id="5" creationId="{0F88046E-3139-477C-A54D-83836D27E4D5}"/>
-          </ac:spMkLst>
-        </pc:spChg>
-        <pc:spChg chg="mod">
-          <ac:chgData name="Yves Bornhauser (s)" userId="7add2d99-4032-4933-ae91-0874c7fbc61b" providerId="ADAL" clId="{890CA342-91DB-0A4A-A6FC-574C1908866C}" dt="2025-05-18T21:21:02.358" v="19384" actId="790"/>
-          <ac:spMkLst>
-            <pc:docMk/>
-            <pc:sldMk cId="914902159" sldId="261"/>
-            <ac:spMk id="8" creationId="{0DD5885B-5DD6-2071-46CC-471FDACC02CC}"/>
-          </ac:spMkLst>
-        </pc:spChg>
-        <pc:spChg chg="mod">
-          <ac:chgData name="Yves Bornhauser (s)" userId="7add2d99-4032-4933-ae91-0874c7fbc61b" providerId="ADAL" clId="{890CA342-91DB-0A4A-A6FC-574C1908866C}" dt="2025-05-21T11:18:53.309" v="19542" actId="1076"/>
-          <ac:spMkLst>
-            <pc:docMk/>
-            <pc:sldMk cId="914902159" sldId="261"/>
-            <ac:spMk id="9" creationId="{E249F1D9-D4EE-28C4-4E40-202A74582571}"/>
-          </ac:spMkLst>
-        </pc:spChg>
-        <pc:picChg chg="mod">
-          <ac:chgData name="Yves Bornhauser (s)" userId="7add2d99-4032-4933-ae91-0874c7fbc61b" providerId="ADAL" clId="{890CA342-91DB-0A4A-A6FC-574C1908866C}" dt="2025-05-21T11:18:53.309" v="19542" actId="1076"/>
-          <ac:picMkLst>
-            <pc:docMk/>
-            <pc:sldMk cId="914902159" sldId="261"/>
-            <ac:picMk id="11" creationId="{150ADD2B-1E62-948A-40AA-C9DBB6C8452E}"/>
-          </ac:picMkLst>
-        </pc:picChg>
-        <pc:picChg chg="mod">
-          <ac:chgData name="Yves Bornhauser (s)" userId="7add2d99-4032-4933-ae91-0874c7fbc61b" providerId="ADAL" clId="{890CA342-91DB-0A4A-A6FC-574C1908866C}" dt="2025-05-21T11:18:53.309" v="19542" actId="1076"/>
-          <ac:picMkLst>
-            <pc:docMk/>
-            <pc:sldMk cId="914902159" sldId="261"/>
-            <ac:picMk id="13" creationId="{04EB9149-FF27-6018-9A5A-1C653E42B415}"/>
-          </ac:picMkLst>
-        </pc:picChg>
-      </pc:sldChg>
-      <pc:sldChg chg="addSp delSp modSp mod">
-        <pc:chgData name="Yves Bornhauser (s)" userId="7add2d99-4032-4933-ae91-0874c7fbc61b" providerId="ADAL" clId="{890CA342-91DB-0A4A-A6FC-574C1908866C}" dt="2025-05-18T21:21:02.358" v="19384" actId="790"/>
-        <pc:sldMkLst>
-          <pc:docMk/>
-          <pc:sldMk cId="2110341137" sldId="262"/>
-        </pc:sldMkLst>
-        <pc:spChg chg="mod">
-          <ac:chgData name="Yves Bornhauser (s)" userId="7add2d99-4032-4933-ae91-0874c7fbc61b" providerId="ADAL" clId="{890CA342-91DB-0A4A-A6FC-574C1908866C}" dt="2025-05-18T21:21:02.358" v="19384" actId="790"/>
-          <ac:spMkLst>
-            <pc:docMk/>
-            <pc:sldMk cId="2110341137" sldId="262"/>
-            <ac:spMk id="2" creationId="{9E7FA033-2767-9914-BD8B-CA4DFC733534}"/>
-          </ac:spMkLst>
-        </pc:spChg>
-        <pc:picChg chg="add mod">
-          <ac:chgData name="Yves Bornhauser (s)" userId="7add2d99-4032-4933-ae91-0874c7fbc61b" providerId="ADAL" clId="{890CA342-91DB-0A4A-A6FC-574C1908866C}" dt="2025-05-17T15:10:02.846" v="4445" actId="1076"/>
-          <ac:picMkLst>
-            <pc:docMk/>
-            <pc:sldMk cId="2110341137" sldId="262"/>
-            <ac:picMk id="4" creationId="{72E520BB-9393-465C-0B4A-8AE46B18C18C}"/>
-          </ac:picMkLst>
-        </pc:picChg>
-      </pc:sldChg>
-      <pc:sldChg chg="modSp mod">
-        <pc:chgData name="Yves Bornhauser (s)" userId="7add2d99-4032-4933-ae91-0874c7fbc61b" providerId="ADAL" clId="{890CA342-91DB-0A4A-A6FC-574C1908866C}" dt="2025-05-18T16:09:48.026" v="13153" actId="790"/>
-        <pc:sldMkLst>
-          <pc:docMk/>
-          <pc:sldMk cId="658855556" sldId="263"/>
-        </pc:sldMkLst>
-      </pc:sldChg>
-      <pc:sldChg chg="modSp del mod">
-        <pc:chgData name="Yves Bornhauser (s)" userId="7add2d99-4032-4933-ae91-0874c7fbc61b" providerId="ADAL" clId="{890CA342-91DB-0A4A-A6FC-574C1908866C}" dt="2025-05-20T12:34:09.810" v="19385" actId="2696"/>
-        <pc:sldMkLst>
-          <pc:docMk/>
-          <pc:sldMk cId="1810379146" sldId="264"/>
-        </pc:sldMkLst>
-      </pc:sldChg>
-      <pc:sldChg chg="modSp mod">
-        <pc:chgData name="Yves Bornhauser (s)" userId="7add2d99-4032-4933-ae91-0874c7fbc61b" providerId="ADAL" clId="{890CA342-91DB-0A4A-A6FC-574C1908866C}" dt="2025-05-18T21:21:02.358" v="19384" actId="790"/>
-        <pc:sldMkLst>
-          <pc:docMk/>
-          <pc:sldMk cId="738540662" sldId="265"/>
-        </pc:sldMkLst>
-        <pc:spChg chg="mod">
-          <ac:chgData name="Yves Bornhauser (s)" userId="7add2d99-4032-4933-ae91-0874c7fbc61b" providerId="ADAL" clId="{890CA342-91DB-0A4A-A6FC-574C1908866C}" dt="2025-05-18T21:21:02.358" v="19384" actId="790"/>
-          <ac:spMkLst>
-            <pc:docMk/>
-            <pc:sldMk cId="738540662" sldId="265"/>
-            <ac:spMk id="2" creationId="{6A393300-83B9-D0BB-D7A2-59E1A8F0458A}"/>
-          </ac:spMkLst>
-        </pc:spChg>
-        <pc:spChg chg="mod">
-          <ac:chgData name="Yves Bornhauser (s)" userId="7add2d99-4032-4933-ae91-0874c7fbc61b" providerId="ADAL" clId="{890CA342-91DB-0A4A-A6FC-574C1908866C}" dt="2025-05-18T21:21:02.358" v="19384" actId="790"/>
-          <ac:spMkLst>
-            <pc:docMk/>
-            <pc:sldMk cId="738540662" sldId="265"/>
-            <ac:spMk id="16" creationId="{19D32F93-50AC-4C46-A5DB-291C60DDB7BD}"/>
-          </ac:spMkLst>
-        </pc:spChg>
-        <pc:spChg chg="mod">
-          <ac:chgData name="Yves Bornhauser (s)" userId="7add2d99-4032-4933-ae91-0874c7fbc61b" providerId="ADAL" clId="{890CA342-91DB-0A4A-A6FC-574C1908866C}" dt="2025-05-18T21:21:02.358" v="19384" actId="790"/>
-          <ac:spMkLst>
-            <pc:docMk/>
-            <pc:sldMk cId="738540662" sldId="265"/>
-            <ac:spMk id="17" creationId="{86FD7672-78BE-4D6F-A711-2CDB79B52DFF}"/>
-          </ac:spMkLst>
-        </pc:spChg>
-        <pc:spChg chg="mod">
-          <ac:chgData name="Yves Bornhauser (s)" userId="7add2d99-4032-4933-ae91-0874c7fbc61b" providerId="ADAL" clId="{890CA342-91DB-0A4A-A6FC-574C1908866C}" dt="2025-05-18T21:21:02.358" v="19384" actId="790"/>
-          <ac:spMkLst>
-            <pc:docMk/>
-            <pc:sldMk cId="738540662" sldId="265"/>
-            <ac:spMk id="18" creationId="{827DC2C4-B485-428A-BF4A-472D2967F47F}"/>
-          </ac:spMkLst>
-        </pc:spChg>
-        <pc:spChg chg="mod">
-          <ac:chgData name="Yves Bornhauser (s)" userId="7add2d99-4032-4933-ae91-0874c7fbc61b" providerId="ADAL" clId="{890CA342-91DB-0A4A-A6FC-574C1908866C}" dt="2025-05-18T21:21:02.358" v="19384" actId="790"/>
-          <ac:spMkLst>
-            <pc:docMk/>
-            <pc:sldMk cId="738540662" sldId="265"/>
-            <ac:spMk id="20" creationId="{4A62647B-1222-407C-8740-5A497612B1F5}"/>
-          </ac:spMkLst>
-        </pc:spChg>
-      </pc:sldChg>
-      <pc:sldChg chg="addSp delSp modSp del mod modNotesTx">
-        <pc:chgData name="Yves Bornhauser (s)" userId="7add2d99-4032-4933-ae91-0874c7fbc61b" providerId="ADAL" clId="{890CA342-91DB-0A4A-A6FC-574C1908866C}" dt="2025-05-20T12:34:26.949" v="19386" actId="2696"/>
-        <pc:sldMkLst>
-          <pc:docMk/>
-          <pc:sldMk cId="3677249615" sldId="266"/>
-        </pc:sldMkLst>
-      </pc:sldChg>
-      <pc:sldChg chg="addSp modSp del mod">
-        <pc:chgData name="Yves Bornhauser (s)" userId="7add2d99-4032-4933-ae91-0874c7fbc61b" providerId="ADAL" clId="{890CA342-91DB-0A4A-A6FC-574C1908866C}" dt="2025-05-18T17:31:57.977" v="14885" actId="2696"/>
-        <pc:sldMkLst>
-          <pc:docMk/>
-          <pc:sldMk cId="1175028386" sldId="267"/>
-        </pc:sldMkLst>
-      </pc:sldChg>
-      <pc:sldChg chg="addSp delSp modSp del mod">
-        <pc:chgData name="Yves Bornhauser (s)" userId="7add2d99-4032-4933-ae91-0874c7fbc61b" providerId="ADAL" clId="{890CA342-91DB-0A4A-A6FC-574C1908866C}" dt="2025-05-18T17:31:54.265" v="14884" actId="2696"/>
-        <pc:sldMkLst>
-          <pc:docMk/>
-          <pc:sldMk cId="3543542930" sldId="268"/>
-        </pc:sldMkLst>
-      </pc:sldChg>
-      <pc:sldChg chg="modSp mod">
-        <pc:chgData name="Yves Bornhauser (s)" userId="7add2d99-4032-4933-ae91-0874c7fbc61b" providerId="ADAL" clId="{890CA342-91DB-0A4A-A6FC-574C1908866C}" dt="2025-05-18T21:21:02.358" v="19384" actId="790"/>
-        <pc:sldMkLst>
-          <pc:docMk/>
-          <pc:sldMk cId="1755744872" sldId="269"/>
-        </pc:sldMkLst>
-        <pc:spChg chg="mod">
-          <ac:chgData name="Yves Bornhauser (s)" userId="7add2d99-4032-4933-ae91-0874c7fbc61b" providerId="ADAL" clId="{890CA342-91DB-0A4A-A6FC-574C1908866C}" dt="2025-05-18T21:21:02.358" v="19384" actId="790"/>
-          <ac:spMkLst>
-            <pc:docMk/>
-            <pc:sldMk cId="1755744872" sldId="269"/>
-            <ac:spMk id="2" creationId="{95698C40-D826-731F-C5FF-3DAFB0900E05}"/>
-          </ac:spMkLst>
-        </pc:spChg>
-        <pc:spChg chg="mod">
-          <ac:chgData name="Yves Bornhauser (s)" userId="7add2d99-4032-4933-ae91-0874c7fbc61b" providerId="ADAL" clId="{890CA342-91DB-0A4A-A6FC-574C1908866C}" dt="2025-05-18T21:21:02.358" v="19384" actId="790"/>
-          <ac:spMkLst>
-            <pc:docMk/>
-            <pc:sldMk cId="1755744872" sldId="269"/>
-            <ac:spMk id="10" creationId="{541496AB-6D61-170E-C490-A0A399E6D3C0}"/>
-          </ac:spMkLst>
-        </pc:spChg>
-        <pc:spChg chg="mod">
-          <ac:chgData name="Yves Bornhauser (s)" userId="7add2d99-4032-4933-ae91-0874c7fbc61b" providerId="ADAL" clId="{890CA342-91DB-0A4A-A6FC-574C1908866C}" dt="2025-05-18T21:21:02.358" v="19384" actId="790"/>
-          <ac:spMkLst>
-            <pc:docMk/>
-            <pc:sldMk cId="1755744872" sldId="269"/>
-            <ac:spMk id="11" creationId="{42DFAFFE-06A8-E5AC-74D0-2BA1C3FFD0B1}"/>
-          </ac:spMkLst>
-        </pc:spChg>
-      </pc:sldChg>
-      <pc:sldChg chg="modSp mod">
-        <pc:chgData name="Yves Bornhauser (s)" userId="7add2d99-4032-4933-ae91-0874c7fbc61b" providerId="ADAL" clId="{890CA342-91DB-0A4A-A6FC-574C1908866C}" dt="2025-05-09T21:22:27.758" v="2246" actId="13926"/>
-        <pc:sldMkLst>
-          <pc:docMk/>
-          <pc:sldMk cId="2789266917" sldId="270"/>
-        </pc:sldMkLst>
-      </pc:sldChg>
-      <pc:sldChg chg="modSp mod">
-        <pc:chgData name="Yves Bornhauser (s)" userId="7add2d99-4032-4933-ae91-0874c7fbc61b" providerId="ADAL" clId="{890CA342-91DB-0A4A-A6FC-574C1908866C}" dt="2025-05-18T21:21:02.358" v="19384" actId="790"/>
-        <pc:sldMkLst>
-          <pc:docMk/>
-          <pc:sldMk cId="585021499" sldId="272"/>
-        </pc:sldMkLst>
-        <pc:spChg chg="mod">
-          <ac:chgData name="Yves Bornhauser (s)" userId="7add2d99-4032-4933-ae91-0874c7fbc61b" providerId="ADAL" clId="{890CA342-91DB-0A4A-A6FC-574C1908866C}" dt="2025-05-18T21:21:02.358" v="19384" actId="790"/>
-          <ac:spMkLst>
-            <pc:docMk/>
-            <pc:sldMk cId="585021499" sldId="272"/>
-            <ac:spMk id="2" creationId="{2CEB55BE-814A-FC8E-8AFB-7EE59C94466E}"/>
-          </ac:spMkLst>
-        </pc:spChg>
-      </pc:sldChg>
-      <pc:sldChg chg="addSp modSp new mod">
-        <pc:chgData name="Yves Bornhauser (s)" userId="7add2d99-4032-4933-ae91-0874c7fbc61b" providerId="ADAL" clId="{890CA342-91DB-0A4A-A6FC-574C1908866C}" dt="2025-05-18T21:21:02.358" v="19384" actId="790"/>
-        <pc:sldMkLst>
-          <pc:docMk/>
-          <pc:sldMk cId="2649980981" sldId="273"/>
-        </pc:sldMkLst>
-        <pc:spChg chg="mod">
-          <ac:chgData name="Yves Bornhauser (s)" userId="7add2d99-4032-4933-ae91-0874c7fbc61b" providerId="ADAL" clId="{890CA342-91DB-0A4A-A6FC-574C1908866C}" dt="2025-05-18T21:21:02.358" v="19384" actId="790"/>
-          <ac:spMkLst>
-            <pc:docMk/>
-            <pc:sldMk cId="2649980981" sldId="273"/>
-            <ac:spMk id="2" creationId="{D449C5C9-9570-EB75-0CF8-30AE6D9A7FF4}"/>
-          </ac:spMkLst>
-        </pc:spChg>
-        <pc:spChg chg="mod">
-          <ac:chgData name="Yves Bornhauser (s)" userId="7add2d99-4032-4933-ae91-0874c7fbc61b" providerId="ADAL" clId="{890CA342-91DB-0A4A-A6FC-574C1908866C}" dt="2025-05-18T21:21:02.358" v="19384" actId="790"/>
-          <ac:spMkLst>
-            <pc:docMk/>
-            <pc:sldMk cId="2649980981" sldId="273"/>
-            <ac:spMk id="3" creationId="{EE3B16E0-08F2-6B13-7D11-9B811DEB46C2}"/>
-          </ac:spMkLst>
-        </pc:spChg>
-        <pc:picChg chg="add mod">
-          <ac:chgData name="Yves Bornhauser (s)" userId="7add2d99-4032-4933-ae91-0874c7fbc61b" providerId="ADAL" clId="{890CA342-91DB-0A4A-A6FC-574C1908866C}" dt="2025-05-18T18:12:10.971" v="16567" actId="1076"/>
-          <ac:picMkLst>
-            <pc:docMk/>
-            <pc:sldMk cId="2649980981" sldId="273"/>
-            <ac:picMk id="4" creationId="{3FE2D855-425C-CB1D-E6DE-D698C110DD07}"/>
-          </ac:picMkLst>
-        </pc:picChg>
-      </pc:sldChg>
-      <pc:sldChg chg="modSp new mod ord">
-        <pc:chgData name="Yves Bornhauser (s)" userId="7add2d99-4032-4933-ae91-0874c7fbc61b" providerId="ADAL" clId="{890CA342-91DB-0A4A-A6FC-574C1908866C}" dt="2025-05-18T21:21:02.358" v="19384" actId="790"/>
-        <pc:sldMkLst>
-          <pc:docMk/>
-          <pc:sldMk cId="3160545444" sldId="274"/>
-        </pc:sldMkLst>
-        <pc:spChg chg="mod">
-          <ac:chgData name="Yves Bornhauser (s)" userId="7add2d99-4032-4933-ae91-0874c7fbc61b" providerId="ADAL" clId="{890CA342-91DB-0A4A-A6FC-574C1908866C}" dt="2025-05-18T21:21:02.358" v="19384" actId="790"/>
-          <ac:spMkLst>
-            <pc:docMk/>
-            <pc:sldMk cId="3160545444" sldId="274"/>
-            <ac:spMk id="2" creationId="{59C8C1CD-B9F2-F4F0-3890-9BDBED302608}"/>
-          </ac:spMkLst>
-        </pc:spChg>
-        <pc:spChg chg="mod">
-          <ac:chgData name="Yves Bornhauser (s)" userId="7add2d99-4032-4933-ae91-0874c7fbc61b" providerId="ADAL" clId="{890CA342-91DB-0A4A-A6FC-574C1908866C}" dt="2025-05-18T21:21:02.358" v="19384" actId="790"/>
-          <ac:spMkLst>
-            <pc:docMk/>
-            <pc:sldMk cId="3160545444" sldId="274"/>
-            <ac:spMk id="3" creationId="{1255F9F7-57FD-D676-7687-EE314F288D99}"/>
-          </ac:spMkLst>
-        </pc:spChg>
-      </pc:sldChg>
-      <pc:sldChg chg="delSp modSp new mod">
-        <pc:chgData name="Yves Bornhauser (s)" userId="7add2d99-4032-4933-ae91-0874c7fbc61b" providerId="ADAL" clId="{890CA342-91DB-0A4A-A6FC-574C1908866C}" dt="2025-05-18T21:21:02.358" v="19384" actId="790"/>
-        <pc:sldMkLst>
-          <pc:docMk/>
-          <pc:sldMk cId="145801737" sldId="275"/>
-        </pc:sldMkLst>
-        <pc:spChg chg="mod">
-          <ac:chgData name="Yves Bornhauser (s)" userId="7add2d99-4032-4933-ae91-0874c7fbc61b" providerId="ADAL" clId="{890CA342-91DB-0A4A-A6FC-574C1908866C}" dt="2025-05-18T21:21:02.358" v="19384" actId="790"/>
-          <ac:spMkLst>
-            <pc:docMk/>
-            <pc:sldMk cId="145801737" sldId="275"/>
-            <ac:spMk id="2" creationId="{AC88CA27-16DB-562C-FD39-01CFEB4F034D}"/>
-          </ac:spMkLst>
-        </pc:spChg>
-      </pc:sldChg>
-      <pc:sldChg chg="modSp new mod">
-        <pc:chgData name="Yves Bornhauser (s)" userId="7add2d99-4032-4933-ae91-0874c7fbc61b" providerId="ADAL" clId="{890CA342-91DB-0A4A-A6FC-574C1908866C}" dt="2025-05-18T21:21:02.358" v="19384" actId="790"/>
-        <pc:sldMkLst>
-          <pc:docMk/>
-          <pc:sldMk cId="2309109412" sldId="276"/>
-        </pc:sldMkLst>
-        <pc:spChg chg="mod">
-          <ac:chgData name="Yves Bornhauser (s)" userId="7add2d99-4032-4933-ae91-0874c7fbc61b" providerId="ADAL" clId="{890CA342-91DB-0A4A-A6FC-574C1908866C}" dt="2025-05-18T21:21:02.358" v="19384" actId="790"/>
-          <ac:spMkLst>
-            <pc:docMk/>
-            <pc:sldMk cId="2309109412" sldId="276"/>
-            <ac:spMk id="2" creationId="{A1138CBD-47EE-A76B-6F2D-6BE5D5D5260B}"/>
-          </ac:spMkLst>
-        </pc:spChg>
-        <pc:spChg chg="mod">
-          <ac:chgData name="Yves Bornhauser (s)" userId="7add2d99-4032-4933-ae91-0874c7fbc61b" providerId="ADAL" clId="{890CA342-91DB-0A4A-A6FC-574C1908866C}" dt="2025-05-18T21:21:02.358" v="19384" actId="790"/>
-          <ac:spMkLst>
-            <pc:docMk/>
-            <pc:sldMk cId="2309109412" sldId="276"/>
-            <ac:spMk id="3" creationId="{5B9B8352-BADD-DCC2-C003-8D5FA0B5E41A}"/>
-          </ac:spMkLst>
-        </pc:spChg>
-      </pc:sldChg>
-      <pc:sldChg chg="modSp new mod">
-        <pc:chgData name="Yves Bornhauser (s)" userId="7add2d99-4032-4933-ae91-0874c7fbc61b" providerId="ADAL" clId="{890CA342-91DB-0A4A-A6FC-574C1908866C}" dt="2025-05-18T21:21:02.358" v="19384" actId="790"/>
-        <pc:sldMkLst>
-          <pc:docMk/>
-          <pc:sldMk cId="2047081832" sldId="277"/>
-        </pc:sldMkLst>
-        <pc:spChg chg="mod">
-          <ac:chgData name="Yves Bornhauser (s)" userId="7add2d99-4032-4933-ae91-0874c7fbc61b" providerId="ADAL" clId="{890CA342-91DB-0A4A-A6FC-574C1908866C}" dt="2025-05-18T21:21:02.358" v="19384" actId="790"/>
-          <ac:spMkLst>
-            <pc:docMk/>
-            <pc:sldMk cId="2047081832" sldId="277"/>
-            <ac:spMk id="2" creationId="{4BF49954-CC24-AA9E-4E1F-1C3E2EE68AF0}"/>
-          </ac:spMkLst>
-        </pc:spChg>
-        <pc:spChg chg="mod">
-          <ac:chgData name="Yves Bornhauser (s)" userId="7add2d99-4032-4933-ae91-0874c7fbc61b" providerId="ADAL" clId="{890CA342-91DB-0A4A-A6FC-574C1908866C}" dt="2025-05-18T21:21:02.358" v="19384" actId="790"/>
-          <ac:spMkLst>
-            <pc:docMk/>
-            <pc:sldMk cId="2047081832" sldId="277"/>
-            <ac:spMk id="3" creationId="{E2301E13-9583-BA29-A2E7-2D2AC07BBBA7}"/>
-          </ac:spMkLst>
-        </pc:spChg>
-      </pc:sldChg>
-      <pc:sldChg chg="modSp new mod">
-        <pc:chgData name="Yves Bornhauser (s)" userId="7add2d99-4032-4933-ae91-0874c7fbc61b" providerId="ADAL" clId="{890CA342-91DB-0A4A-A6FC-574C1908866C}" dt="2025-05-18T21:21:02.358" v="19384" actId="790"/>
-        <pc:sldMkLst>
-          <pc:docMk/>
-          <pc:sldMk cId="2002242714" sldId="278"/>
-        </pc:sldMkLst>
-        <pc:spChg chg="mod">
-          <ac:chgData name="Yves Bornhauser (s)" userId="7add2d99-4032-4933-ae91-0874c7fbc61b" providerId="ADAL" clId="{890CA342-91DB-0A4A-A6FC-574C1908866C}" dt="2025-05-18T21:21:02.358" v="19384" actId="790"/>
-          <ac:spMkLst>
-            <pc:docMk/>
-            <pc:sldMk cId="2002242714" sldId="278"/>
-            <ac:spMk id="2" creationId="{A6D04393-FF73-FA84-588F-5601130437E7}"/>
-          </ac:spMkLst>
-        </pc:spChg>
-        <pc:spChg chg="mod">
-          <ac:chgData name="Yves Bornhauser (s)" userId="7add2d99-4032-4933-ae91-0874c7fbc61b" providerId="ADAL" clId="{890CA342-91DB-0A4A-A6FC-574C1908866C}" dt="2025-05-18T21:21:02.358" v="19384" actId="790"/>
-          <ac:spMkLst>
-            <pc:docMk/>
-            <pc:sldMk cId="2002242714" sldId="278"/>
-            <ac:spMk id="3" creationId="{0D1A6D40-BB22-1BC6-315D-31DFE5414F86}"/>
-          </ac:spMkLst>
-        </pc:spChg>
-      </pc:sldChg>
-      <pc:sldChg chg="modSp mod">
-        <pc:chgData name="Yves Bornhauser (s)" userId="7add2d99-4032-4933-ae91-0874c7fbc61b" providerId="ADAL" clId="{890CA342-91DB-0A4A-A6FC-574C1908866C}" dt="2025-05-18T21:21:02.358" v="19384" actId="790"/>
-        <pc:sldMkLst>
-          <pc:docMk/>
-          <pc:sldMk cId="1074422744" sldId="279"/>
-        </pc:sldMkLst>
-        <pc:spChg chg="mod">
-          <ac:chgData name="Yves Bornhauser (s)" userId="7add2d99-4032-4933-ae91-0874c7fbc61b" providerId="ADAL" clId="{890CA342-91DB-0A4A-A6FC-574C1908866C}" dt="2025-05-18T21:21:02.358" v="19384" actId="790"/>
-          <ac:spMkLst>
-            <pc:docMk/>
-            <pc:sldMk cId="1074422744" sldId="279"/>
-            <ac:spMk id="2" creationId="{A3FC386F-4B0F-45D9-1956-206511593391}"/>
-          </ac:spMkLst>
-        </pc:spChg>
-        <pc:spChg chg="mod">
-          <ac:chgData name="Yves Bornhauser (s)" userId="7add2d99-4032-4933-ae91-0874c7fbc61b" providerId="ADAL" clId="{890CA342-91DB-0A4A-A6FC-574C1908866C}" dt="2025-05-18T21:21:02.358" v="19384" actId="790"/>
-          <ac:spMkLst>
-            <pc:docMk/>
-            <pc:sldMk cId="1074422744" sldId="279"/>
-            <ac:spMk id="3" creationId="{0BB54BEA-F380-319D-696A-08FA537CF11D}"/>
-          </ac:spMkLst>
-        </pc:spChg>
-      </pc:sldChg>
-      <pc:sldChg chg="modSp mod">
-        <pc:chgData name="Yves Bornhauser (s)" userId="7add2d99-4032-4933-ae91-0874c7fbc61b" providerId="ADAL" clId="{890CA342-91DB-0A4A-A6FC-574C1908866C}" dt="2025-05-18T21:21:02.358" v="19384" actId="790"/>
-        <pc:sldMkLst>
-          <pc:docMk/>
-          <pc:sldMk cId="3419743759" sldId="280"/>
-        </pc:sldMkLst>
-        <pc:spChg chg="mod">
-          <ac:chgData name="Yves Bornhauser (s)" userId="7add2d99-4032-4933-ae91-0874c7fbc61b" providerId="ADAL" clId="{890CA342-91DB-0A4A-A6FC-574C1908866C}" dt="2025-05-18T21:21:02.358" v="19384" actId="790"/>
-          <ac:spMkLst>
-            <pc:docMk/>
-            <pc:sldMk cId="3419743759" sldId="280"/>
-            <ac:spMk id="3" creationId="{92CCC8EA-1B6D-603D-5772-FFF67DBF1130}"/>
-          </ac:spMkLst>
-        </pc:spChg>
-        <pc:spChg chg="mod">
-          <ac:chgData name="Yves Bornhauser (s)" userId="7add2d99-4032-4933-ae91-0874c7fbc61b" providerId="ADAL" clId="{890CA342-91DB-0A4A-A6FC-574C1908866C}" dt="2025-05-18T21:21:02.358" v="19384" actId="790"/>
-          <ac:spMkLst>
-            <pc:docMk/>
-            <pc:sldMk cId="3419743759" sldId="280"/>
-            <ac:spMk id="4" creationId="{ED54C290-9E4D-B712-08F3-791921C85A55}"/>
-          </ac:spMkLst>
-        </pc:spChg>
-      </pc:sldChg>
-      <pc:sldChg chg="modSp mod">
-        <pc:chgData name="Yves Bornhauser (s)" userId="7add2d99-4032-4933-ae91-0874c7fbc61b" providerId="ADAL" clId="{890CA342-91DB-0A4A-A6FC-574C1908866C}" dt="2025-05-18T21:21:02.358" v="19384" actId="790"/>
-        <pc:sldMkLst>
-          <pc:docMk/>
-          <pc:sldMk cId="3841946204" sldId="281"/>
-        </pc:sldMkLst>
-        <pc:spChg chg="mod">
-          <ac:chgData name="Yves Bornhauser (s)" userId="7add2d99-4032-4933-ae91-0874c7fbc61b" providerId="ADAL" clId="{890CA342-91DB-0A4A-A6FC-574C1908866C}" dt="2025-05-18T21:21:02.358" v="19384" actId="790"/>
-          <ac:spMkLst>
-            <pc:docMk/>
-            <pc:sldMk cId="3841946204" sldId="281"/>
-            <ac:spMk id="2" creationId="{3B5ECAB9-0EA1-CD8F-A33C-85F5E4156DF0}"/>
-          </ac:spMkLst>
-        </pc:spChg>
-        <pc:spChg chg="mod">
-          <ac:chgData name="Yves Bornhauser (s)" userId="7add2d99-4032-4933-ae91-0874c7fbc61b" providerId="ADAL" clId="{890CA342-91DB-0A4A-A6FC-574C1908866C}" dt="2025-05-18T21:21:02.358" v="19384" actId="790"/>
-          <ac:spMkLst>
-            <pc:docMk/>
-            <pc:sldMk cId="3841946204" sldId="281"/>
-            <ac:spMk id="3" creationId="{3874EC3C-C1F6-075E-5CCC-B838347C6A4D}"/>
-          </ac:spMkLst>
-        </pc:spChg>
-      </pc:sldChg>
-      <pc:sldChg chg="modSp mod">
-        <pc:chgData name="Yves Bornhauser (s)" userId="7add2d99-4032-4933-ae91-0874c7fbc61b" providerId="ADAL" clId="{890CA342-91DB-0A4A-A6FC-574C1908866C}" dt="2025-05-18T21:21:02.358" v="19384" actId="790"/>
-        <pc:sldMkLst>
-          <pc:docMk/>
-          <pc:sldMk cId="1167533235" sldId="282"/>
-        </pc:sldMkLst>
-        <pc:spChg chg="mod">
-          <ac:chgData name="Yves Bornhauser (s)" userId="7add2d99-4032-4933-ae91-0874c7fbc61b" providerId="ADAL" clId="{890CA342-91DB-0A4A-A6FC-574C1908866C}" dt="2025-05-18T21:21:02.358" v="19384" actId="790"/>
-          <ac:spMkLst>
-            <pc:docMk/>
-            <pc:sldMk cId="1167533235" sldId="282"/>
-            <ac:spMk id="2" creationId="{848B30E1-A67E-D63E-24C5-58C35F1BF396}"/>
-          </ac:spMkLst>
-        </pc:spChg>
-        <pc:spChg chg="mod">
-          <ac:chgData name="Yves Bornhauser (s)" userId="7add2d99-4032-4933-ae91-0874c7fbc61b" providerId="ADAL" clId="{890CA342-91DB-0A4A-A6FC-574C1908866C}" dt="2025-05-18T21:21:02.358" v="19384" actId="790"/>
-          <ac:spMkLst>
-            <pc:docMk/>
-            <pc:sldMk cId="1167533235" sldId="282"/>
-            <ac:spMk id="3" creationId="{20BF2C2D-BCD1-9955-4BB0-05DE73D31992}"/>
-          </ac:spMkLst>
-        </pc:spChg>
-      </pc:sldChg>
-      <pc:sldChg chg="modSp mod">
-        <pc:chgData name="Yves Bornhauser (s)" userId="7add2d99-4032-4933-ae91-0874c7fbc61b" providerId="ADAL" clId="{890CA342-91DB-0A4A-A6FC-574C1908866C}" dt="2025-05-18T21:21:02.358" v="19384" actId="790"/>
-        <pc:sldMkLst>
-          <pc:docMk/>
-          <pc:sldMk cId="821717914" sldId="283"/>
-        </pc:sldMkLst>
-        <pc:spChg chg="mod">
-          <ac:chgData name="Yves Bornhauser (s)" userId="7add2d99-4032-4933-ae91-0874c7fbc61b" providerId="ADAL" clId="{890CA342-91DB-0A4A-A6FC-574C1908866C}" dt="2025-05-18T21:21:02.358" v="19384" actId="790"/>
-          <ac:spMkLst>
-            <pc:docMk/>
-            <pc:sldMk cId="821717914" sldId="283"/>
-            <ac:spMk id="2" creationId="{0FB9D1EC-97BD-AD80-216E-D9F996E475D3}"/>
-          </ac:spMkLst>
-        </pc:spChg>
-        <pc:spChg chg="mod">
-          <ac:chgData name="Yves Bornhauser (s)" userId="7add2d99-4032-4933-ae91-0874c7fbc61b" providerId="ADAL" clId="{890CA342-91DB-0A4A-A6FC-574C1908866C}" dt="2025-05-18T21:21:02.358" v="19384" actId="790"/>
-          <ac:spMkLst>
-            <pc:docMk/>
-            <pc:sldMk cId="821717914" sldId="283"/>
-            <ac:spMk id="3" creationId="{576429D0-D0D3-29EE-0BAE-08F4551EEC25}"/>
-          </ac:spMkLst>
-        </pc:spChg>
-      </pc:sldChg>
-      <pc:sldChg chg="modSp mod">
-        <pc:chgData name="Yves Bornhauser (s)" userId="7add2d99-4032-4933-ae91-0874c7fbc61b" providerId="ADAL" clId="{890CA342-91DB-0A4A-A6FC-574C1908866C}" dt="2025-05-18T21:21:02.358" v="19384" actId="790"/>
-        <pc:sldMkLst>
-          <pc:docMk/>
-          <pc:sldMk cId="1333545438" sldId="284"/>
-        </pc:sldMkLst>
-        <pc:spChg chg="mod">
-          <ac:chgData name="Yves Bornhauser (s)" userId="7add2d99-4032-4933-ae91-0874c7fbc61b" providerId="ADAL" clId="{890CA342-91DB-0A4A-A6FC-574C1908866C}" dt="2025-05-18T21:21:02.358" v="19384" actId="790"/>
-          <ac:spMkLst>
-            <pc:docMk/>
-            <pc:sldMk cId="1333545438" sldId="284"/>
-            <ac:spMk id="2" creationId="{6B1E2847-9ADE-7AA6-0A61-4D2C6F042998}"/>
-          </ac:spMkLst>
-        </pc:spChg>
-        <pc:spChg chg="mod">
-          <ac:chgData name="Yves Bornhauser (s)" userId="7add2d99-4032-4933-ae91-0874c7fbc61b" providerId="ADAL" clId="{890CA342-91DB-0A4A-A6FC-574C1908866C}" dt="2025-05-18T21:21:02.358" v="19384" actId="790"/>
-          <ac:spMkLst>
-            <pc:docMk/>
-            <pc:sldMk cId="1333545438" sldId="284"/>
-            <ac:spMk id="3" creationId="{86EF0C0B-6EF5-A584-7D5D-8ED616041690}"/>
-          </ac:spMkLst>
-        </pc:spChg>
-      </pc:sldChg>
-      <pc:sldChg chg="modSp new mod">
-        <pc:chgData name="Yves Bornhauser (s)" userId="7add2d99-4032-4933-ae91-0874c7fbc61b" providerId="ADAL" clId="{890CA342-91DB-0A4A-A6FC-574C1908866C}" dt="2025-05-18T21:21:02.358" v="19384" actId="790"/>
-        <pc:sldMkLst>
-          <pc:docMk/>
-          <pc:sldMk cId="377028967" sldId="285"/>
-        </pc:sldMkLst>
-        <pc:spChg chg="mod">
-          <ac:chgData name="Yves Bornhauser (s)" userId="7add2d99-4032-4933-ae91-0874c7fbc61b" providerId="ADAL" clId="{890CA342-91DB-0A4A-A6FC-574C1908866C}" dt="2025-05-18T21:21:02.358" v="19384" actId="790"/>
-          <ac:spMkLst>
-            <pc:docMk/>
-            <pc:sldMk cId="377028967" sldId="285"/>
-            <ac:spMk id="2" creationId="{86FAE848-2427-D982-02D7-77E2843AAD69}"/>
-          </ac:spMkLst>
-        </pc:spChg>
-        <pc:spChg chg="mod">
-          <ac:chgData name="Yves Bornhauser (s)" userId="7add2d99-4032-4933-ae91-0874c7fbc61b" providerId="ADAL" clId="{890CA342-91DB-0A4A-A6FC-574C1908866C}" dt="2025-05-18T21:21:02.358" v="19384" actId="790"/>
-          <ac:spMkLst>
-            <pc:docMk/>
-            <pc:sldMk cId="377028967" sldId="285"/>
-            <ac:spMk id="3" creationId="{B55C73CC-AEE2-1009-C424-3E1794B9E9CD}"/>
-          </ac:spMkLst>
-        </pc:spChg>
-      </pc:sldChg>
-      <pc:sldChg chg="modSp new mod">
-        <pc:chgData name="Yves Bornhauser (s)" userId="7add2d99-4032-4933-ae91-0874c7fbc61b" providerId="ADAL" clId="{890CA342-91DB-0A4A-A6FC-574C1908866C}" dt="2025-05-18T21:21:02.358" v="19384" actId="790"/>
-        <pc:sldMkLst>
-          <pc:docMk/>
-          <pc:sldMk cId="691455477" sldId="286"/>
-        </pc:sldMkLst>
-        <pc:spChg chg="mod">
-          <ac:chgData name="Yves Bornhauser (s)" userId="7add2d99-4032-4933-ae91-0874c7fbc61b" providerId="ADAL" clId="{890CA342-91DB-0A4A-A6FC-574C1908866C}" dt="2025-05-18T21:21:02.358" v="19384" actId="790"/>
-          <ac:spMkLst>
-            <pc:docMk/>
-            <pc:sldMk cId="691455477" sldId="286"/>
-            <ac:spMk id="2" creationId="{B32C9BB4-0CF0-5D82-ED00-36C7FB7BEBE9}"/>
-          </ac:spMkLst>
-        </pc:spChg>
-        <pc:spChg chg="mod">
-          <ac:chgData name="Yves Bornhauser (s)" userId="7add2d99-4032-4933-ae91-0874c7fbc61b" providerId="ADAL" clId="{890CA342-91DB-0A4A-A6FC-574C1908866C}" dt="2025-05-18T21:21:02.358" v="19384" actId="790"/>
-          <ac:spMkLst>
-            <pc:docMk/>
-            <pc:sldMk cId="691455477" sldId="286"/>
-            <ac:spMk id="3" creationId="{CCB4CF03-CB80-E186-AB09-A7E588F41FBD}"/>
-          </ac:spMkLst>
-        </pc:spChg>
-      </pc:sldChg>
-      <pc:sldChg chg="modSp new mod">
-        <pc:chgData name="Yves Bornhauser (s)" userId="7add2d99-4032-4933-ae91-0874c7fbc61b" providerId="ADAL" clId="{890CA342-91DB-0A4A-A6FC-574C1908866C}" dt="2025-05-18T21:21:02.358" v="19384" actId="790"/>
-        <pc:sldMkLst>
-          <pc:docMk/>
-          <pc:sldMk cId="3917947101" sldId="287"/>
-        </pc:sldMkLst>
-        <pc:spChg chg="mod">
-          <ac:chgData name="Yves Bornhauser (s)" userId="7add2d99-4032-4933-ae91-0874c7fbc61b" providerId="ADAL" clId="{890CA342-91DB-0A4A-A6FC-574C1908866C}" dt="2025-05-18T21:21:02.358" v="19384" actId="790"/>
-          <ac:spMkLst>
-            <pc:docMk/>
-            <pc:sldMk cId="3917947101" sldId="287"/>
-            <ac:spMk id="2" creationId="{BD30F4A9-A278-F3DF-7DC3-E0D42BA68086}"/>
-          </ac:spMkLst>
-        </pc:spChg>
-        <pc:spChg chg="mod">
-          <ac:chgData name="Yves Bornhauser (s)" userId="7add2d99-4032-4933-ae91-0874c7fbc61b" providerId="ADAL" clId="{890CA342-91DB-0A4A-A6FC-574C1908866C}" dt="2025-05-18T21:21:02.358" v="19384" actId="790"/>
-          <ac:spMkLst>
-            <pc:docMk/>
-            <pc:sldMk cId="3917947101" sldId="287"/>
-            <ac:spMk id="3" creationId="{7A73F446-77B1-64D0-1750-9EAD60137509}"/>
-          </ac:spMkLst>
-        </pc:spChg>
-      </pc:sldChg>
-      <pc:sldChg chg="modSp new mod">
-        <pc:chgData name="Yves Bornhauser (s)" userId="7add2d99-4032-4933-ae91-0874c7fbc61b" providerId="ADAL" clId="{890CA342-91DB-0A4A-A6FC-574C1908866C}" dt="2025-05-18T21:21:02.358" v="19384" actId="790"/>
-        <pc:sldMkLst>
-          <pc:docMk/>
-          <pc:sldMk cId="409269048" sldId="288"/>
-        </pc:sldMkLst>
-        <pc:spChg chg="mod">
-          <ac:chgData name="Yves Bornhauser (s)" userId="7add2d99-4032-4933-ae91-0874c7fbc61b" providerId="ADAL" clId="{890CA342-91DB-0A4A-A6FC-574C1908866C}" dt="2025-05-18T21:21:02.358" v="19384" actId="790"/>
-          <ac:spMkLst>
-            <pc:docMk/>
-            <pc:sldMk cId="409269048" sldId="288"/>
-            <ac:spMk id="2" creationId="{91B7C214-B7C0-26D4-3B5D-D7C21CF5465B}"/>
-          </ac:spMkLst>
-        </pc:spChg>
-        <pc:spChg chg="mod">
-          <ac:chgData name="Yves Bornhauser (s)" userId="7add2d99-4032-4933-ae91-0874c7fbc61b" providerId="ADAL" clId="{890CA342-91DB-0A4A-A6FC-574C1908866C}" dt="2025-05-18T21:21:02.358" v="19384" actId="790"/>
-          <ac:spMkLst>
-            <pc:docMk/>
-            <pc:sldMk cId="409269048" sldId="288"/>
-            <ac:spMk id="3" creationId="{269D9BEA-7507-67E8-0A07-0E95A0CC3DFA}"/>
-          </ac:spMkLst>
-        </pc:spChg>
-      </pc:sldChg>
-      <pc:sldChg chg="modSp add mod">
-        <pc:chgData name="Yves Bornhauser (s)" userId="7add2d99-4032-4933-ae91-0874c7fbc61b" providerId="ADAL" clId="{890CA342-91DB-0A4A-A6FC-574C1908866C}" dt="2025-05-18T21:21:02.358" v="19384" actId="790"/>
-        <pc:sldMkLst>
-          <pc:docMk/>
-          <pc:sldMk cId="2290502162" sldId="289"/>
-        </pc:sldMkLst>
-        <pc:spChg chg="mod">
-          <ac:chgData name="Yves Bornhauser (s)" userId="7add2d99-4032-4933-ae91-0874c7fbc61b" providerId="ADAL" clId="{890CA342-91DB-0A4A-A6FC-574C1908866C}" dt="2025-05-18T21:21:02.358" v="19384" actId="790"/>
-          <ac:spMkLst>
-            <pc:docMk/>
-            <pc:sldMk cId="2290502162" sldId="289"/>
-            <ac:spMk id="2" creationId="{3EBE68A7-D15B-CD63-F22E-89C07018CA15}"/>
-          </ac:spMkLst>
-        </pc:spChg>
-        <pc:spChg chg="mod">
-          <ac:chgData name="Yves Bornhauser (s)" userId="7add2d99-4032-4933-ae91-0874c7fbc61b" providerId="ADAL" clId="{890CA342-91DB-0A4A-A6FC-574C1908866C}" dt="2025-05-18T21:21:02.358" v="19384" actId="790"/>
-          <ac:spMkLst>
-            <pc:docMk/>
-            <pc:sldMk cId="2290502162" sldId="289"/>
-            <ac:spMk id="3" creationId="{8699B70D-12D4-79F7-9F62-6AE79E019C1E}"/>
-          </ac:spMkLst>
-        </pc:spChg>
-      </pc:sldChg>
-      <pc:sldChg chg="modSp new mod">
-        <pc:chgData name="Yves Bornhauser (s)" userId="7add2d99-4032-4933-ae91-0874c7fbc61b" providerId="ADAL" clId="{890CA342-91DB-0A4A-A6FC-574C1908866C}" dt="2025-05-18T21:21:02.358" v="19384" actId="790"/>
-        <pc:sldMkLst>
-          <pc:docMk/>
-          <pc:sldMk cId="1995614002" sldId="290"/>
-        </pc:sldMkLst>
-        <pc:spChg chg="mod">
-          <ac:chgData name="Yves Bornhauser (s)" userId="7add2d99-4032-4933-ae91-0874c7fbc61b" providerId="ADAL" clId="{890CA342-91DB-0A4A-A6FC-574C1908866C}" dt="2025-05-18T21:21:02.358" v="19384" actId="790"/>
-          <ac:spMkLst>
-            <pc:docMk/>
-            <pc:sldMk cId="1995614002" sldId="290"/>
-            <ac:spMk id="2" creationId="{F3931A06-274A-FC00-A8F8-6C4575DE3242}"/>
-          </ac:spMkLst>
-        </pc:spChg>
-        <pc:spChg chg="mod">
-          <ac:chgData name="Yves Bornhauser (s)" userId="7add2d99-4032-4933-ae91-0874c7fbc61b" providerId="ADAL" clId="{890CA342-91DB-0A4A-A6FC-574C1908866C}" dt="2025-05-18T21:21:02.358" v="19384" actId="790"/>
-          <ac:spMkLst>
-            <pc:docMk/>
-            <pc:sldMk cId="1995614002" sldId="290"/>
-            <ac:spMk id="3" creationId="{E645E376-9005-163D-9AE4-25883570B829}"/>
-          </ac:spMkLst>
-        </pc:spChg>
-      </pc:sldChg>
-      <pc:sldChg chg="modSp mod">
-        <pc:chgData name="Yves Bornhauser (s)" userId="7add2d99-4032-4933-ae91-0874c7fbc61b" providerId="ADAL" clId="{890CA342-91DB-0A4A-A6FC-574C1908866C}" dt="2025-05-18T21:21:02.358" v="19384" actId="790"/>
-        <pc:sldMkLst>
-          <pc:docMk/>
-          <pc:sldMk cId="3449873247" sldId="291"/>
-        </pc:sldMkLst>
-        <pc:spChg chg="mod">
-          <ac:chgData name="Yves Bornhauser (s)" userId="7add2d99-4032-4933-ae91-0874c7fbc61b" providerId="ADAL" clId="{890CA342-91DB-0A4A-A6FC-574C1908866C}" dt="2025-05-18T21:21:02.358" v="19384" actId="790"/>
-          <ac:spMkLst>
-            <pc:docMk/>
-            <pc:sldMk cId="3449873247" sldId="291"/>
-            <ac:spMk id="2" creationId="{9A21931A-7B87-660D-6F77-DCE686E14A51}"/>
-          </ac:spMkLst>
-        </pc:spChg>
-        <pc:spChg chg="mod">
-          <ac:chgData name="Yves Bornhauser (s)" userId="7add2d99-4032-4933-ae91-0874c7fbc61b" providerId="ADAL" clId="{890CA342-91DB-0A4A-A6FC-574C1908866C}" dt="2025-05-18T21:21:02.358" v="19384" actId="790"/>
-          <ac:spMkLst>
-            <pc:docMk/>
-            <pc:sldMk cId="3449873247" sldId="291"/>
-            <ac:spMk id="3" creationId="{6408218E-A65C-DB47-3F43-09BCE6E1DBD5}"/>
-          </ac:spMkLst>
-        </pc:spChg>
-      </pc:sldChg>
-      <pc:sldChg chg="addSp delSp modSp new mod">
-        <pc:chgData name="Yves Bornhauser (s)" userId="7add2d99-4032-4933-ae91-0874c7fbc61b" providerId="ADAL" clId="{890CA342-91DB-0A4A-A6FC-574C1908866C}" dt="2025-05-18T21:21:02.358" v="19384" actId="790"/>
-        <pc:sldMkLst>
-          <pc:docMk/>
-          <pc:sldMk cId="2891695429" sldId="292"/>
-        </pc:sldMkLst>
-        <pc:spChg chg="mod">
-          <ac:chgData name="Yves Bornhauser (s)" userId="7add2d99-4032-4933-ae91-0874c7fbc61b" providerId="ADAL" clId="{890CA342-91DB-0A4A-A6FC-574C1908866C}" dt="2025-05-18T21:21:02.358" v="19384" actId="790"/>
-          <ac:spMkLst>
-            <pc:docMk/>
-            <pc:sldMk cId="2891695429" sldId="292"/>
-            <ac:spMk id="2" creationId="{0B19A15A-2EF3-05DF-40AF-9FD3DFD32AF6}"/>
-          </ac:spMkLst>
-        </pc:spChg>
-        <pc:spChg chg="mod">
-          <ac:chgData name="Yves Bornhauser (s)" userId="7add2d99-4032-4933-ae91-0874c7fbc61b" providerId="ADAL" clId="{890CA342-91DB-0A4A-A6FC-574C1908866C}" dt="2025-05-18T21:21:02.358" v="19384" actId="790"/>
-          <ac:spMkLst>
-            <pc:docMk/>
-            <pc:sldMk cId="2891695429" sldId="292"/>
-            <ac:spMk id="3" creationId="{780C1E64-5FB0-895C-7869-414A178F14EF}"/>
-          </ac:spMkLst>
-        </pc:spChg>
-      </pc:sldChg>
-      <pc:sldChg chg="addSp delSp modSp new mod">
-        <pc:chgData name="Yves Bornhauser (s)" userId="7add2d99-4032-4933-ae91-0874c7fbc61b" providerId="ADAL" clId="{890CA342-91DB-0A4A-A6FC-574C1908866C}" dt="2025-05-18T21:21:02.358" v="19384" actId="790"/>
-        <pc:sldMkLst>
-          <pc:docMk/>
-          <pc:sldMk cId="1185693819" sldId="293"/>
-        </pc:sldMkLst>
-        <pc:spChg chg="mod">
-          <ac:chgData name="Yves Bornhauser (s)" userId="7add2d99-4032-4933-ae91-0874c7fbc61b" providerId="ADAL" clId="{890CA342-91DB-0A4A-A6FC-574C1908866C}" dt="2025-05-18T21:21:02.358" v="19384" actId="790"/>
-          <ac:spMkLst>
-            <pc:docMk/>
-            <pc:sldMk cId="1185693819" sldId="293"/>
-            <ac:spMk id="2" creationId="{D8CD26D6-AD98-BAC4-2758-9542D44D3B3F}"/>
-          </ac:spMkLst>
-        </pc:spChg>
-        <pc:spChg chg="add mod">
-          <ac:chgData name="Yves Bornhauser (s)" userId="7add2d99-4032-4933-ae91-0874c7fbc61b" providerId="ADAL" clId="{890CA342-91DB-0A4A-A6FC-574C1908866C}" dt="2025-05-18T21:21:02.358" v="19384" actId="790"/>
-          <ac:spMkLst>
-            <pc:docMk/>
-            <pc:sldMk cId="1185693819" sldId="293"/>
-            <ac:spMk id="5" creationId="{09D0F3AD-6464-8BA1-D56C-43E82F212D08}"/>
-          </ac:spMkLst>
-        </pc:spChg>
-        <pc:spChg chg="add mod">
-          <ac:chgData name="Yves Bornhauser (s)" userId="7add2d99-4032-4933-ae91-0874c7fbc61b" providerId="ADAL" clId="{890CA342-91DB-0A4A-A6FC-574C1908866C}" dt="2025-05-18T21:21:02.358" v="19384" actId="790"/>
-          <ac:spMkLst>
-            <pc:docMk/>
-            <pc:sldMk cId="1185693819" sldId="293"/>
-            <ac:spMk id="6" creationId="{B85CFDF9-B4B1-D734-34F5-0A53CE625AE3}"/>
-          </ac:spMkLst>
-        </pc:spChg>
-        <pc:spChg chg="add mod">
-          <ac:chgData name="Yves Bornhauser (s)" userId="7add2d99-4032-4933-ae91-0874c7fbc61b" providerId="ADAL" clId="{890CA342-91DB-0A4A-A6FC-574C1908866C}" dt="2025-05-18T21:21:02.358" v="19384" actId="790"/>
-          <ac:spMkLst>
-            <pc:docMk/>
-            <pc:sldMk cId="1185693819" sldId="293"/>
-            <ac:spMk id="8" creationId="{08AF904D-2B2B-9184-C49F-92B0170BF3F7}"/>
-          </ac:spMkLst>
-        </pc:spChg>
-        <pc:spChg chg="add mod">
-          <ac:chgData name="Yves Bornhauser (s)" userId="7add2d99-4032-4933-ae91-0874c7fbc61b" providerId="ADAL" clId="{890CA342-91DB-0A4A-A6FC-574C1908866C}" dt="2025-05-18T21:21:02.358" v="19384" actId="790"/>
-          <ac:spMkLst>
-            <pc:docMk/>
-            <pc:sldMk cId="1185693819" sldId="293"/>
-            <ac:spMk id="11" creationId="{296F4A65-579D-96E2-CA6F-2339D0E02787}"/>
-          </ac:spMkLst>
-        </pc:spChg>
-        <pc:picChg chg="add mod">
-          <ac:chgData name="Yves Bornhauser (s)" userId="7add2d99-4032-4933-ae91-0874c7fbc61b" providerId="ADAL" clId="{890CA342-91DB-0A4A-A6FC-574C1908866C}" dt="2025-05-18T14:13:09.428" v="9977" actId="14100"/>
-          <ac:picMkLst>
-            <pc:docMk/>
-            <pc:sldMk cId="1185693819" sldId="293"/>
-            <ac:picMk id="10" creationId="{ECB437CD-052A-CB6A-B40D-20BFD6A2B24E}"/>
-          </ac:picMkLst>
-        </pc:picChg>
-        <pc:picChg chg="add mod">
-          <ac:chgData name="Yves Bornhauser (s)" userId="7add2d99-4032-4933-ae91-0874c7fbc61b" providerId="ADAL" clId="{890CA342-91DB-0A4A-A6FC-574C1908866C}" dt="2025-05-18T14:28:24.977" v="10297" actId="14100"/>
-          <ac:picMkLst>
-            <pc:docMk/>
-            <pc:sldMk cId="1185693819" sldId="293"/>
-            <ac:picMk id="14" creationId="{EF3DDCB1-505B-9DFB-6DE4-98CEC7BCB44D}"/>
-          </ac:picMkLst>
-        </pc:picChg>
-        <pc:picChg chg="add mod">
-          <ac:chgData name="Yves Bornhauser (s)" userId="7add2d99-4032-4933-ae91-0874c7fbc61b" providerId="ADAL" clId="{890CA342-91DB-0A4A-A6FC-574C1908866C}" dt="2025-05-18T14:12:49.871" v="9971" actId="1076"/>
-          <ac:picMkLst>
-            <pc:docMk/>
-            <pc:sldMk cId="1185693819" sldId="293"/>
-            <ac:picMk id="1026" creationId="{DFF53C44-4BCF-96B1-2B5B-5C648754C753}"/>
-          </ac:picMkLst>
-        </pc:picChg>
-      </pc:sldChg>
-      <pc:sldChg chg="new del">
-        <pc:chgData name="Yves Bornhauser (s)" userId="7add2d99-4032-4933-ae91-0874c7fbc61b" providerId="ADAL" clId="{890CA342-91DB-0A4A-A6FC-574C1908866C}" dt="2025-05-18T14:10:19.230" v="9893" actId="2696"/>
-        <pc:sldMkLst>
-          <pc:docMk/>
-          <pc:sldMk cId="684832094" sldId="294"/>
-        </pc:sldMkLst>
-      </pc:sldChg>
-      <pc:sldChg chg="addSp delSp modSp mod setBg">
-        <pc:chgData name="Yves Bornhauser (s)" userId="7add2d99-4032-4933-ae91-0874c7fbc61b" providerId="ADAL" clId="{890CA342-91DB-0A4A-A6FC-574C1908866C}" dt="2025-05-18T21:21:02.358" v="19384" actId="790"/>
-        <pc:sldMkLst>
-          <pc:docMk/>
-          <pc:sldMk cId="2938400453" sldId="294"/>
-        </pc:sldMkLst>
-        <pc:spChg chg="mod">
-          <ac:chgData name="Yves Bornhauser (s)" userId="7add2d99-4032-4933-ae91-0874c7fbc61b" providerId="ADAL" clId="{890CA342-91DB-0A4A-A6FC-574C1908866C}" dt="2025-05-18T21:21:02.358" v="19384" actId="790"/>
-          <ac:spMkLst>
-            <pc:docMk/>
-            <pc:sldMk cId="2938400453" sldId="294"/>
-            <ac:spMk id="2" creationId="{11BECAD6-B3FD-0A07-8CAD-0B155DF47CDD}"/>
-          </ac:spMkLst>
-        </pc:spChg>
-        <pc:picChg chg="add mod">
-          <ac:chgData name="Yves Bornhauser (s)" userId="7add2d99-4032-4933-ae91-0874c7fbc61b" providerId="ADAL" clId="{890CA342-91DB-0A4A-A6FC-574C1908866C}" dt="2025-05-18T18:08:01.510" v="16519" actId="14100"/>
-          <ac:picMkLst>
-            <pc:docMk/>
-            <pc:sldMk cId="2938400453" sldId="294"/>
-            <ac:picMk id="6" creationId="{04AC11FD-1268-2DF1-2520-90F53C385896}"/>
-          </ac:picMkLst>
-        </pc:picChg>
-      </pc:sldChg>
-      <pc:sldChg chg="modSp mod">
-        <pc:chgData name="Yves Bornhauser (s)" userId="7add2d99-4032-4933-ae91-0874c7fbc61b" providerId="ADAL" clId="{890CA342-91DB-0A4A-A6FC-574C1908866C}" dt="2025-05-18T21:21:02.358" v="19384" actId="790"/>
-        <pc:sldMkLst>
-          <pc:docMk/>
-          <pc:sldMk cId="3088770211" sldId="295"/>
-        </pc:sldMkLst>
-        <pc:spChg chg="mod">
-          <ac:chgData name="Yves Bornhauser (s)" userId="7add2d99-4032-4933-ae91-0874c7fbc61b" providerId="ADAL" clId="{890CA342-91DB-0A4A-A6FC-574C1908866C}" dt="2025-05-18T21:21:02.358" v="19384" actId="790"/>
-          <ac:spMkLst>
-            <pc:docMk/>
-            <pc:sldMk cId="3088770211" sldId="295"/>
-            <ac:spMk id="2" creationId="{6F759502-0485-7D01-45F1-E9277CE503BE}"/>
-          </ac:spMkLst>
-        </pc:spChg>
-        <pc:spChg chg="mod">
-          <ac:chgData name="Yves Bornhauser (s)" userId="7add2d99-4032-4933-ae91-0874c7fbc61b" providerId="ADAL" clId="{890CA342-91DB-0A4A-A6FC-574C1908866C}" dt="2025-05-18T21:21:02.358" v="19384" actId="790"/>
-          <ac:spMkLst>
-            <pc:docMk/>
-            <pc:sldMk cId="3088770211" sldId="295"/>
-            <ac:spMk id="3" creationId="{9B9ABCBB-EF9A-A262-CFE0-DEDCB86A6F25}"/>
-          </ac:spMkLst>
-        </pc:spChg>
-      </pc:sldChg>
-      <pc:sldChg chg="modSp mod">
-        <pc:chgData name="Yves Bornhauser (s)" userId="7add2d99-4032-4933-ae91-0874c7fbc61b" providerId="ADAL" clId="{890CA342-91DB-0A4A-A6FC-574C1908866C}" dt="2025-05-18T21:21:02.358" v="19384" actId="790"/>
-        <pc:sldMkLst>
-          <pc:docMk/>
-          <pc:sldMk cId="454520595" sldId="296"/>
-        </pc:sldMkLst>
-        <pc:spChg chg="mod">
-          <ac:chgData name="Yves Bornhauser (s)" userId="7add2d99-4032-4933-ae91-0874c7fbc61b" providerId="ADAL" clId="{890CA342-91DB-0A4A-A6FC-574C1908866C}" dt="2025-05-18T21:21:02.358" v="19384" actId="790"/>
-          <ac:spMkLst>
-            <pc:docMk/>
-            <pc:sldMk cId="454520595" sldId="296"/>
-            <ac:spMk id="2" creationId="{E46D5977-3B0B-1A29-D39F-45A0DD71368F}"/>
-          </ac:spMkLst>
-        </pc:spChg>
-        <pc:spChg chg="mod">
-          <ac:chgData name="Yves Bornhauser (s)" userId="7add2d99-4032-4933-ae91-0874c7fbc61b" providerId="ADAL" clId="{890CA342-91DB-0A4A-A6FC-574C1908866C}" dt="2025-05-18T21:21:02.358" v="19384" actId="790"/>
-          <ac:spMkLst>
-            <pc:docMk/>
-            <pc:sldMk cId="454520595" sldId="296"/>
-            <ac:spMk id="3" creationId="{06208E74-2886-44C3-2843-5610CDED8A40}"/>
-          </ac:spMkLst>
-        </pc:spChg>
-      </pc:sldChg>
-      <pc:sldChg chg="modSp mod">
-        <pc:chgData name="Yves Bornhauser (s)" userId="7add2d99-4032-4933-ae91-0874c7fbc61b" providerId="ADAL" clId="{890CA342-91DB-0A4A-A6FC-574C1908866C}" dt="2025-05-18T21:21:02.358" v="19384" actId="790"/>
-        <pc:sldMkLst>
-          <pc:docMk/>
-          <pc:sldMk cId="2995549603" sldId="297"/>
-        </pc:sldMkLst>
-        <pc:spChg chg="mod">
-          <ac:chgData name="Yves Bornhauser (s)" userId="7add2d99-4032-4933-ae91-0874c7fbc61b" providerId="ADAL" clId="{890CA342-91DB-0A4A-A6FC-574C1908866C}" dt="2025-05-18T21:21:02.358" v="19384" actId="790"/>
-          <ac:spMkLst>
-            <pc:docMk/>
-            <pc:sldMk cId="2995549603" sldId="297"/>
-            <ac:spMk id="2" creationId="{A9C95262-74A3-0FE1-EFC5-439946222FF7}"/>
-          </ac:spMkLst>
-        </pc:spChg>
-        <pc:spChg chg="mod">
-          <ac:chgData name="Yves Bornhauser (s)" userId="7add2d99-4032-4933-ae91-0874c7fbc61b" providerId="ADAL" clId="{890CA342-91DB-0A4A-A6FC-574C1908866C}" dt="2025-05-18T21:21:02.358" v="19384" actId="790"/>
-          <ac:spMkLst>
-            <pc:docMk/>
-            <pc:sldMk cId="2995549603" sldId="297"/>
-            <ac:spMk id="3" creationId="{21A9D7CD-F2D8-F392-2993-63FE8E14A82D}"/>
-          </ac:spMkLst>
-        </pc:spChg>
-      </pc:sldChg>
-      <pc:sldChg chg="modSp new mod">
-        <pc:chgData name="Yves Bornhauser (s)" userId="7add2d99-4032-4933-ae91-0874c7fbc61b" providerId="ADAL" clId="{890CA342-91DB-0A4A-A6FC-574C1908866C}" dt="2025-05-18T21:21:02.358" v="19384" actId="790"/>
-        <pc:sldMkLst>
-          <pc:docMk/>
-          <pc:sldMk cId="2148844008" sldId="298"/>
-        </pc:sldMkLst>
-        <pc:spChg chg="mod">
-          <ac:chgData name="Yves Bornhauser (s)" userId="7add2d99-4032-4933-ae91-0874c7fbc61b" providerId="ADAL" clId="{890CA342-91DB-0A4A-A6FC-574C1908866C}" dt="2025-05-18T21:21:02.358" v="19384" actId="790"/>
-          <ac:spMkLst>
-            <pc:docMk/>
-            <pc:sldMk cId="2148844008" sldId="298"/>
-            <ac:spMk id="2" creationId="{3322DF78-7F77-4AFF-B10D-4C829C0442F8}"/>
-          </ac:spMkLst>
-        </pc:spChg>
-        <pc:spChg chg="mod">
-          <ac:chgData name="Yves Bornhauser (s)" userId="7add2d99-4032-4933-ae91-0874c7fbc61b" providerId="ADAL" clId="{890CA342-91DB-0A4A-A6FC-574C1908866C}" dt="2025-05-18T21:21:02.358" v="19384" actId="790"/>
-          <ac:spMkLst>
-            <pc:docMk/>
-            <pc:sldMk cId="2148844008" sldId="298"/>
-            <ac:spMk id="3" creationId="{F173B647-6BB2-556C-6C42-15F8D13D38FF}"/>
-          </ac:spMkLst>
-        </pc:spChg>
-      </pc:sldChg>
-      <pc:sldChg chg="addSp delSp modSp new mod setBg">
-        <pc:chgData name="Yves Bornhauser (s)" userId="7add2d99-4032-4933-ae91-0874c7fbc61b" providerId="ADAL" clId="{890CA342-91DB-0A4A-A6FC-574C1908866C}" dt="2025-05-18T21:21:02.358" v="19384" actId="790"/>
-        <pc:sldMkLst>
-          <pc:docMk/>
-          <pc:sldMk cId="331671932" sldId="299"/>
-        </pc:sldMkLst>
-        <pc:spChg chg="mod">
-          <ac:chgData name="Yves Bornhauser (s)" userId="7add2d99-4032-4933-ae91-0874c7fbc61b" providerId="ADAL" clId="{890CA342-91DB-0A4A-A6FC-574C1908866C}" dt="2025-05-18T21:21:02.358" v="19384" actId="790"/>
-          <ac:spMkLst>
-            <pc:docMk/>
-            <pc:sldMk cId="331671932" sldId="299"/>
-            <ac:spMk id="2" creationId="{84F44B4F-404A-E007-8660-AFA0502205B7}"/>
-          </ac:spMkLst>
-        </pc:spChg>
-        <pc:spChg chg="mod">
-          <ac:chgData name="Yves Bornhauser (s)" userId="7add2d99-4032-4933-ae91-0874c7fbc61b" providerId="ADAL" clId="{890CA342-91DB-0A4A-A6FC-574C1908866C}" dt="2025-05-18T21:21:02.358" v="19384" actId="790"/>
-          <ac:spMkLst>
-            <pc:docMk/>
-            <pc:sldMk cId="331671932" sldId="299"/>
-            <ac:spMk id="3" creationId="{1AA3AF21-F394-F97B-E244-393834A4113A}"/>
-          </ac:spMkLst>
-        </pc:spChg>
-        <pc:picChg chg="add mod ord">
-          <ac:chgData name="Yves Bornhauser (s)" userId="7add2d99-4032-4933-ae91-0874c7fbc61b" providerId="ADAL" clId="{890CA342-91DB-0A4A-A6FC-574C1908866C}" dt="2025-05-18T16:01:14.982" v="12345" actId="1076"/>
-          <ac:picMkLst>
-            <pc:docMk/>
-            <pc:sldMk cId="331671932" sldId="299"/>
-            <ac:picMk id="4" creationId="{0E3F2A42-1BFE-E3FE-7472-69E493EC73AA}"/>
-          </ac:picMkLst>
-        </pc:picChg>
-        <pc:picChg chg="add mod">
-          <ac:chgData name="Yves Bornhauser (s)" userId="7add2d99-4032-4933-ae91-0874c7fbc61b" providerId="ADAL" clId="{890CA342-91DB-0A4A-A6FC-574C1908866C}" dt="2025-05-18T15:57:59.746" v="12207" actId="1076"/>
-          <ac:picMkLst>
-            <pc:docMk/>
-            <pc:sldMk cId="331671932" sldId="299"/>
-            <ac:picMk id="5" creationId="{B707274E-215C-97CD-4A8B-84A733B8B82D}"/>
-          </ac:picMkLst>
-        </pc:picChg>
-      </pc:sldChg>
-      <pc:sldChg chg="addSp modSp new mod">
-        <pc:chgData name="Yves Bornhauser (s)" userId="7add2d99-4032-4933-ae91-0874c7fbc61b" providerId="ADAL" clId="{890CA342-91DB-0A4A-A6FC-574C1908866C}" dt="2025-05-18T21:21:02.358" v="19384" actId="790"/>
-        <pc:sldMkLst>
-          <pc:docMk/>
-          <pc:sldMk cId="101207978" sldId="300"/>
-        </pc:sldMkLst>
-        <pc:spChg chg="mod">
-          <ac:chgData name="Yves Bornhauser (s)" userId="7add2d99-4032-4933-ae91-0874c7fbc61b" providerId="ADAL" clId="{890CA342-91DB-0A4A-A6FC-574C1908866C}" dt="2025-05-18T21:21:02.358" v="19384" actId="790"/>
-          <ac:spMkLst>
-            <pc:docMk/>
-            <pc:sldMk cId="101207978" sldId="300"/>
-            <ac:spMk id="2" creationId="{5862C69B-E54E-B111-FEA7-3FE20030D537}"/>
-          </ac:spMkLst>
-        </pc:spChg>
-        <pc:spChg chg="mod">
-          <ac:chgData name="Yves Bornhauser (s)" userId="7add2d99-4032-4933-ae91-0874c7fbc61b" providerId="ADAL" clId="{890CA342-91DB-0A4A-A6FC-574C1908866C}" dt="2025-05-18T21:21:02.358" v="19384" actId="790"/>
-          <ac:spMkLst>
-            <pc:docMk/>
-            <pc:sldMk cId="101207978" sldId="300"/>
-            <ac:spMk id="3" creationId="{F23C6E7C-52DF-8B60-3028-4D90F6D02BD1}"/>
-          </ac:spMkLst>
-        </pc:spChg>
-        <pc:picChg chg="add mod">
-          <ac:chgData name="Yves Bornhauser (s)" userId="7add2d99-4032-4933-ae91-0874c7fbc61b" providerId="ADAL" clId="{890CA342-91DB-0A4A-A6FC-574C1908866C}" dt="2025-05-18T16:09:31.383" v="13148" actId="1076"/>
-          <ac:picMkLst>
-            <pc:docMk/>
-            <pc:sldMk cId="101207978" sldId="300"/>
-            <ac:picMk id="4" creationId="{5E5E00ED-3AAB-BAA2-5B6A-4EF4DE743DC5}"/>
-          </ac:picMkLst>
-        </pc:picChg>
-        <pc:picChg chg="add mod">
-          <ac:chgData name="Yves Bornhauser (s)" userId="7add2d99-4032-4933-ae91-0874c7fbc61b" providerId="ADAL" clId="{890CA342-91DB-0A4A-A6FC-574C1908866C}" dt="2025-05-18T16:09:34.422" v="13149" actId="1076"/>
-          <ac:picMkLst>
-            <pc:docMk/>
-            <pc:sldMk cId="101207978" sldId="300"/>
-            <ac:picMk id="5" creationId="{77B2CB47-9503-C46D-CA76-39640346F456}"/>
-          </ac:picMkLst>
-        </pc:picChg>
-      </pc:sldChg>
-      <pc:sldChg chg="addSp modSp new mod">
-        <pc:chgData name="Yves Bornhauser (s)" userId="7add2d99-4032-4933-ae91-0874c7fbc61b" providerId="ADAL" clId="{890CA342-91DB-0A4A-A6FC-574C1908866C}" dt="2025-05-18T21:21:02.358" v="19384" actId="790"/>
-        <pc:sldMkLst>
-          <pc:docMk/>
-          <pc:sldMk cId="1612371709" sldId="301"/>
-        </pc:sldMkLst>
-        <pc:spChg chg="mod">
-          <ac:chgData name="Yves Bornhauser (s)" userId="7add2d99-4032-4933-ae91-0874c7fbc61b" providerId="ADAL" clId="{890CA342-91DB-0A4A-A6FC-574C1908866C}" dt="2025-05-18T21:21:02.358" v="19384" actId="790"/>
-          <ac:spMkLst>
-            <pc:docMk/>
-            <pc:sldMk cId="1612371709" sldId="301"/>
-            <ac:spMk id="2" creationId="{323B943C-B173-99DE-AEA7-08A8C347F9DE}"/>
-          </ac:spMkLst>
-        </pc:spChg>
-        <pc:spChg chg="mod">
-          <ac:chgData name="Yves Bornhauser (s)" userId="7add2d99-4032-4933-ae91-0874c7fbc61b" providerId="ADAL" clId="{890CA342-91DB-0A4A-A6FC-574C1908866C}" dt="2025-05-18T21:21:02.358" v="19384" actId="790"/>
-          <ac:spMkLst>
-            <pc:docMk/>
-            <pc:sldMk cId="1612371709" sldId="301"/>
-            <ac:spMk id="3" creationId="{85908A3B-6E57-7A07-64C1-C0F619D935D1}"/>
-          </ac:spMkLst>
-        </pc:spChg>
-        <pc:picChg chg="add mod">
-          <ac:chgData name="Yves Bornhauser (s)" userId="7add2d99-4032-4933-ae91-0874c7fbc61b" providerId="ADAL" clId="{890CA342-91DB-0A4A-A6FC-574C1908866C}" dt="2025-05-18T16:13:04.893" v="13465" actId="1076"/>
-          <ac:picMkLst>
-            <pc:docMk/>
-            <pc:sldMk cId="1612371709" sldId="301"/>
-            <ac:picMk id="4" creationId="{F495C2D7-A756-BB28-4E8C-345A474E7A8F}"/>
-          </ac:picMkLst>
-        </pc:picChg>
-        <pc:picChg chg="add mod">
-          <ac:chgData name="Yves Bornhauser (s)" userId="7add2d99-4032-4933-ae91-0874c7fbc61b" providerId="ADAL" clId="{890CA342-91DB-0A4A-A6FC-574C1908866C}" dt="2025-05-18T16:13:36.988" v="13467" actId="1076"/>
-          <ac:picMkLst>
-            <pc:docMk/>
-            <pc:sldMk cId="1612371709" sldId="301"/>
-            <ac:picMk id="5" creationId="{C43C7308-FC3E-9211-4C71-16C1453612BE}"/>
-          </ac:picMkLst>
-        </pc:picChg>
-        <pc:picChg chg="add mod">
-          <ac:chgData name="Yves Bornhauser (s)" userId="7add2d99-4032-4933-ae91-0874c7fbc61b" providerId="ADAL" clId="{890CA342-91DB-0A4A-A6FC-574C1908866C}" dt="2025-05-18T16:17:44.819" v="13540" actId="1076"/>
-          <ac:picMkLst>
-            <pc:docMk/>
-            <pc:sldMk cId="1612371709" sldId="301"/>
-            <ac:picMk id="6" creationId="{17871B5C-1C46-39F5-6B0F-6A2829E2E2BE}"/>
-          </ac:picMkLst>
-        </pc:picChg>
-        <pc:picChg chg="add mod">
-          <ac:chgData name="Yves Bornhauser (s)" userId="7add2d99-4032-4933-ae91-0874c7fbc61b" providerId="ADAL" clId="{890CA342-91DB-0A4A-A6FC-574C1908866C}" dt="2025-05-18T16:19:07.581" v="13675" actId="1076"/>
-          <ac:picMkLst>
-            <pc:docMk/>
-            <pc:sldMk cId="1612371709" sldId="301"/>
-            <ac:picMk id="7" creationId="{FEDD8DD0-50D0-81EB-FD11-70313DE614BC}"/>
-          </ac:picMkLst>
-        </pc:picChg>
-      </pc:sldChg>
-      <pc:sldChg chg="addSp modSp new mod">
-        <pc:chgData name="Yves Bornhauser (s)" userId="7add2d99-4032-4933-ae91-0874c7fbc61b" providerId="ADAL" clId="{890CA342-91DB-0A4A-A6FC-574C1908866C}" dt="2025-05-18T21:21:02.358" v="19384" actId="790"/>
-        <pc:sldMkLst>
-          <pc:docMk/>
-          <pc:sldMk cId="3480345790" sldId="302"/>
-        </pc:sldMkLst>
-        <pc:spChg chg="mod">
-          <ac:chgData name="Yves Bornhauser (s)" userId="7add2d99-4032-4933-ae91-0874c7fbc61b" providerId="ADAL" clId="{890CA342-91DB-0A4A-A6FC-574C1908866C}" dt="2025-05-18T21:21:02.358" v="19384" actId="790"/>
-          <ac:spMkLst>
-            <pc:docMk/>
-            <pc:sldMk cId="3480345790" sldId="302"/>
-            <ac:spMk id="2" creationId="{5FE6B651-FB53-C865-65AD-A82F13ABA898}"/>
-          </ac:spMkLst>
-        </pc:spChg>
-        <pc:spChg chg="mod">
-          <ac:chgData name="Yves Bornhauser (s)" userId="7add2d99-4032-4933-ae91-0874c7fbc61b" providerId="ADAL" clId="{890CA342-91DB-0A4A-A6FC-574C1908866C}" dt="2025-05-18T21:21:02.358" v="19384" actId="790"/>
-          <ac:spMkLst>
-            <pc:docMk/>
-            <pc:sldMk cId="3480345790" sldId="302"/>
-            <ac:spMk id="3" creationId="{C06E0D10-B249-4833-10B1-67416E37FC3D}"/>
-          </ac:spMkLst>
-        </pc:spChg>
-        <pc:picChg chg="add mod">
-          <ac:chgData name="Yves Bornhauser (s)" userId="7add2d99-4032-4933-ae91-0874c7fbc61b" providerId="ADAL" clId="{890CA342-91DB-0A4A-A6FC-574C1908866C}" dt="2025-05-18T16:24:26.581" v="14111" actId="1076"/>
-          <ac:picMkLst>
-            <pc:docMk/>
-            <pc:sldMk cId="3480345790" sldId="302"/>
-            <ac:picMk id="4" creationId="{B005FAE6-DBA7-074D-CA93-20988E395333}"/>
-          </ac:picMkLst>
-        </pc:picChg>
-      </pc:sldChg>
-      <pc:sldChg chg="modSp mod">
-        <pc:chgData name="Yves Bornhauser (s)" userId="7add2d99-4032-4933-ae91-0874c7fbc61b" providerId="ADAL" clId="{890CA342-91DB-0A4A-A6FC-574C1908866C}" dt="2025-05-18T21:21:02.358" v="19384" actId="790"/>
-        <pc:sldMkLst>
-          <pc:docMk/>
-          <pc:sldMk cId="570983371" sldId="303"/>
-        </pc:sldMkLst>
-        <pc:spChg chg="mod">
-          <ac:chgData name="Yves Bornhauser (s)" userId="7add2d99-4032-4933-ae91-0874c7fbc61b" providerId="ADAL" clId="{890CA342-91DB-0A4A-A6FC-574C1908866C}" dt="2025-05-18T21:21:02.358" v="19384" actId="790"/>
-          <ac:spMkLst>
-            <pc:docMk/>
-            <pc:sldMk cId="570983371" sldId="303"/>
-            <ac:spMk id="2" creationId="{164268A9-A322-B46D-7891-E7DF1C63E831}"/>
-          </ac:spMkLst>
-        </pc:spChg>
-        <pc:spChg chg="mod">
-          <ac:chgData name="Yves Bornhauser (s)" userId="7add2d99-4032-4933-ae91-0874c7fbc61b" providerId="ADAL" clId="{890CA342-91DB-0A4A-A6FC-574C1908866C}" dt="2025-05-18T21:21:02.358" v="19384" actId="790"/>
-          <ac:spMkLst>
-            <pc:docMk/>
-            <pc:sldMk cId="570983371" sldId="303"/>
-            <ac:spMk id="10" creationId="{F0C7B326-F606-7993-F177-1B52F2EDC3C9}"/>
-          </ac:spMkLst>
-        </pc:spChg>
-        <pc:spChg chg="mod">
-          <ac:chgData name="Yves Bornhauser (s)" userId="7add2d99-4032-4933-ae91-0874c7fbc61b" providerId="ADAL" clId="{890CA342-91DB-0A4A-A6FC-574C1908866C}" dt="2025-05-18T21:21:02.358" v="19384" actId="790"/>
-          <ac:spMkLst>
-            <pc:docMk/>
-            <pc:sldMk cId="570983371" sldId="303"/>
-            <ac:spMk id="11" creationId="{0481B939-3DBA-2D6F-2D99-4A8A68255E40}"/>
-          </ac:spMkLst>
-        </pc:spChg>
-        <pc:spChg chg="mod">
-          <ac:chgData name="Yves Bornhauser (s)" userId="7add2d99-4032-4933-ae91-0874c7fbc61b" providerId="ADAL" clId="{890CA342-91DB-0A4A-A6FC-574C1908866C}" dt="2025-05-18T21:21:02.358" v="19384" actId="790"/>
-          <ac:spMkLst>
-            <pc:docMk/>
-            <pc:sldMk cId="570983371" sldId="303"/>
-            <ac:spMk id="13" creationId="{25DC2E07-4C39-5E64-C2C6-93206899EFBD}"/>
-          </ac:spMkLst>
-        </pc:spChg>
-      </pc:sldChg>
-      <pc:sldChg chg="modSp mod">
-        <pc:chgData name="Yves Bornhauser (s)" userId="7add2d99-4032-4933-ae91-0874c7fbc61b" providerId="ADAL" clId="{890CA342-91DB-0A4A-A6FC-574C1908866C}" dt="2025-05-18T21:21:02.358" v="19384" actId="790"/>
-        <pc:sldMkLst>
-          <pc:docMk/>
-          <pc:sldMk cId="3309023913" sldId="304"/>
-        </pc:sldMkLst>
-        <pc:spChg chg="mod">
-          <ac:chgData name="Yves Bornhauser (s)" userId="7add2d99-4032-4933-ae91-0874c7fbc61b" providerId="ADAL" clId="{890CA342-91DB-0A4A-A6FC-574C1908866C}" dt="2025-05-18T21:21:02.358" v="19384" actId="790"/>
-          <ac:spMkLst>
-            <pc:docMk/>
-            <pc:sldMk cId="3309023913" sldId="304"/>
-            <ac:spMk id="2" creationId="{AAE079D0-626E-1BD2-DB8D-0F226F3928C6}"/>
-          </ac:spMkLst>
-        </pc:spChg>
-        <pc:spChg chg="mod">
-          <ac:chgData name="Yves Bornhauser (s)" userId="7add2d99-4032-4933-ae91-0874c7fbc61b" providerId="ADAL" clId="{890CA342-91DB-0A4A-A6FC-574C1908866C}" dt="2025-05-18T21:21:02.358" v="19384" actId="790"/>
-          <ac:spMkLst>
-            <pc:docMk/>
-            <pc:sldMk cId="3309023913" sldId="304"/>
-            <ac:spMk id="3" creationId="{9B9E0EAB-F1A4-128A-9C15-1573FEB666D1}"/>
-          </ac:spMkLst>
-        </pc:spChg>
-      </pc:sldChg>
-      <pc:sldChg chg="modSp new mod">
-        <pc:chgData name="Yves Bornhauser (s)" userId="7add2d99-4032-4933-ae91-0874c7fbc61b" providerId="ADAL" clId="{890CA342-91DB-0A4A-A6FC-574C1908866C}" dt="2025-05-18T21:21:02.358" v="19384" actId="790"/>
-        <pc:sldMkLst>
-          <pc:docMk/>
-          <pc:sldMk cId="99585021" sldId="305"/>
-        </pc:sldMkLst>
-        <pc:spChg chg="mod">
-          <ac:chgData name="Yves Bornhauser (s)" userId="7add2d99-4032-4933-ae91-0874c7fbc61b" providerId="ADAL" clId="{890CA342-91DB-0A4A-A6FC-574C1908866C}" dt="2025-05-18T21:21:02.358" v="19384" actId="790"/>
-          <ac:spMkLst>
-            <pc:docMk/>
-            <pc:sldMk cId="99585021" sldId="305"/>
-            <ac:spMk id="2" creationId="{55CEA92A-A554-D475-B8C7-D5BA68D40D8D}"/>
-          </ac:spMkLst>
-        </pc:spChg>
-        <pc:spChg chg="mod">
-          <ac:chgData name="Yves Bornhauser (s)" userId="7add2d99-4032-4933-ae91-0874c7fbc61b" providerId="ADAL" clId="{890CA342-91DB-0A4A-A6FC-574C1908866C}" dt="2025-05-18T21:21:02.358" v="19384" actId="790"/>
-          <ac:spMkLst>
-            <pc:docMk/>
-            <pc:sldMk cId="99585021" sldId="305"/>
-            <ac:spMk id="3" creationId="{74A555EC-3CDD-AA57-FF68-55B04E23269C}"/>
-          </ac:spMkLst>
-        </pc:spChg>
-      </pc:sldChg>
-      <pc:sldChg chg="addSp delSp modSp new mod">
-        <pc:chgData name="Yves Bornhauser (s)" userId="7add2d99-4032-4933-ae91-0874c7fbc61b" providerId="ADAL" clId="{890CA342-91DB-0A4A-A6FC-574C1908866C}" dt="2025-05-18T21:21:02.358" v="19384" actId="790"/>
-        <pc:sldMkLst>
-          <pc:docMk/>
-          <pc:sldMk cId="3342755242" sldId="306"/>
-        </pc:sldMkLst>
-        <pc:spChg chg="mod">
-          <ac:chgData name="Yves Bornhauser (s)" userId="7add2d99-4032-4933-ae91-0874c7fbc61b" providerId="ADAL" clId="{890CA342-91DB-0A4A-A6FC-574C1908866C}" dt="2025-05-18T21:21:02.358" v="19384" actId="790"/>
-          <ac:spMkLst>
-            <pc:docMk/>
-            <pc:sldMk cId="3342755242" sldId="306"/>
-            <ac:spMk id="2" creationId="{8D6E7D06-485D-748C-80BA-5D0ED7649D74}"/>
-          </ac:spMkLst>
-        </pc:spChg>
-        <pc:spChg chg="add mod">
-          <ac:chgData name="Yves Bornhauser (s)" userId="7add2d99-4032-4933-ae91-0874c7fbc61b" providerId="ADAL" clId="{890CA342-91DB-0A4A-A6FC-574C1908866C}" dt="2025-05-18T21:21:02.358" v="19384" actId="790"/>
-          <ac:spMkLst>
-            <pc:docMk/>
-            <pc:sldMk cId="3342755242" sldId="306"/>
-            <ac:spMk id="5" creationId="{982FA65F-683E-7CF2-6AF9-301A572BCFCB}"/>
-          </ac:spMkLst>
-        </pc:spChg>
-        <pc:picChg chg="add mod">
-          <ac:chgData name="Yves Bornhauser (s)" userId="7add2d99-4032-4933-ae91-0874c7fbc61b" providerId="ADAL" clId="{890CA342-91DB-0A4A-A6FC-574C1908866C}" dt="2025-05-18T16:26:34.428" v="14519" actId="1076"/>
-          <ac:picMkLst>
-            <pc:docMk/>
-            <pc:sldMk cId="3342755242" sldId="306"/>
-            <ac:picMk id="4" creationId="{11A14A28-32D3-51B5-A777-D71772BD265A}"/>
-          </ac:picMkLst>
-        </pc:picChg>
-      </pc:sldChg>
-      <pc:sldChg chg="modSp mod">
-        <pc:chgData name="Yves Bornhauser (s)" userId="7add2d99-4032-4933-ae91-0874c7fbc61b" providerId="ADAL" clId="{890CA342-91DB-0A4A-A6FC-574C1908866C}" dt="2025-05-18T21:21:02.358" v="19384" actId="790"/>
-        <pc:sldMkLst>
-          <pc:docMk/>
-          <pc:sldMk cId="3984655772" sldId="307"/>
-        </pc:sldMkLst>
-        <pc:spChg chg="mod">
-          <ac:chgData name="Yves Bornhauser (s)" userId="7add2d99-4032-4933-ae91-0874c7fbc61b" providerId="ADAL" clId="{890CA342-91DB-0A4A-A6FC-574C1908866C}" dt="2025-05-18T21:21:02.358" v="19384" actId="790"/>
-          <ac:spMkLst>
-            <pc:docMk/>
-            <pc:sldMk cId="3984655772" sldId="307"/>
-            <ac:spMk id="2" creationId="{558AFE91-6918-9D00-B3E1-D2B9716B1DA1}"/>
-          </ac:spMkLst>
-        </pc:spChg>
-        <pc:spChg chg="mod">
-          <ac:chgData name="Yves Bornhauser (s)" userId="7add2d99-4032-4933-ae91-0874c7fbc61b" providerId="ADAL" clId="{890CA342-91DB-0A4A-A6FC-574C1908866C}" dt="2025-05-18T21:21:02.358" v="19384" actId="790"/>
-          <ac:spMkLst>
-            <pc:docMk/>
-            <pc:sldMk cId="3984655772" sldId="307"/>
-            <ac:spMk id="3" creationId="{26DF799F-5C3C-67A2-3409-F2275CF14CDB}"/>
-          </ac:spMkLst>
-        </pc:spChg>
-      </pc:sldChg>
-      <pc:sldChg chg="modSp mod">
-        <pc:chgData name="Yves Bornhauser (s)" userId="7add2d99-4032-4933-ae91-0874c7fbc61b" providerId="ADAL" clId="{890CA342-91DB-0A4A-A6FC-574C1908866C}" dt="2025-05-18T21:21:02.358" v="19384" actId="790"/>
-        <pc:sldMkLst>
-          <pc:docMk/>
-          <pc:sldMk cId="3908875202" sldId="308"/>
-        </pc:sldMkLst>
-        <pc:spChg chg="mod">
-          <ac:chgData name="Yves Bornhauser (s)" userId="7add2d99-4032-4933-ae91-0874c7fbc61b" providerId="ADAL" clId="{890CA342-91DB-0A4A-A6FC-574C1908866C}" dt="2025-05-18T21:21:02.358" v="19384" actId="790"/>
-          <ac:spMkLst>
-            <pc:docMk/>
-            <pc:sldMk cId="3908875202" sldId="308"/>
-            <ac:spMk id="2" creationId="{910B38DD-CD5B-4BF3-93DD-B21C04678991}"/>
-          </ac:spMkLst>
-        </pc:spChg>
-        <pc:spChg chg="mod">
-          <ac:chgData name="Yves Bornhauser (s)" userId="7add2d99-4032-4933-ae91-0874c7fbc61b" providerId="ADAL" clId="{890CA342-91DB-0A4A-A6FC-574C1908866C}" dt="2025-05-18T21:21:02.358" v="19384" actId="790"/>
-          <ac:spMkLst>
-            <pc:docMk/>
-            <pc:sldMk cId="3908875202" sldId="308"/>
-            <ac:spMk id="3" creationId="{321F0734-77A5-93CE-D73B-7487B9ED3D9B}"/>
-          </ac:spMkLst>
-        </pc:spChg>
-      </pc:sldChg>
-      <pc:sldChg chg="modSp mod">
-        <pc:chgData name="Yves Bornhauser (s)" userId="7add2d99-4032-4933-ae91-0874c7fbc61b" providerId="ADAL" clId="{890CA342-91DB-0A4A-A6FC-574C1908866C}" dt="2025-05-18T21:21:02.358" v="19384" actId="790"/>
-        <pc:sldMkLst>
-          <pc:docMk/>
-          <pc:sldMk cId="2278894473" sldId="309"/>
-        </pc:sldMkLst>
-        <pc:spChg chg="mod">
-          <ac:chgData name="Yves Bornhauser (s)" userId="7add2d99-4032-4933-ae91-0874c7fbc61b" providerId="ADAL" clId="{890CA342-91DB-0A4A-A6FC-574C1908866C}" dt="2025-05-18T21:21:02.358" v="19384" actId="790"/>
-          <ac:spMkLst>
-            <pc:docMk/>
-            <pc:sldMk cId="2278894473" sldId="309"/>
-            <ac:spMk id="2" creationId="{AE2595EE-7350-F4E8-992C-AE06633CE23B}"/>
-          </ac:spMkLst>
-        </pc:spChg>
-      </pc:sldChg>
-      <pc:sldChg chg="modSp mod">
-        <pc:chgData name="Yves Bornhauser (s)" userId="7add2d99-4032-4933-ae91-0874c7fbc61b" providerId="ADAL" clId="{890CA342-91DB-0A4A-A6FC-574C1908866C}" dt="2025-05-18T21:21:02.358" v="19384" actId="790"/>
-        <pc:sldMkLst>
-          <pc:docMk/>
-          <pc:sldMk cId="2355913817" sldId="310"/>
-        </pc:sldMkLst>
-        <pc:spChg chg="mod">
-          <ac:chgData name="Yves Bornhauser (s)" userId="7add2d99-4032-4933-ae91-0874c7fbc61b" providerId="ADAL" clId="{890CA342-91DB-0A4A-A6FC-574C1908866C}" dt="2025-05-18T21:21:02.358" v="19384" actId="790"/>
-          <ac:spMkLst>
-            <pc:docMk/>
-            <pc:sldMk cId="2355913817" sldId="310"/>
-            <ac:spMk id="2" creationId="{8346029D-0C67-17D6-A3D5-7C691B63AFDC}"/>
-          </ac:spMkLst>
-        </pc:spChg>
-        <pc:spChg chg="mod">
-          <ac:chgData name="Yves Bornhauser (s)" userId="7add2d99-4032-4933-ae91-0874c7fbc61b" providerId="ADAL" clId="{890CA342-91DB-0A4A-A6FC-574C1908866C}" dt="2025-05-18T21:21:02.358" v="19384" actId="790"/>
-          <ac:spMkLst>
-            <pc:docMk/>
-            <pc:sldMk cId="2355913817" sldId="310"/>
-            <ac:spMk id="3" creationId="{42228345-539E-2293-3B5A-8DF0D27D2245}"/>
-          </ac:spMkLst>
-        </pc:spChg>
-      </pc:sldChg>
-      <pc:sldChg chg="addSp delSp modSp add mod">
-        <pc:chgData name="Yves Bornhauser (s)" userId="7add2d99-4032-4933-ae91-0874c7fbc61b" providerId="ADAL" clId="{890CA342-91DB-0A4A-A6FC-574C1908866C}" dt="2025-05-18T21:21:02.358" v="19384" actId="790"/>
-        <pc:sldMkLst>
-          <pc:docMk/>
-          <pc:sldMk cId="487104160" sldId="311"/>
-        </pc:sldMkLst>
-        <pc:spChg chg="mod">
-          <ac:chgData name="Yves Bornhauser (s)" userId="7add2d99-4032-4933-ae91-0874c7fbc61b" providerId="ADAL" clId="{890CA342-91DB-0A4A-A6FC-574C1908866C}" dt="2025-05-18T21:21:02.358" v="19384" actId="790"/>
-          <ac:spMkLst>
-            <pc:docMk/>
-            <pc:sldMk cId="487104160" sldId="311"/>
-            <ac:spMk id="2" creationId="{22E22CD8-5D16-F7C0-88F9-100F0E2600EE}"/>
-          </ac:spMkLst>
-        </pc:spChg>
-        <pc:spChg chg="mod">
-          <ac:chgData name="Yves Bornhauser (s)" userId="7add2d99-4032-4933-ae91-0874c7fbc61b" providerId="ADAL" clId="{890CA342-91DB-0A4A-A6FC-574C1908866C}" dt="2025-05-18T21:21:02.358" v="19384" actId="790"/>
-          <ac:spMkLst>
-            <pc:docMk/>
-            <pc:sldMk cId="487104160" sldId="311"/>
-            <ac:spMk id="3" creationId="{1C5FD462-DA79-1EC6-0AF4-5811717F21AD}"/>
-          </ac:spMkLst>
-        </pc:spChg>
-        <pc:picChg chg="add mod">
-          <ac:chgData name="Yves Bornhauser (s)" userId="7add2d99-4032-4933-ae91-0874c7fbc61b" providerId="ADAL" clId="{890CA342-91DB-0A4A-A6FC-574C1908866C}" dt="2025-05-18T20:32:29.301" v="18125" actId="1076"/>
-          <ac:picMkLst>
-            <pc:docMk/>
-            <pc:sldMk cId="487104160" sldId="311"/>
-            <ac:picMk id="5" creationId="{60F4515B-FA9E-E981-FF1D-3ABE9934E553}"/>
-          </ac:picMkLst>
-        </pc:picChg>
-      </pc:sldChg>
-      <pc:sldChg chg="addSp modSp add mod">
-        <pc:chgData name="Yves Bornhauser (s)" userId="7add2d99-4032-4933-ae91-0874c7fbc61b" providerId="ADAL" clId="{890CA342-91DB-0A4A-A6FC-574C1908866C}" dt="2025-05-18T21:21:02.358" v="19384" actId="790"/>
-        <pc:sldMkLst>
-          <pc:docMk/>
-          <pc:sldMk cId="1473964391" sldId="312"/>
-        </pc:sldMkLst>
-        <pc:spChg chg="mod">
-          <ac:chgData name="Yves Bornhauser (s)" userId="7add2d99-4032-4933-ae91-0874c7fbc61b" providerId="ADAL" clId="{890CA342-91DB-0A4A-A6FC-574C1908866C}" dt="2025-05-18T21:21:02.358" v="19384" actId="790"/>
-          <ac:spMkLst>
-            <pc:docMk/>
-            <pc:sldMk cId="1473964391" sldId="312"/>
-            <ac:spMk id="2" creationId="{9B357CA8-935A-B609-A64C-21589EF1F0B2}"/>
-          </ac:spMkLst>
-        </pc:spChg>
-        <pc:spChg chg="mod">
-          <ac:chgData name="Yves Bornhauser (s)" userId="7add2d99-4032-4933-ae91-0874c7fbc61b" providerId="ADAL" clId="{890CA342-91DB-0A4A-A6FC-574C1908866C}" dt="2025-05-18T21:21:02.358" v="19384" actId="790"/>
-          <ac:spMkLst>
-            <pc:docMk/>
-            <pc:sldMk cId="1473964391" sldId="312"/>
-            <ac:spMk id="3" creationId="{DD9BF0F0-F0A0-EF13-A8FD-D6650826F1D2}"/>
-          </ac:spMkLst>
-        </pc:spChg>
-        <pc:spChg chg="add mod">
-          <ac:chgData name="Yves Bornhauser (s)" userId="7add2d99-4032-4933-ae91-0874c7fbc61b" providerId="ADAL" clId="{890CA342-91DB-0A4A-A6FC-574C1908866C}" dt="2025-05-18T21:21:02.358" v="19384" actId="790"/>
-          <ac:spMkLst>
-            <pc:docMk/>
-            <pc:sldMk cId="1473964391" sldId="312"/>
-            <ac:spMk id="4" creationId="{32EECB4B-BC8A-16B0-1D3B-6207EAC564F3}"/>
-          </ac:spMkLst>
-        </pc:spChg>
-        <pc:picChg chg="add mod">
-          <ac:chgData name="Yves Bornhauser (s)" userId="7add2d99-4032-4933-ae91-0874c7fbc61b" providerId="ADAL" clId="{890CA342-91DB-0A4A-A6FC-574C1908866C}" dt="2025-05-18T20:49:33.032" v="18499" actId="1076"/>
-          <ac:picMkLst>
-            <pc:docMk/>
-            <pc:sldMk cId="1473964391" sldId="312"/>
-            <ac:picMk id="5" creationId="{1E45E2FC-772F-861D-9288-EB189534C3F0}"/>
-          </ac:picMkLst>
-        </pc:picChg>
-      </pc:sldChg>
-      <pc:sldChg chg="addSp delSp modSp new mod setBg">
-        <pc:chgData name="Yves Bornhauser (s)" userId="7add2d99-4032-4933-ae91-0874c7fbc61b" providerId="ADAL" clId="{890CA342-91DB-0A4A-A6FC-574C1908866C}" dt="2025-05-18T21:21:02.358" v="19384" actId="790"/>
-        <pc:sldMkLst>
-          <pc:docMk/>
-          <pc:sldMk cId="55602853" sldId="313"/>
-        </pc:sldMkLst>
-        <pc:spChg chg="mod">
-          <ac:chgData name="Yves Bornhauser (s)" userId="7add2d99-4032-4933-ae91-0874c7fbc61b" providerId="ADAL" clId="{890CA342-91DB-0A4A-A6FC-574C1908866C}" dt="2025-05-18T21:21:02.358" v="19384" actId="790"/>
-          <ac:spMkLst>
-            <pc:docMk/>
-            <pc:sldMk cId="55602853" sldId="313"/>
-            <ac:spMk id="2" creationId="{B95E1F1B-C720-393E-9230-62776E2E500A}"/>
-          </ac:spMkLst>
-        </pc:spChg>
-        <pc:spChg chg="add mod">
-          <ac:chgData name="Yves Bornhauser (s)" userId="7add2d99-4032-4933-ae91-0874c7fbc61b" providerId="ADAL" clId="{890CA342-91DB-0A4A-A6FC-574C1908866C}" dt="2025-05-18T21:21:02.358" v="19384" actId="790"/>
-          <ac:spMkLst>
-            <pc:docMk/>
-            <pc:sldMk cId="55602853" sldId="313"/>
-            <ac:spMk id="5" creationId="{B1914C5A-3C26-CCAD-EEAF-82D244FA35E2}"/>
-          </ac:spMkLst>
-        </pc:spChg>
-        <pc:picChg chg="add mod ord">
-          <ac:chgData name="Yves Bornhauser (s)" userId="7add2d99-4032-4933-ae91-0874c7fbc61b" providerId="ADAL" clId="{890CA342-91DB-0A4A-A6FC-574C1908866C}" dt="2025-05-18T21:19:34.051" v="19379" actId="26606"/>
-          <ac:picMkLst>
-            <pc:docMk/>
-            <pc:sldMk cId="55602853" sldId="313"/>
-            <ac:picMk id="4" creationId="{0B94AA1A-857C-0916-4F94-C5A897400854}"/>
-          </ac:picMkLst>
-        </pc:picChg>
-      </pc:sldChg>
-      <pc:sldChg chg="modSp mod">
-        <pc:chgData name="Yves Bornhauser (s)" userId="7add2d99-4032-4933-ae91-0874c7fbc61b" providerId="ADAL" clId="{890CA342-91DB-0A4A-A6FC-574C1908866C}" dt="2025-05-20T12:35:29.624" v="19392" actId="20577"/>
-        <pc:sldMkLst>
-          <pc:docMk/>
-          <pc:sldMk cId="2514956489" sldId="315"/>
-        </pc:sldMkLst>
-        <pc:graphicFrameChg chg="modGraphic">
-          <ac:chgData name="Yves Bornhauser (s)" userId="7add2d99-4032-4933-ae91-0874c7fbc61b" providerId="ADAL" clId="{890CA342-91DB-0A4A-A6FC-574C1908866C}" dt="2025-05-20T12:35:29.624" v="19392" actId="20577"/>
-          <ac:graphicFrameMkLst>
-            <pc:docMk/>
-            <pc:sldMk cId="2514956489" sldId="315"/>
-            <ac:graphicFrameMk id="5" creationId="{F7E3B9A6-778E-8F0B-1021-0F67278FEAED}"/>
-          </ac:graphicFrameMkLst>
-        </pc:graphicFrameChg>
-      </pc:sldChg>
-    </pc:docChg>
-  </pc:docChgLst>
-  <pc:docChgLst>
-    <pc:chgData name="Bastian Büeler (s)" userId="e39f6fd0-c78f-474b-9c7d-3977659f393b" providerId="ADAL" clId="{6BE246BF-F658-4AB0-B638-E4B8FA9FFDD3}"/>
-    <pc:docChg chg="undo custSel addSld delSld modSld sldOrd">
-      <pc:chgData name="Bastian Büeler (s)" userId="e39f6fd0-c78f-474b-9c7d-3977659f393b" providerId="ADAL" clId="{6BE246BF-F658-4AB0-B638-E4B8FA9FFDD3}" dt="2025-05-18T18:44:54.225" v="1126"/>
-      <pc:docMkLst>
-        <pc:docMk/>
-      </pc:docMkLst>
-      <pc:sldChg chg="modSp mod">
-        <pc:chgData name="Bastian Büeler (s)" userId="e39f6fd0-c78f-474b-9c7d-3977659f393b" providerId="ADAL" clId="{6BE246BF-F658-4AB0-B638-E4B8FA9FFDD3}" dt="2025-05-17T15:13:51.916" v="76" actId="120"/>
-        <pc:sldMkLst>
-          <pc:docMk/>
-          <pc:sldMk cId="1577499883" sldId="256"/>
-        </pc:sldMkLst>
-        <pc:spChg chg="mod">
-          <ac:chgData name="Bastian Büeler (s)" userId="e39f6fd0-c78f-474b-9c7d-3977659f393b" providerId="ADAL" clId="{6BE246BF-F658-4AB0-B638-E4B8FA9FFDD3}" dt="2025-05-17T15:13:51.916" v="76" actId="120"/>
-          <ac:spMkLst>
-            <pc:docMk/>
-            <pc:sldMk cId="1577499883" sldId="256"/>
-            <ac:spMk id="3" creationId="{00000000-0000-0000-0000-000000000000}"/>
-          </ac:spMkLst>
-        </pc:spChg>
-      </pc:sldChg>
-      <pc:sldChg chg="modSp mod">
-        <pc:chgData name="Bastian Büeler (s)" userId="e39f6fd0-c78f-474b-9c7d-3977659f393b" providerId="ADAL" clId="{6BE246BF-F658-4AB0-B638-E4B8FA9FFDD3}" dt="2025-05-17T14:46:35.631" v="4" actId="20577"/>
-        <pc:sldMkLst>
-          <pc:docMk/>
-          <pc:sldMk cId="3065368559" sldId="258"/>
-        </pc:sldMkLst>
-        <pc:spChg chg="mod">
-          <ac:chgData name="Bastian Büeler (s)" userId="e39f6fd0-c78f-474b-9c7d-3977659f393b" providerId="ADAL" clId="{6BE246BF-F658-4AB0-B638-E4B8FA9FFDD3}" dt="2025-05-17T14:46:35.631" v="4" actId="20577"/>
-          <ac:spMkLst>
-            <pc:docMk/>
-            <pc:sldMk cId="3065368559" sldId="258"/>
-            <ac:spMk id="3" creationId="{77EFB770-DDC1-DE71-D55A-2F045E861332}"/>
-          </ac:spMkLst>
-        </pc:spChg>
-      </pc:sldChg>
-      <pc:sldChg chg="addSp delSp modSp mod ord">
-        <pc:chgData name="Bastian Büeler (s)" userId="e39f6fd0-c78f-474b-9c7d-3977659f393b" providerId="ADAL" clId="{6BE246BF-F658-4AB0-B638-E4B8FA9FFDD3}" dt="2025-05-18T17:49:13.874" v="1087" actId="20577"/>
-        <pc:sldMkLst>
-          <pc:docMk/>
-          <pc:sldMk cId="914902159" sldId="261"/>
-        </pc:sldMkLst>
-        <pc:spChg chg="mod">
-          <ac:chgData name="Bastian Büeler (s)" userId="e39f6fd0-c78f-474b-9c7d-3977659f393b" providerId="ADAL" clId="{6BE246BF-F658-4AB0-B638-E4B8FA9FFDD3}" dt="2025-05-18T17:20:19.882" v="633" actId="20577"/>
-          <ac:spMkLst>
-            <pc:docMk/>
-            <pc:sldMk cId="914902159" sldId="261"/>
-            <ac:spMk id="2" creationId="{A275C6F0-429A-F5FA-DDCB-813C71A24222}"/>
-          </ac:spMkLst>
-        </pc:spChg>
-        <pc:spChg chg="add mod">
-          <ac:chgData name="Bastian Büeler (s)" userId="e39f6fd0-c78f-474b-9c7d-3977659f393b" providerId="ADAL" clId="{6BE246BF-F658-4AB0-B638-E4B8FA9FFDD3}" dt="2025-05-18T17:46:18.161" v="963" actId="20577"/>
-          <ac:spMkLst>
-            <pc:docMk/>
-            <pc:sldMk cId="914902159" sldId="261"/>
-            <ac:spMk id="8" creationId="{0DD5885B-5DD6-2071-46CC-471FDACC02CC}"/>
-          </ac:spMkLst>
-        </pc:spChg>
-        <pc:spChg chg="add mod">
-          <ac:chgData name="Bastian Büeler (s)" userId="e39f6fd0-c78f-474b-9c7d-3977659f393b" providerId="ADAL" clId="{6BE246BF-F658-4AB0-B638-E4B8FA9FFDD3}" dt="2025-05-18T17:49:13.874" v="1087" actId="20577"/>
-          <ac:spMkLst>
-            <pc:docMk/>
-            <pc:sldMk cId="914902159" sldId="261"/>
-            <ac:spMk id="9" creationId="{E249F1D9-D4EE-28C4-4E40-202A74582571}"/>
-          </ac:spMkLst>
-        </pc:spChg>
-        <pc:picChg chg="add mod">
-          <ac:chgData name="Bastian Büeler (s)" userId="e39f6fd0-c78f-474b-9c7d-3977659f393b" providerId="ADAL" clId="{6BE246BF-F658-4AB0-B638-E4B8FA9FFDD3}" dt="2025-05-18T17:46:06.985" v="937" actId="1076"/>
-          <ac:picMkLst>
-            <pc:docMk/>
-            <pc:sldMk cId="914902159" sldId="261"/>
-            <ac:picMk id="7" creationId="{29C87EAA-08CA-0DCB-031A-DA8038313DA0}"/>
-          </ac:picMkLst>
-        </pc:picChg>
-        <pc:picChg chg="add mod">
-          <ac:chgData name="Bastian Büeler (s)" userId="e39f6fd0-c78f-474b-9c7d-3977659f393b" providerId="ADAL" clId="{6BE246BF-F658-4AB0-B638-E4B8FA9FFDD3}" dt="2025-05-18T17:48:31.179" v="1035" actId="1076"/>
-          <ac:picMkLst>
-            <pc:docMk/>
-            <pc:sldMk cId="914902159" sldId="261"/>
-            <ac:picMk id="11" creationId="{150ADD2B-1E62-948A-40AA-C9DBB6C8452E}"/>
-          </ac:picMkLst>
-        </pc:picChg>
-        <pc:picChg chg="add mod">
-          <ac:chgData name="Bastian Büeler (s)" userId="e39f6fd0-c78f-474b-9c7d-3977659f393b" providerId="ADAL" clId="{6BE246BF-F658-4AB0-B638-E4B8FA9FFDD3}" dt="2025-05-18T17:48:23.500" v="1033" actId="1076"/>
-          <ac:picMkLst>
-            <pc:docMk/>
-            <pc:sldMk cId="914902159" sldId="261"/>
-            <ac:picMk id="13" creationId="{04EB9149-FF27-6018-9A5A-1C653E42B415}"/>
-          </ac:picMkLst>
-        </pc:picChg>
-      </pc:sldChg>
-      <pc:sldChg chg="modSp mod ord">
-        <pc:chgData name="Bastian Büeler (s)" userId="e39f6fd0-c78f-474b-9c7d-3977659f393b" providerId="ADAL" clId="{6BE246BF-F658-4AB0-B638-E4B8FA9FFDD3}" dt="2025-05-17T15:14:16.478" v="77" actId="20577"/>
-        <pc:sldMkLst>
-          <pc:docMk/>
-          <pc:sldMk cId="2110341137" sldId="262"/>
-        </pc:sldMkLst>
-        <pc:spChg chg="mod">
-          <ac:chgData name="Bastian Büeler (s)" userId="e39f6fd0-c78f-474b-9c7d-3977659f393b" providerId="ADAL" clId="{6BE246BF-F658-4AB0-B638-E4B8FA9FFDD3}" dt="2025-05-17T15:14:16.478" v="77" actId="20577"/>
-          <ac:spMkLst>
-            <pc:docMk/>
-            <pc:sldMk cId="2110341137" sldId="262"/>
-            <ac:spMk id="2" creationId="{9E7FA033-2767-9914-BD8B-CA4DFC733534}"/>
-          </ac:spMkLst>
-        </pc:spChg>
-      </pc:sldChg>
-      <pc:sldChg chg="modSp del mod">
-        <pc:chgData name="Bastian Büeler (s)" userId="e39f6fd0-c78f-474b-9c7d-3977659f393b" providerId="ADAL" clId="{6BE246BF-F658-4AB0-B638-E4B8FA9FFDD3}" dt="2025-05-18T18:02:26.775" v="1088" actId="47"/>
-        <pc:sldMkLst>
-          <pc:docMk/>
-          <pc:sldMk cId="658855556" sldId="263"/>
-        </pc:sldMkLst>
-      </pc:sldChg>
-      <pc:sldChg chg="addSp delSp modSp mod">
-        <pc:chgData name="Bastian Büeler (s)" userId="e39f6fd0-c78f-474b-9c7d-3977659f393b" providerId="ADAL" clId="{6BE246BF-F658-4AB0-B638-E4B8FA9FFDD3}" dt="2025-05-18T15:41:57.039" v="130" actId="1076"/>
-        <pc:sldMkLst>
-          <pc:docMk/>
-          <pc:sldMk cId="738540662" sldId="265"/>
-        </pc:sldMkLst>
-        <pc:spChg chg="mod">
-          <ac:chgData name="Bastian Büeler (s)" userId="e39f6fd0-c78f-474b-9c7d-3977659f393b" providerId="ADAL" clId="{6BE246BF-F658-4AB0-B638-E4B8FA9FFDD3}" dt="2025-05-18T15:41:52.060" v="128" actId="26606"/>
-          <ac:spMkLst>
-            <pc:docMk/>
-            <pc:sldMk cId="738540662" sldId="265"/>
-            <ac:spMk id="2" creationId="{6A393300-83B9-D0BB-D7A2-59E1A8F0458A}"/>
-          </ac:spMkLst>
-        </pc:spChg>
-        <pc:spChg chg="add">
-          <ac:chgData name="Bastian Büeler (s)" userId="e39f6fd0-c78f-474b-9c7d-3977659f393b" providerId="ADAL" clId="{6BE246BF-F658-4AB0-B638-E4B8FA9FFDD3}" dt="2025-05-18T15:41:52.060" v="128" actId="26606"/>
-          <ac:spMkLst>
-            <pc:docMk/>
-            <pc:sldMk cId="738540662" sldId="265"/>
-            <ac:spMk id="16" creationId="{19D32F93-50AC-4C46-A5DB-291C60DDB7BD}"/>
-          </ac:spMkLst>
-        </pc:spChg>
-        <pc:spChg chg="add">
-          <ac:chgData name="Bastian Büeler (s)" userId="e39f6fd0-c78f-474b-9c7d-3977659f393b" providerId="ADAL" clId="{6BE246BF-F658-4AB0-B638-E4B8FA9FFDD3}" dt="2025-05-18T15:41:52.060" v="128" actId="26606"/>
-          <ac:spMkLst>
-            <pc:docMk/>
-            <pc:sldMk cId="738540662" sldId="265"/>
-            <ac:spMk id="17" creationId="{86FD7672-78BE-4D6F-A711-2CDB79B52DFF}"/>
-          </ac:spMkLst>
-        </pc:spChg>
-        <pc:spChg chg="add">
-          <ac:chgData name="Bastian Büeler (s)" userId="e39f6fd0-c78f-474b-9c7d-3977659f393b" providerId="ADAL" clId="{6BE246BF-F658-4AB0-B638-E4B8FA9FFDD3}" dt="2025-05-18T15:41:52.060" v="128" actId="26606"/>
-          <ac:spMkLst>
-            <pc:docMk/>
-            <pc:sldMk cId="738540662" sldId="265"/>
-            <ac:spMk id="18" creationId="{827DC2C4-B485-428A-BF4A-472D2967F47F}"/>
-          </ac:spMkLst>
-        </pc:spChg>
-        <pc:spChg chg="add">
-          <ac:chgData name="Bastian Büeler (s)" userId="e39f6fd0-c78f-474b-9c7d-3977659f393b" providerId="ADAL" clId="{6BE246BF-F658-4AB0-B638-E4B8FA9FFDD3}" dt="2025-05-18T15:41:52.060" v="128" actId="26606"/>
-          <ac:spMkLst>
-            <pc:docMk/>
-            <pc:sldMk cId="738540662" sldId="265"/>
-            <ac:spMk id="20" creationId="{4A62647B-1222-407C-8740-5A497612B1F5}"/>
-          </ac:spMkLst>
-        </pc:spChg>
-        <pc:picChg chg="add mod">
-          <ac:chgData name="Bastian Büeler (s)" userId="e39f6fd0-c78f-474b-9c7d-3977659f393b" providerId="ADAL" clId="{6BE246BF-F658-4AB0-B638-E4B8FA9FFDD3}" dt="2025-05-18T15:41:57.039" v="130" actId="1076"/>
-          <ac:picMkLst>
-            <pc:docMk/>
-            <pc:sldMk cId="738540662" sldId="265"/>
-            <ac:picMk id="6" creationId="{59F5938D-E3D2-3CE3-AD29-271189A68736}"/>
-          </ac:picMkLst>
-        </pc:picChg>
-      </pc:sldChg>
-      <pc:sldChg chg="modSp mod">
-        <pc:chgData name="Bastian Büeler (s)" userId="e39f6fd0-c78f-474b-9c7d-3977659f393b" providerId="ADAL" clId="{6BE246BF-F658-4AB0-B638-E4B8FA9FFDD3}" dt="2025-05-18T14:49:12.577" v="95" actId="1076"/>
-        <pc:sldMkLst>
-          <pc:docMk/>
-          <pc:sldMk cId="1175028386" sldId="267"/>
-        </pc:sldMkLst>
-      </pc:sldChg>
-      <pc:sldChg chg="addSp delSp modSp mod">
-        <pc:chgData name="Bastian Büeler (s)" userId="e39f6fd0-c78f-474b-9c7d-3977659f393b" providerId="ADAL" clId="{6BE246BF-F658-4AB0-B638-E4B8FA9FFDD3}" dt="2025-05-18T16:23:18.474" v="453"/>
-        <pc:sldMkLst>
-          <pc:docMk/>
-          <pc:sldMk cId="1755744872" sldId="269"/>
-        </pc:sldMkLst>
-        <pc:spChg chg="mod">
-          <ac:chgData name="Bastian Büeler (s)" userId="e39f6fd0-c78f-474b-9c7d-3977659f393b" providerId="ADAL" clId="{6BE246BF-F658-4AB0-B638-E4B8FA9FFDD3}" dt="2025-05-18T16:22:20.029" v="420" actId="20577"/>
-          <ac:spMkLst>
-            <pc:docMk/>
-            <pc:sldMk cId="1755744872" sldId="269"/>
-            <ac:spMk id="2" creationId="{95698C40-D826-731F-C5FF-3DAFB0900E05}"/>
-          </ac:spMkLst>
-        </pc:spChg>
-        <pc:spChg chg="add mod">
-          <ac:chgData name="Bastian Büeler (s)" userId="e39f6fd0-c78f-474b-9c7d-3977659f393b" providerId="ADAL" clId="{6BE246BF-F658-4AB0-B638-E4B8FA9FFDD3}" dt="2025-05-18T15:58:24.174" v="159"/>
-          <ac:spMkLst>
-            <pc:docMk/>
-            <pc:sldMk cId="1755744872" sldId="269"/>
-            <ac:spMk id="10" creationId="{541496AB-6D61-170E-C490-A0A399E6D3C0}"/>
-          </ac:spMkLst>
-        </pc:spChg>
-        <pc:spChg chg="add mod">
-          <ac:chgData name="Bastian Büeler (s)" userId="e39f6fd0-c78f-474b-9c7d-3977659f393b" providerId="ADAL" clId="{6BE246BF-F658-4AB0-B638-E4B8FA9FFDD3}" dt="2025-05-18T16:23:18.474" v="453"/>
-          <ac:spMkLst>
-            <pc:docMk/>
-            <pc:sldMk cId="1755744872" sldId="269"/>
-            <ac:spMk id="11" creationId="{42DFAFFE-06A8-E5AC-74D0-2BA1C3FFD0B1}"/>
-          </ac:spMkLst>
-        </pc:spChg>
-        <pc:picChg chg="add mod">
-          <ac:chgData name="Bastian Büeler (s)" userId="e39f6fd0-c78f-474b-9c7d-3977659f393b" providerId="ADAL" clId="{6BE246BF-F658-4AB0-B638-E4B8FA9FFDD3}" dt="2025-05-18T16:03:51.413" v="240" actId="1076"/>
-          <ac:picMkLst>
-            <pc:docMk/>
-            <pc:sldMk cId="1755744872" sldId="269"/>
-            <ac:picMk id="9" creationId="{54077606-AA5B-FE6B-C630-7EE7B62F1F2D}"/>
-          </ac:picMkLst>
-        </pc:picChg>
-      </pc:sldChg>
-      <pc:sldChg chg="modSp del mod">
-        <pc:chgData name="Bastian Büeler (s)" userId="e39f6fd0-c78f-474b-9c7d-3977659f393b" providerId="ADAL" clId="{6BE246BF-F658-4AB0-B638-E4B8FA9FFDD3}" dt="2025-05-17T15:08:52.780" v="16" actId="47"/>
-        <pc:sldMkLst>
-          <pc:docMk/>
-          <pc:sldMk cId="2789266917" sldId="270"/>
-        </pc:sldMkLst>
-      </pc:sldChg>
-      <pc:sldChg chg="del">
-        <pc:chgData name="Bastian Büeler (s)" userId="e39f6fd0-c78f-474b-9c7d-3977659f393b" providerId="ADAL" clId="{6BE246BF-F658-4AB0-B638-E4B8FA9FFDD3}" dt="2025-05-17T15:08:28.601" v="14" actId="47"/>
-        <pc:sldMkLst>
-          <pc:docMk/>
-          <pc:sldMk cId="1411395925" sldId="271"/>
-        </pc:sldMkLst>
-      </pc:sldChg>
-      <pc:sldChg chg="modSp new mod">
-        <pc:chgData name="Bastian Büeler (s)" userId="e39f6fd0-c78f-474b-9c7d-3977659f393b" providerId="ADAL" clId="{6BE246BF-F658-4AB0-B638-E4B8FA9FFDD3}" dt="2025-05-17T15:13:42.693" v="74" actId="20577"/>
-        <pc:sldMkLst>
-          <pc:docMk/>
-          <pc:sldMk cId="1074422744" sldId="279"/>
-        </pc:sldMkLst>
-        <pc:spChg chg="mod">
-          <ac:chgData name="Bastian Büeler (s)" userId="e39f6fd0-c78f-474b-9c7d-3977659f393b" providerId="ADAL" clId="{6BE246BF-F658-4AB0-B638-E4B8FA9FFDD3}" dt="2025-05-17T15:13:42.693" v="74" actId="20577"/>
-          <ac:spMkLst>
-            <pc:docMk/>
-            <pc:sldMk cId="1074422744" sldId="279"/>
-            <ac:spMk id="2" creationId="{A3FC386F-4B0F-45D9-1956-206511593391}"/>
-          </ac:spMkLst>
-        </pc:spChg>
-      </pc:sldChg>
-      <pc:sldChg chg="modSp mod">
-        <pc:chgData name="Bastian Büeler (s)" userId="e39f6fd0-c78f-474b-9c7d-3977659f393b" providerId="ADAL" clId="{6BE246BF-F658-4AB0-B638-E4B8FA9FFDD3}" dt="2025-05-18T14:39:53.831" v="78" actId="1076"/>
-        <pc:sldMkLst>
-          <pc:docMk/>
-          <pc:sldMk cId="1333545438" sldId="284"/>
-        </pc:sldMkLst>
-        <pc:spChg chg="mod">
-          <ac:chgData name="Bastian Büeler (s)" userId="e39f6fd0-c78f-474b-9c7d-3977659f393b" providerId="ADAL" clId="{6BE246BF-F658-4AB0-B638-E4B8FA9FFDD3}" dt="2025-05-18T14:39:53.831" v="78" actId="1076"/>
-          <ac:spMkLst>
-            <pc:docMk/>
-            <pc:sldMk cId="1333545438" sldId="284"/>
-            <ac:spMk id="2" creationId="{6B1E2847-9ADE-7AA6-0A61-4D2C6F042998}"/>
-          </ac:spMkLst>
-        </pc:spChg>
-      </pc:sldChg>
-      <pc:sldChg chg="delSp modSp new mod">
-        <pc:chgData name="Bastian Büeler (s)" userId="e39f6fd0-c78f-474b-9c7d-3977659f393b" providerId="ADAL" clId="{6BE246BF-F658-4AB0-B638-E4B8FA9FFDD3}" dt="2025-05-18T18:06:00.012" v="1104" actId="14100"/>
-        <pc:sldMkLst>
-          <pc:docMk/>
-          <pc:sldMk cId="2938400453" sldId="294"/>
-        </pc:sldMkLst>
-        <pc:spChg chg="mod">
-          <ac:chgData name="Bastian Büeler (s)" userId="e39f6fd0-c78f-474b-9c7d-3977659f393b" providerId="ADAL" clId="{6BE246BF-F658-4AB0-B638-E4B8FA9FFDD3}" dt="2025-05-18T18:04:09.488" v="1098" actId="1076"/>
-          <ac:spMkLst>
-            <pc:docMk/>
-            <pc:sldMk cId="2938400453" sldId="294"/>
-            <ac:spMk id="2" creationId="{11BECAD6-B3FD-0A07-8CAD-0B155DF47CDD}"/>
-          </ac:spMkLst>
-        </pc:spChg>
-      </pc:sldChg>
-      <pc:sldChg chg="addSp delSp modSp add mod">
-        <pc:chgData name="Bastian Büeler (s)" userId="e39f6fd0-c78f-474b-9c7d-3977659f393b" providerId="ADAL" clId="{6BE246BF-F658-4AB0-B638-E4B8FA9FFDD3}" dt="2025-05-18T16:53:40.450" v="604" actId="20577"/>
-        <pc:sldMkLst>
-          <pc:docMk/>
-          <pc:sldMk cId="570983371" sldId="303"/>
-        </pc:sldMkLst>
-        <pc:spChg chg="mod">
-          <ac:chgData name="Bastian Büeler (s)" userId="e39f6fd0-c78f-474b-9c7d-3977659f393b" providerId="ADAL" clId="{6BE246BF-F658-4AB0-B638-E4B8FA9FFDD3}" dt="2025-05-18T16:22:24.437" v="422" actId="20577"/>
-          <ac:spMkLst>
-            <pc:docMk/>
-            <pc:sldMk cId="570983371" sldId="303"/>
-            <ac:spMk id="2" creationId="{164268A9-A322-B46D-7891-E7DF1C63E831}"/>
-          </ac:spMkLst>
-        </pc:spChg>
-        <pc:spChg chg="add del mod">
-          <ac:chgData name="Bastian Büeler (s)" userId="e39f6fd0-c78f-474b-9c7d-3977659f393b" providerId="ADAL" clId="{6BE246BF-F658-4AB0-B638-E4B8FA9FFDD3}" dt="2025-05-18T16:24:06.353" v="461" actId="1076"/>
-          <ac:spMkLst>
-            <pc:docMk/>
-            <pc:sldMk cId="570983371" sldId="303"/>
-            <ac:spMk id="11" creationId="{0481B939-3DBA-2D6F-2D99-4A8A68255E40}"/>
-          </ac:spMkLst>
-        </pc:spChg>
-        <pc:spChg chg="add mod">
-          <ac:chgData name="Bastian Büeler (s)" userId="e39f6fd0-c78f-474b-9c7d-3977659f393b" providerId="ADAL" clId="{6BE246BF-F658-4AB0-B638-E4B8FA9FFDD3}" dt="2025-05-18T16:53:40.450" v="604" actId="20577"/>
-          <ac:spMkLst>
-            <pc:docMk/>
-            <pc:sldMk cId="570983371" sldId="303"/>
-            <ac:spMk id="13" creationId="{25DC2E07-4C39-5E64-C2C6-93206899EFBD}"/>
-          </ac:spMkLst>
-        </pc:spChg>
-      </pc:sldChg>
-      <pc:sldChg chg="modSp add mod">
-        <pc:chgData name="Bastian Büeler (s)" userId="e39f6fd0-c78f-474b-9c7d-3977659f393b" providerId="ADAL" clId="{6BE246BF-F658-4AB0-B638-E4B8FA9FFDD3}" dt="2025-05-18T17:41:54.193" v="931" actId="20577"/>
-        <pc:sldMkLst>
-          <pc:docMk/>
-          <pc:sldMk cId="3984655772" sldId="307"/>
-        </pc:sldMkLst>
-        <pc:spChg chg="mod">
-          <ac:chgData name="Bastian Büeler (s)" userId="e39f6fd0-c78f-474b-9c7d-3977659f393b" providerId="ADAL" clId="{6BE246BF-F658-4AB0-B638-E4B8FA9FFDD3}" dt="2025-05-18T17:41:54.193" v="931" actId="20577"/>
-          <ac:spMkLst>
-            <pc:docMk/>
-            <pc:sldMk cId="3984655772" sldId="307"/>
-            <ac:spMk id="2" creationId="{558AFE91-6918-9D00-B3E1-D2B9716B1DA1}"/>
-          </ac:spMkLst>
-        </pc:spChg>
-        <pc:spChg chg="mod">
-          <ac:chgData name="Bastian Büeler (s)" userId="e39f6fd0-c78f-474b-9c7d-3977659f393b" providerId="ADAL" clId="{6BE246BF-F658-4AB0-B638-E4B8FA9FFDD3}" dt="2025-05-18T17:38:59.545" v="926" actId="20577"/>
-          <ac:spMkLst>
-            <pc:docMk/>
-            <pc:sldMk cId="3984655772" sldId="307"/>
-            <ac:spMk id="3" creationId="{26DF799F-5C3C-67A2-3409-F2275CF14CDB}"/>
-          </ac:spMkLst>
-        </pc:spChg>
-      </pc:sldChg>
-      <pc:sldChg chg="modSp add mod">
-        <pc:chgData name="Bastian Büeler (s)" userId="e39f6fd0-c78f-474b-9c7d-3977659f393b" providerId="ADAL" clId="{6BE246BF-F658-4AB0-B638-E4B8FA9FFDD3}" dt="2025-05-18T17:41:50.408" v="929" actId="20577"/>
-        <pc:sldMkLst>
-          <pc:docMk/>
-          <pc:sldMk cId="3908875202" sldId="308"/>
-        </pc:sldMkLst>
-        <pc:spChg chg="mod">
-          <ac:chgData name="Bastian Büeler (s)" userId="e39f6fd0-c78f-474b-9c7d-3977659f393b" providerId="ADAL" clId="{6BE246BF-F658-4AB0-B638-E4B8FA9FFDD3}" dt="2025-05-18T17:41:50.408" v="929" actId="20577"/>
-          <ac:spMkLst>
-            <pc:docMk/>
-            <pc:sldMk cId="3908875202" sldId="308"/>
-            <ac:spMk id="2" creationId="{910B38DD-CD5B-4BF3-93DD-B21C04678991}"/>
-          </ac:spMkLst>
-        </pc:spChg>
-      </pc:sldChg>
-      <pc:sldChg chg="modSp new mod">
-        <pc:chgData name="Bastian Büeler (s)" userId="e39f6fd0-c78f-474b-9c7d-3977659f393b" providerId="ADAL" clId="{6BE246BF-F658-4AB0-B638-E4B8FA9FFDD3}" dt="2025-05-18T18:44:18.706" v="1124" actId="20577"/>
-        <pc:sldMkLst>
-          <pc:docMk/>
-          <pc:sldMk cId="2278894473" sldId="309"/>
-        </pc:sldMkLst>
-        <pc:spChg chg="mod">
-          <ac:chgData name="Bastian Büeler (s)" userId="e39f6fd0-c78f-474b-9c7d-3977659f393b" providerId="ADAL" clId="{6BE246BF-F658-4AB0-B638-E4B8FA9FFDD3}" dt="2025-05-18T18:44:18.706" v="1124" actId="20577"/>
-          <ac:spMkLst>
-            <pc:docMk/>
-            <pc:sldMk cId="2278894473" sldId="309"/>
-            <ac:spMk id="2" creationId="{AE2595EE-7350-F4E8-992C-AE06633CE23B}"/>
-          </ac:spMkLst>
-        </pc:spChg>
-      </pc:sldChg>
-      <pc:sldChg chg="ord">
-        <pc:chgData name="Bastian Büeler (s)" userId="e39f6fd0-c78f-474b-9c7d-3977659f393b" providerId="ADAL" clId="{6BE246BF-F658-4AB0-B638-E4B8FA9FFDD3}" dt="2025-05-18T18:44:54.225" v="1126"/>
-        <pc:sldMkLst>
-          <pc:docMk/>
-          <pc:sldMk cId="2355913817" sldId="310"/>
-        </pc:sldMkLst>
-      </pc:sldChg>
-    </pc:docChg>
-  </pc:docChgLst>
-</pc:chgInfo>
-</file>
-
 <file path=ppt/notesMasters/notesMaster1.xml><?xml version="1.0" encoding="utf-8"?>
 <p:notesMaster xmlns:a="http://schemas.openxmlformats.org/drawingml/2006/main" xmlns:r="http://schemas.openxmlformats.org/officeDocument/2006/relationships" xmlns:p="http://schemas.openxmlformats.org/presentationml/2006/main">
   <p:cSld>
@@ -3521,7 +270,7 @@
           <a:p>
             <a:fld id="{6CAE1783-8C43-8349-B409-6529D8AD7B2C}" type="datetimeFigureOut">
               <a:rPr lang="en-DE" smtClean="0"/>
-              <a:t>05/21/2025</a:t>
+              <a:t>05/25/2025</a:t>
             </a:fld>
             <a:endParaRPr lang="en-DE"/>
           </a:p>
@@ -3680,7 +429,7 @@
           <a:p>
             <a:fld id="{68728496-0194-1143-901C-89535BA804B4}" type="slidenum">
               <a:rPr lang="en-DE" smtClean="0"/>
-              <a:t>‹#›</a:t>
+              <a:t>‹Nr.›</a:t>
             </a:fld>
             <a:endParaRPr lang="en-DE"/>
           </a:p>
@@ -4254,7 +1003,7 @@
           <a:p>
             <a:fld id="{D3EB3054-B75A-4BD7-8B3E-8DC0F614FAF3}" type="datetimeFigureOut">
               <a:rPr lang="de-DE" smtClean="0"/>
-              <a:t>21.05.2025</a:t>
+              <a:t>25.05.2025</a:t>
             </a:fld>
             <a:endParaRPr lang="de-DE"/>
           </a:p>
@@ -4296,7 +1045,7 @@
           <a:p>
             <a:fld id="{802006FE-6571-4354-8775-F8708372C227}" type="slidenum">
               <a:rPr lang="de-DE" smtClean="0"/>
-              <a:t>‹#›</a:t>
+              <a:t>‹Nr.›</a:t>
             </a:fld>
             <a:endParaRPr lang="de-DE"/>
           </a:p>
@@ -4422,7 +1171,7 @@
           <a:p>
             <a:fld id="{D3EB3054-B75A-4BD7-8B3E-8DC0F614FAF3}" type="datetimeFigureOut">
               <a:rPr lang="de-DE" smtClean="0"/>
-              <a:t>21.05.2025</a:t>
+              <a:t>25.05.2025</a:t>
             </a:fld>
             <a:endParaRPr lang="de-DE"/>
           </a:p>
@@ -4464,7 +1213,7 @@
           <a:p>
             <a:fld id="{802006FE-6571-4354-8775-F8708372C227}" type="slidenum">
               <a:rPr lang="de-DE" smtClean="0"/>
-              <a:t>‹#›</a:t>
+              <a:t>‹Nr.›</a:t>
             </a:fld>
             <a:endParaRPr lang="de-DE"/>
           </a:p>
@@ -4600,7 +1349,7 @@
           <a:p>
             <a:fld id="{D3EB3054-B75A-4BD7-8B3E-8DC0F614FAF3}" type="datetimeFigureOut">
               <a:rPr lang="de-DE" smtClean="0"/>
-              <a:t>21.05.2025</a:t>
+              <a:t>25.05.2025</a:t>
             </a:fld>
             <a:endParaRPr lang="de-DE"/>
           </a:p>
@@ -4642,7 +1391,7 @@
           <a:p>
             <a:fld id="{802006FE-6571-4354-8775-F8708372C227}" type="slidenum">
               <a:rPr lang="de-DE" smtClean="0"/>
-              <a:t>‹#›</a:t>
+              <a:t>‹Nr.›</a:t>
             </a:fld>
             <a:endParaRPr lang="de-DE"/>
           </a:p>
@@ -4768,7 +1517,7 @@
           <a:p>
             <a:fld id="{D3EB3054-B75A-4BD7-8B3E-8DC0F614FAF3}" type="datetimeFigureOut">
               <a:rPr lang="de-DE" smtClean="0"/>
-              <a:t>21.05.2025</a:t>
+              <a:t>25.05.2025</a:t>
             </a:fld>
             <a:endParaRPr lang="de-DE"/>
           </a:p>
@@ -4810,7 +1559,7 @@
           <a:p>
             <a:fld id="{802006FE-6571-4354-8775-F8708372C227}" type="slidenum">
               <a:rPr lang="de-DE" smtClean="0"/>
-              <a:t>‹#›</a:t>
+              <a:t>‹Nr.›</a:t>
             </a:fld>
             <a:endParaRPr lang="de-DE"/>
           </a:p>
@@ -5013,7 +1762,7 @@
           <a:p>
             <a:fld id="{D3EB3054-B75A-4BD7-8B3E-8DC0F614FAF3}" type="datetimeFigureOut">
               <a:rPr lang="de-DE" smtClean="0"/>
-              <a:t>21.05.2025</a:t>
+              <a:t>25.05.2025</a:t>
             </a:fld>
             <a:endParaRPr lang="de-DE"/>
           </a:p>
@@ -5055,7 +1804,7 @@
           <a:p>
             <a:fld id="{802006FE-6571-4354-8775-F8708372C227}" type="slidenum">
               <a:rPr lang="de-DE" smtClean="0"/>
-              <a:t>‹#›</a:t>
+              <a:t>‹Nr.›</a:t>
             </a:fld>
             <a:endParaRPr lang="de-DE"/>
           </a:p>
@@ -5242,7 +1991,7 @@
           <a:p>
             <a:fld id="{D3EB3054-B75A-4BD7-8B3E-8DC0F614FAF3}" type="datetimeFigureOut">
               <a:rPr lang="de-DE" smtClean="0"/>
-              <a:t>21.05.2025</a:t>
+              <a:t>25.05.2025</a:t>
             </a:fld>
             <a:endParaRPr lang="de-DE"/>
           </a:p>
@@ -5284,7 +2033,7 @@
           <a:p>
             <a:fld id="{802006FE-6571-4354-8775-F8708372C227}" type="slidenum">
               <a:rPr lang="de-DE" smtClean="0"/>
-              <a:t>‹#›</a:t>
+              <a:t>‹Nr.›</a:t>
             </a:fld>
             <a:endParaRPr lang="de-DE"/>
           </a:p>
@@ -5606,7 +2355,7 @@
           <a:p>
             <a:fld id="{D3EB3054-B75A-4BD7-8B3E-8DC0F614FAF3}" type="datetimeFigureOut">
               <a:rPr lang="de-DE" smtClean="0"/>
-              <a:t>21.05.2025</a:t>
+              <a:t>25.05.2025</a:t>
             </a:fld>
             <a:endParaRPr lang="de-DE"/>
           </a:p>
@@ -5648,7 +2397,7 @@
           <a:p>
             <a:fld id="{802006FE-6571-4354-8775-F8708372C227}" type="slidenum">
               <a:rPr lang="de-DE" smtClean="0"/>
-              <a:t>‹#›</a:t>
+              <a:t>‹Nr.›</a:t>
             </a:fld>
             <a:endParaRPr lang="de-DE"/>
           </a:p>
@@ -5723,7 +2472,7 @@
           <a:p>
             <a:fld id="{D3EB3054-B75A-4BD7-8B3E-8DC0F614FAF3}" type="datetimeFigureOut">
               <a:rPr lang="de-DE" smtClean="0"/>
-              <a:t>21.05.2025</a:t>
+              <a:t>25.05.2025</a:t>
             </a:fld>
             <a:endParaRPr lang="de-DE"/>
           </a:p>
@@ -5765,7 +2514,7 @@
           <a:p>
             <a:fld id="{802006FE-6571-4354-8775-F8708372C227}" type="slidenum">
               <a:rPr lang="de-DE" smtClean="0"/>
-              <a:t>‹#›</a:t>
+              <a:t>‹Nr.›</a:t>
             </a:fld>
             <a:endParaRPr lang="de-DE"/>
           </a:p>
@@ -5818,7 +2567,7 @@
           <a:p>
             <a:fld id="{D3EB3054-B75A-4BD7-8B3E-8DC0F614FAF3}" type="datetimeFigureOut">
               <a:rPr lang="de-DE" smtClean="0"/>
-              <a:t>21.05.2025</a:t>
+              <a:t>25.05.2025</a:t>
             </a:fld>
             <a:endParaRPr lang="de-DE"/>
           </a:p>
@@ -5860,7 +2609,7 @@
           <a:p>
             <a:fld id="{802006FE-6571-4354-8775-F8708372C227}" type="slidenum">
               <a:rPr lang="de-DE" smtClean="0"/>
-              <a:t>‹#›</a:t>
+              <a:t>‹Nr.›</a:t>
             </a:fld>
             <a:endParaRPr lang="de-DE"/>
           </a:p>
@@ -6093,7 +2842,7 @@
           <a:p>
             <a:fld id="{D3EB3054-B75A-4BD7-8B3E-8DC0F614FAF3}" type="datetimeFigureOut">
               <a:rPr lang="de-DE" smtClean="0"/>
-              <a:t>21.05.2025</a:t>
+              <a:t>25.05.2025</a:t>
             </a:fld>
             <a:endParaRPr lang="de-DE"/>
           </a:p>
@@ -6135,7 +2884,7 @@
           <a:p>
             <a:fld id="{802006FE-6571-4354-8775-F8708372C227}" type="slidenum">
               <a:rPr lang="de-DE" smtClean="0"/>
-              <a:t>‹#›</a:t>
+              <a:t>‹Nr.›</a:t>
             </a:fld>
             <a:endParaRPr lang="de-DE"/>
           </a:p>
@@ -6345,7 +3094,7 @@
           <a:p>
             <a:fld id="{D3EB3054-B75A-4BD7-8B3E-8DC0F614FAF3}" type="datetimeFigureOut">
               <a:rPr lang="de-DE" smtClean="0"/>
-              <a:t>21.05.2025</a:t>
+              <a:t>25.05.2025</a:t>
             </a:fld>
             <a:endParaRPr lang="de-DE"/>
           </a:p>
@@ -6387,7 +3136,7 @@
           <a:p>
             <a:fld id="{802006FE-6571-4354-8775-F8708372C227}" type="slidenum">
               <a:rPr lang="de-DE" smtClean="0"/>
-              <a:t>‹#›</a:t>
+              <a:t>‹Nr.›</a:t>
             </a:fld>
             <a:endParaRPr lang="de-DE"/>
           </a:p>
@@ -6556,7 +3305,7 @@
           <a:p>
             <a:fld id="{D3EB3054-B75A-4BD7-8B3E-8DC0F614FAF3}" type="datetimeFigureOut">
               <a:rPr lang="de-DE" smtClean="0"/>
-              <a:t>21.05.2025</a:t>
+              <a:t>25.05.2025</a:t>
             </a:fld>
             <a:endParaRPr lang="de-DE"/>
           </a:p>
@@ -6634,7 +3383,7 @@
           <a:p>
             <a:fld id="{802006FE-6571-4354-8775-F8708372C227}" type="slidenum">
               <a:rPr lang="de-DE" smtClean="0"/>
-              <a:t>‹#›</a:t>
+              <a:t>‹Nr.›</a:t>
             </a:fld>
             <a:endParaRPr lang="de-DE"/>
           </a:p>
@@ -17281,7 +14030,7 @@
           <p:nvPr/>
         </p:nvPicPr>
         <p:blipFill>
-          <a:blip r:embed="rId2">
+          <a:blip r:embed="rId2" cstate="print">
             <a:extLst>
               <a:ext uri="{28A0092B-C50C-407E-A947-70E740481C1C}">
                 <a14:useLocalDpi xmlns:a14="http://schemas.microsoft.com/office/drawing/2010/main" val="0"/>
@@ -17591,7 +14340,7 @@
           <p:nvPr/>
         </p:nvPicPr>
         <p:blipFill>
-          <a:blip r:embed="rId2">
+          <a:blip r:embed="rId2" cstate="print">
             <a:extLst>
               <a:ext uri="{28A0092B-C50C-407E-A947-70E740481C1C}">
                 <a14:useLocalDpi xmlns:a14="http://schemas.microsoft.com/office/drawing/2010/main" val="0"/>
@@ -20043,69 +16792,69 @@
         <p:spPr/>
         <p:txBody>
           <a:bodyPr>
-            <a:normAutofit fontScale="92500" lnSpcReduction="20000"/>
+            <a:normAutofit fontScale="85000" lnSpcReduction="10000"/>
           </a:bodyPr>
           <a:lstStyle/>
           <a:p>
-            <a:endParaRPr lang="de-CH" noProof="0"/>
-          </a:p>
-          <a:p>
-            <a:r>
-              <a:rPr lang="de-CH" noProof="0"/>
+            <a:endParaRPr lang="de-CH" noProof="0" dirty="0"/>
+          </a:p>
+          <a:p>
+            <a:r>
+              <a:rPr lang="de-CH" noProof="0" dirty="0"/>
               <a:t>Mehr Partner/</a:t>
             </a:r>
             <a:r>
-              <a:rPr lang="de-CH" noProof="0" err="1"/>
+              <a:rPr lang="de-CH" noProof="0" dirty="0" err="1"/>
               <a:t>Contributors</a:t>
             </a:r>
             <a:r>
-              <a:rPr lang="de-CH" noProof="0"/>
+              <a:rPr lang="de-CH" noProof="0" dirty="0"/>
               <a:t> führen tendenziell zu mehr Erfolg – aber nicht in jedem Fall. Der Effekt hängt stark von anderen Faktoren (z. B. Funding) ab.</a:t>
             </a:r>
           </a:p>
           <a:p>
             <a:r>
-              <a:rPr lang="de-CH" noProof="0"/>
-              <a:t>Im Beispiel mit 3 Partnern und hohem Funding steigt der Erfolg deutlich – bei 7 Partnern und wenig Funding ist der Einfluss hingegen geringer.</a:t>
-            </a:r>
-          </a:p>
-          <a:p>
-            <a:r>
-              <a:rPr lang="de-CH" noProof="0"/>
+              <a:rPr lang="de-CH" noProof="0" dirty="0"/>
+              <a:t>Im Beispiel mit 5 Partnern und hohem Funding steigt der Erfolg – bei 7 Partnern und wenig Funding ist der Einfluss hingegen geringer bzw. kaum vorhanden</a:t>
+            </a:r>
+          </a:p>
+          <a:p>
+            <a:r>
+              <a:rPr lang="de-CH" noProof="0" dirty="0"/>
               <a:t>Der Effekt von Partnern ist nicht isoliert zu betrachten – Gleiches gilt für </a:t>
             </a:r>
             <a:r>
-              <a:rPr lang="de-CH" noProof="0" err="1"/>
+              <a:rPr lang="de-CH" noProof="0" dirty="0" err="1"/>
               <a:t>Contributors</a:t>
             </a:r>
             <a:r>
-              <a:rPr lang="de-CH" noProof="0"/>
+              <a:rPr lang="de-CH" noProof="0" dirty="0"/>
               <a:t>.</a:t>
             </a:r>
           </a:p>
           <a:p>
             <a:r>
-              <a:rPr lang="de-CH" noProof="0"/>
+              <a:rPr lang="de-CH" noProof="0" dirty="0"/>
               <a:t>Trotzdem zeigt sich klar die Tendenz: Mehr Partner/</a:t>
             </a:r>
             <a:r>
-              <a:rPr lang="de-CH" noProof="0" err="1"/>
+              <a:rPr lang="de-CH" noProof="0" dirty="0" err="1"/>
               <a:t>Contributors</a:t>
             </a:r>
             <a:r>
-              <a:rPr lang="de-CH" noProof="0"/>
+              <a:rPr lang="de-CH" noProof="0" dirty="0"/>
               <a:t> -&gt; mehr Erfolg. Auch wenn wenig Funding vorhanden ist, spricht eine hohe Anzahl Partner weiterhin für mehr Erfolg – einfach schwächer ausgeprägt.</a:t>
             </a:r>
             <a:br>
-              <a:rPr lang="de-CH" noProof="0"/>
+              <a:rPr lang="de-CH" noProof="0" dirty="0"/>
             </a:br>
-            <a:endParaRPr lang="de-CH" noProof="0"/>
-          </a:p>
-          <a:p>
-            <a:endParaRPr lang="de-CH" noProof="0"/>
-          </a:p>
-          <a:p>
-            <a:endParaRPr lang="de-CH" noProof="0"/>
+            <a:endParaRPr lang="de-CH" noProof="0" dirty="0"/>
+          </a:p>
+          <a:p>
+            <a:endParaRPr lang="de-CH" noProof="0" dirty="0"/>
+          </a:p>
+          <a:p>
+            <a:endParaRPr lang="de-CH" noProof="0" dirty="0"/>
           </a:p>
         </p:txBody>
       </p:sp>
@@ -20210,53 +16959,6 @@
           </a:p>
         </p:txBody>
       </p:sp>
-      <p:pic>
-        <p:nvPicPr>
-          <p:cNvPr id="1026" name="Picture 2" descr="Uploaded image">
-            <a:extLst>
-              <a:ext uri="{FF2B5EF4-FFF2-40B4-BE49-F238E27FC236}">
-                <a16:creationId xmlns:a16="http://schemas.microsoft.com/office/drawing/2014/main" id="{DFF53C44-4BCF-96B1-2B5B-5C648754C753}"/>
-              </a:ext>
-            </a:extLst>
-          </p:cNvPr>
-          <p:cNvPicPr>
-            <a:picLocks noChangeAspect="1" noChangeArrowheads="1"/>
-          </p:cNvPicPr>
-          <p:nvPr/>
-        </p:nvPicPr>
-        <p:blipFill>
-          <a:blip r:embed="rId2">
-            <a:extLst>
-              <a:ext uri="{28A0092B-C50C-407E-A947-70E740481C1C}">
-                <a14:useLocalDpi xmlns:a14="http://schemas.microsoft.com/office/drawing/2010/main" val="0"/>
-              </a:ext>
-            </a:extLst>
-          </a:blip>
-          <a:srcRect/>
-          <a:stretch>
-            <a:fillRect/>
-          </a:stretch>
-        </p:blipFill>
-        <p:spPr bwMode="auto">
-          <a:xfrm>
-            <a:off x="3534859" y="2371973"/>
-            <a:ext cx="3232200" cy="4249271"/>
-          </a:xfrm>
-          <a:prstGeom prst="rect">
-            <a:avLst/>
-          </a:prstGeom>
-          <a:noFill/>
-          <a:extLst>
-            <a:ext uri="{909E8E84-426E-40DD-AFC4-6F175D3DCCD1}">
-              <a14:hiddenFill xmlns:a14="http://schemas.microsoft.com/office/drawing/2010/main">
-                <a:solidFill>
-                  <a:srgbClr val="FFFFFF"/>
-                </a:solidFill>
-              </a14:hiddenFill>
-            </a:ext>
-          </a:extLst>
-        </p:spPr>
-      </p:pic>
       <p:sp>
         <p:nvSpPr>
           <p:cNvPr id="6" name="TextBox 5">
@@ -20272,7 +16974,7 @@
         <p:spPr>
           <a:xfrm>
             <a:off x="3534859" y="1315066"/>
-            <a:ext cx="2635623" cy="923330"/>
+            <a:ext cx="2906762" cy="923330"/>
           </a:xfrm>
           <a:prstGeom prst="rect">
             <a:avLst/>
@@ -20286,16 +16988,16 @@
           <a:lstStyle/>
           <a:p>
             <a:r>
-              <a:rPr lang="de-CH" noProof="0"/>
+              <a:rPr lang="de-CH" noProof="0" dirty="0"/>
               <a:t>Hier drückt </a:t>
             </a:r>
             <a:r>
-              <a:rPr lang="de-CH" noProof="0" err="1"/>
+              <a:rPr lang="de-CH" noProof="0" dirty="0" err="1"/>
               <a:t>NumPartners</a:t>
             </a:r>
             <a:r>
-              <a:rPr lang="de-CH" noProof="0"/>
-              <a:t> stark nach oben</a:t>
+              <a:rPr lang="de-CH" noProof="0" dirty="0"/>
+              <a:t> stärker nach oben, obwohl es weniger sind</a:t>
             </a:r>
           </a:p>
         </p:txBody>
@@ -20353,7 +17055,7 @@
           <p:nvPr/>
         </p:nvPicPr>
         <p:blipFill>
-          <a:blip r:embed="rId3"/>
+          <a:blip r:embed="rId2"/>
           <a:stretch>
             <a:fillRect/>
           </a:stretch>
@@ -20409,10 +17111,39 @@
       </p:sp>
       <p:pic>
         <p:nvPicPr>
-          <p:cNvPr id="14" name="Picture 13">
+          <p:cNvPr id="4" name="Grafik 3">
             <a:extLst>
               <a:ext uri="{FF2B5EF4-FFF2-40B4-BE49-F238E27FC236}">
-                <a16:creationId xmlns:a16="http://schemas.microsoft.com/office/drawing/2014/main" id="{EF3DDCB1-505B-9DFB-6DE4-98CEC7BCB44D}"/>
+                <a16:creationId xmlns:a16="http://schemas.microsoft.com/office/drawing/2014/main" id="{F51C95A5-D92A-5C3D-B2A1-E585812661F4}"/>
+              </a:ext>
+            </a:extLst>
+          </p:cNvPr>
+          <p:cNvPicPr>
+            <a:picLocks noChangeAspect="1"/>
+          </p:cNvPicPr>
+          <p:nvPr/>
+        </p:nvPicPr>
+        <p:blipFill>
+          <a:blip r:embed="rId3"/>
+          <a:srcRect r="46915"/>
+          <a:stretch/>
+        </p:blipFill>
+        <p:spPr>
+          <a:xfrm>
+            <a:off x="331688" y="2371974"/>
+            <a:ext cx="2778905" cy="4189410"/>
+          </a:xfrm>
+          <a:prstGeom prst="rect">
+            <a:avLst/>
+          </a:prstGeom>
+        </p:spPr>
+      </p:pic>
+      <p:pic>
+        <p:nvPicPr>
+          <p:cNvPr id="9" name="Grafik 8">
+            <a:extLst>
+              <a:ext uri="{FF2B5EF4-FFF2-40B4-BE49-F238E27FC236}">
+                <a16:creationId xmlns:a16="http://schemas.microsoft.com/office/drawing/2014/main" id="{D822A1C6-CEDC-F0D0-5510-26F2989D6B0C}"/>
               </a:ext>
             </a:extLst>
           </p:cNvPr>
@@ -20429,8 +17160,8 @@
         </p:blipFill>
         <p:spPr>
           <a:xfrm>
-            <a:off x="279306" y="2391692"/>
-            <a:ext cx="3224926" cy="3920208"/>
+            <a:off x="3534931" y="2371974"/>
+            <a:ext cx="2718911" cy="4104582"/>
           </a:xfrm>
           <a:prstGeom prst="rect">
             <a:avLst/>
@@ -22181,7 +18912,7 @@
           </p:nvPr>
         </p:nvPicPr>
         <p:blipFill>
-          <a:blip r:embed="rId2">
+          <a:blip r:embed="rId2" cstate="print">
             <a:extLst>
               <a:ext uri="{28A0092B-C50C-407E-A947-70E740481C1C}">
                 <a14:useLocalDpi xmlns:a14="http://schemas.microsoft.com/office/drawing/2010/main" val="0"/>
@@ -22214,7 +18945,7 @@
           <p:nvPr/>
         </p:nvPicPr>
         <p:blipFill>
-          <a:blip r:embed="rId3">
+          <a:blip r:embed="rId3" cstate="print">
             <a:extLst>
               <a:ext uri="{28A0092B-C50C-407E-A947-70E740481C1C}">
                 <a14:useLocalDpi xmlns:a14="http://schemas.microsoft.com/office/drawing/2010/main" val="0"/>
@@ -22508,7 +19239,7 @@
           </p:nvPr>
         </p:nvPicPr>
         <p:blipFill>
-          <a:blip r:embed="rId2">
+          <a:blip r:embed="rId2" cstate="print">
             <a:extLst>
               <a:ext uri="{28A0092B-C50C-407E-A947-70E740481C1C}">
                 <a14:useLocalDpi xmlns:a14="http://schemas.microsoft.com/office/drawing/2010/main" val="0"/>
@@ -22614,7 +19345,7 @@
           <p:nvPr/>
         </p:nvPicPr>
         <p:blipFill>
-          <a:blip r:embed="rId2">
+          <a:blip r:embed="rId2" cstate="print">
             <a:extLst>
               <a:ext uri="{28A0092B-C50C-407E-A947-70E740481C1C}">
                 <a14:useLocalDpi xmlns:a14="http://schemas.microsoft.com/office/drawing/2010/main" val="0"/>
@@ -23265,6 +19996,15 @@
 </file>
 
 <file path=customXml/item1.xml><?xml version="1.0" encoding="utf-8"?>
+<?mso-contentType ?>
+<FormTemplates xmlns="http://schemas.microsoft.com/sharepoint/v3/contenttype/forms">
+  <Display>DocumentLibraryForm</Display>
+  <Edit>DocumentLibraryForm</Edit>
+  <New>DocumentLibraryForm</New>
+</FormTemplates>
+</file>
+
+<file path=customXml/item2.xml><?xml version="1.0" encoding="utf-8"?>
 <ct:contentTypeSchema xmlns:ct="http://schemas.microsoft.com/office/2006/metadata/contentType" xmlns:ma="http://schemas.microsoft.com/office/2006/metadata/properties/metaAttributes" ct:_="" ma:_="" ma:contentTypeName="Dokument" ma:contentTypeID="0x010100DCE739724316454AA3672485459F1332" ma:contentTypeVersion="3" ma:contentTypeDescription="Ein neues Dokument erstellen." ma:contentTypeScope="" ma:versionID="7c50e8480f20c5bc5756446a7bed63e4">
   <xsd:schema xmlns:xsd="http://www.w3.org/2001/XMLSchema" xmlns:xs="http://www.w3.org/2001/XMLSchema" xmlns:p="http://schemas.microsoft.com/office/2006/metadata/properties" xmlns:ns2="5ad74086-d408-4f98-bfe0-7ad896b6e69a" targetNamespace="http://schemas.microsoft.com/office/2006/metadata/properties" ma:root="true" ma:fieldsID="43e49c4d77cc63fc5f0be22376f3c9fd" ns2:_="">
     <xsd:import namespace="5ad74086-d408-4f98-bfe0-7ad896b6e69a"/>
@@ -23402,22 +20142,21 @@
 </ct:contentTypeSchema>
 </file>
 
-<file path=customXml/item2.xml><?xml version="1.0" encoding="utf-8"?>
+<file path=customXml/item3.xml><?xml version="1.0" encoding="utf-8"?>
 <p:properties xmlns:p="http://schemas.microsoft.com/office/2006/metadata/properties" xmlns:xsi="http://www.w3.org/2001/XMLSchema-instance" xmlns:pc="http://schemas.microsoft.com/office/infopath/2007/PartnerControls">
   <documentManagement/>
 </p:properties>
 </file>
 
-<file path=customXml/item3.xml><?xml version="1.0" encoding="utf-8"?>
-<?mso-contentType ?>
-<FormTemplates xmlns="http://schemas.microsoft.com/sharepoint/v3/contenttype/forms">
-  <Display>DocumentLibraryForm</Display>
-  <Edit>DocumentLibraryForm</Edit>
-  <New>DocumentLibraryForm</New>
-</FormTemplates>
+<file path=customXml/itemProps1.xml><?xml version="1.0" encoding="utf-8"?>
+<ds:datastoreItem xmlns:ds="http://schemas.openxmlformats.org/officeDocument/2006/customXml" ds:itemID="{9182E4D4-0C1D-418C-82B6-6CEE3AA03AFB}">
+  <ds:schemaRefs>
+    <ds:schemaRef ds:uri="http://schemas.microsoft.com/sharepoint/v3/contenttype/forms"/>
+  </ds:schemaRefs>
+</ds:datastoreItem>
 </file>
 
-<file path=customXml/itemProps1.xml><?xml version="1.0" encoding="utf-8"?>
+<file path=customXml/itemProps2.xml><?xml version="1.0" encoding="utf-8"?>
 <ds:datastoreItem xmlns:ds="http://schemas.openxmlformats.org/officeDocument/2006/customXml" ds:itemID="{B3743A81-05E1-47A5-845C-6DF95A5A4099}">
   <ds:schemaRefs>
     <ds:schemaRef ds:uri="5ad74086-d408-4f98-bfe0-7ad896b6e69a"/>
@@ -23435,7 +20174,7 @@
 </ds:datastoreItem>
 </file>
 
-<file path=customXml/itemProps2.xml><?xml version="1.0" encoding="utf-8"?>
+<file path=customXml/itemProps3.xml><?xml version="1.0" encoding="utf-8"?>
 <ds:datastoreItem xmlns:ds="http://schemas.openxmlformats.org/officeDocument/2006/customXml" ds:itemID="{FDD960FB-180D-4742-AF18-EF3109E2712F}">
   <ds:schemaRefs>
     <ds:schemaRef ds:uri="5ad74086-d408-4f98-bfe0-7ad896b6e69a"/>
@@ -23449,12 +20188,4 @@
     <ds:schemaRef ds:uri="http://www.w3.org/XML/1998/namespace"/>
   </ds:schemaRefs>
 </ds:datastoreItem>
-</file>
-
-<file path=customXml/itemProps3.xml><?xml version="1.0" encoding="utf-8"?>
-<ds:datastoreItem xmlns:ds="http://schemas.openxmlformats.org/officeDocument/2006/customXml" ds:itemID="{9182E4D4-0C1D-418C-82B6-6CEE3AA03AFB}">
-  <ds:schemaRefs>
-    <ds:schemaRef ds:uri="http://schemas.microsoft.com/sharepoint/v3/contenttype/forms"/>
-  </ds:schemaRefs>
-</ds:datastoreItem>
 </file>
--- a/Abgabe ML Gruppe 2/Anhang Präsentation Grp 2.pptx
+++ b/Abgabe ML Gruppe 2/Anhang Präsentation Grp 2.pptx
@@ -13459,10 +13459,10 @@
       </p:sp>
       <p:pic>
         <p:nvPicPr>
-          <p:cNvPr id="6" name="Picture 5">
+          <p:cNvPr id="4" name="Grafik 3">
             <a:extLst>
               <a:ext uri="{FF2B5EF4-FFF2-40B4-BE49-F238E27FC236}">
-                <a16:creationId xmlns:a16="http://schemas.microsoft.com/office/drawing/2014/main" id="{04AC11FD-1268-2DF1-2520-90F53C385896}"/>
+                <a16:creationId xmlns:a16="http://schemas.microsoft.com/office/drawing/2014/main" id="{998672FC-C6DE-5505-ED06-F63C0BB4B7C8}"/>
               </a:ext>
             </a:extLst>
           </p:cNvPr>
@@ -13479,8 +13479,8 @@
         </p:blipFill>
         <p:spPr>
           <a:xfrm>
-            <a:off x="0" y="0"/>
-            <a:ext cx="8911771" cy="6859654"/>
+            <a:off x="87291" y="0"/>
+            <a:ext cx="9607215" cy="6858000"/>
           </a:xfrm>
           <a:prstGeom prst="rect">
             <a:avLst/>
@@ -19996,15 +19996,6 @@
 </file>
 
 <file path=customXml/item1.xml><?xml version="1.0" encoding="utf-8"?>
-<?mso-contentType ?>
-<FormTemplates xmlns="http://schemas.microsoft.com/sharepoint/v3/contenttype/forms">
-  <Display>DocumentLibraryForm</Display>
-  <Edit>DocumentLibraryForm</Edit>
-  <New>DocumentLibraryForm</New>
-</FormTemplates>
-</file>
-
-<file path=customXml/item2.xml><?xml version="1.0" encoding="utf-8"?>
 <ct:contentTypeSchema xmlns:ct="http://schemas.microsoft.com/office/2006/metadata/contentType" xmlns:ma="http://schemas.microsoft.com/office/2006/metadata/properties/metaAttributes" ct:_="" ma:_="" ma:contentTypeName="Dokument" ma:contentTypeID="0x010100DCE739724316454AA3672485459F1332" ma:contentTypeVersion="3" ma:contentTypeDescription="Ein neues Dokument erstellen." ma:contentTypeScope="" ma:versionID="7c50e8480f20c5bc5756446a7bed63e4">
   <xsd:schema xmlns:xsd="http://www.w3.org/2001/XMLSchema" xmlns:xs="http://www.w3.org/2001/XMLSchema" xmlns:p="http://schemas.microsoft.com/office/2006/metadata/properties" xmlns:ns2="5ad74086-d408-4f98-bfe0-7ad896b6e69a" targetNamespace="http://schemas.microsoft.com/office/2006/metadata/properties" ma:root="true" ma:fieldsID="43e49c4d77cc63fc5f0be22376f3c9fd" ns2:_="">
     <xsd:import namespace="5ad74086-d408-4f98-bfe0-7ad896b6e69a"/>
@@ -20142,21 +20133,22 @@
 </ct:contentTypeSchema>
 </file>
 
-<file path=customXml/item3.xml><?xml version="1.0" encoding="utf-8"?>
+<file path=customXml/item2.xml><?xml version="1.0" encoding="utf-8"?>
 <p:properties xmlns:p="http://schemas.microsoft.com/office/2006/metadata/properties" xmlns:xsi="http://www.w3.org/2001/XMLSchema-instance" xmlns:pc="http://schemas.microsoft.com/office/infopath/2007/PartnerControls">
   <documentManagement/>
 </p:properties>
 </file>
 
-<file path=customXml/itemProps1.xml><?xml version="1.0" encoding="utf-8"?>
-<ds:datastoreItem xmlns:ds="http://schemas.openxmlformats.org/officeDocument/2006/customXml" ds:itemID="{9182E4D4-0C1D-418C-82B6-6CEE3AA03AFB}">
-  <ds:schemaRefs>
-    <ds:schemaRef ds:uri="http://schemas.microsoft.com/sharepoint/v3/contenttype/forms"/>
-  </ds:schemaRefs>
-</ds:datastoreItem>
+<file path=customXml/item3.xml><?xml version="1.0" encoding="utf-8"?>
+<?mso-contentType ?>
+<FormTemplates xmlns="http://schemas.microsoft.com/sharepoint/v3/contenttype/forms">
+  <Display>DocumentLibraryForm</Display>
+  <Edit>DocumentLibraryForm</Edit>
+  <New>DocumentLibraryForm</New>
+</FormTemplates>
 </file>
 
-<file path=customXml/itemProps2.xml><?xml version="1.0" encoding="utf-8"?>
+<file path=customXml/itemProps1.xml><?xml version="1.0" encoding="utf-8"?>
 <ds:datastoreItem xmlns:ds="http://schemas.openxmlformats.org/officeDocument/2006/customXml" ds:itemID="{B3743A81-05E1-47A5-845C-6DF95A5A4099}">
   <ds:schemaRefs>
     <ds:schemaRef ds:uri="5ad74086-d408-4f98-bfe0-7ad896b6e69a"/>
@@ -20174,7 +20166,7 @@
 </ds:datastoreItem>
 </file>
 
-<file path=customXml/itemProps3.xml><?xml version="1.0" encoding="utf-8"?>
+<file path=customXml/itemProps2.xml><?xml version="1.0" encoding="utf-8"?>
 <ds:datastoreItem xmlns:ds="http://schemas.openxmlformats.org/officeDocument/2006/customXml" ds:itemID="{FDD960FB-180D-4742-AF18-EF3109E2712F}">
   <ds:schemaRefs>
     <ds:schemaRef ds:uri="5ad74086-d408-4f98-bfe0-7ad896b6e69a"/>
@@ -20188,4 +20180,12 @@
     <ds:schemaRef ds:uri="http://www.w3.org/XML/1998/namespace"/>
   </ds:schemaRefs>
 </ds:datastoreItem>
+</file>
+
+<file path=customXml/itemProps3.xml><?xml version="1.0" encoding="utf-8"?>
+<ds:datastoreItem xmlns:ds="http://schemas.openxmlformats.org/officeDocument/2006/customXml" ds:itemID="{9182E4D4-0C1D-418C-82B6-6CEE3AA03AFB}">
+  <ds:schemaRefs>
+    <ds:schemaRef ds:uri="http://schemas.microsoft.com/sharepoint/v3/contenttype/forms"/>
+  </ds:schemaRefs>
+</ds:datastoreItem>
 </file>
--- a/Abgabe ML Gruppe 2/Anhang Präsentation Grp 2.pptx
+++ b/Abgabe ML Gruppe 2/Anhang Präsentation Grp 2.pptx
@@ -6047,129 +6047,129 @@
           <a:lstStyle/>
           <a:p>
             <a:r>
-              <a:rPr lang="de-CH" sz="2000" noProof="0"/>
+              <a:rPr lang="de-CH" sz="2000" noProof="0" dirty="0"/>
               <a:t>01, 02 und 03 sind Input Daten (die zur Verfügung stehenden Datensätze)</a:t>
             </a:r>
           </a:p>
           <a:p>
             <a:r>
-              <a:rPr lang="de-CH" sz="2000" noProof="0"/>
+              <a:rPr lang="de-CH" sz="2000" noProof="0" dirty="0"/>
               <a:t>Clean 1</a:t>
             </a:r>
           </a:p>
           <a:p>
             <a:pPr lvl="1"/>
             <a:r>
-              <a:rPr lang="de-CH" sz="2000" b="1" noProof="0"/>
+              <a:rPr lang="de-CH" sz="2000" b="1" noProof="0" dirty="0"/>
               <a:t>Neue Features erstellt: </a:t>
             </a:r>
             <a:r>
-              <a:rPr lang="de-CH" sz="2000" noProof="0" err="1"/>
+              <a:rPr lang="de-CH" sz="2000" noProof="0" dirty="0" err="1"/>
               <a:t>Is_Successful</a:t>
             </a:r>
             <a:r>
-              <a:rPr lang="de-CH" sz="2000" noProof="0"/>
+              <a:rPr lang="de-CH" sz="2000" noProof="0" dirty="0"/>
               <a:t>, </a:t>
             </a:r>
             <a:r>
-              <a:rPr lang="de-CH" sz="2000" noProof="0" err="1"/>
+              <a:rPr lang="de-CH" sz="2000" noProof="0" dirty="0" err="1"/>
               <a:t>Company_id</a:t>
             </a:r>
-            <a:endParaRPr lang="de-CH" sz="2000" noProof="0"/>
+            <a:endParaRPr lang="de-CH" sz="2000" noProof="0" dirty="0"/>
           </a:p>
           <a:p>
             <a:pPr lvl="1"/>
             <a:r>
-              <a:rPr lang="de-CH" sz="2000" b="1" noProof="0"/>
+              <a:rPr lang="de-CH" sz="2000" b="1" noProof="0" dirty="0"/>
               <a:t>Gelöschte Features: </a:t>
             </a:r>
             <a:r>
-              <a:rPr lang="de-CH" sz="2000" noProof="0" err="1"/>
+              <a:rPr lang="de-CH" sz="2000" noProof="0" dirty="0" err="1"/>
               <a:t>zip_code</a:t>
             </a:r>
             <a:r>
-              <a:rPr lang="de-CH" sz="2000" noProof="0"/>
+              <a:rPr lang="de-CH" sz="2000" noProof="0" dirty="0"/>
               <a:t>, </a:t>
             </a:r>
             <a:r>
-              <a:rPr lang="de-CH" sz="2000" noProof="0" err="1"/>
+              <a:rPr lang="de-CH" sz="2000" noProof="0" dirty="0" err="1"/>
               <a:t>city</a:t>
             </a:r>
             <a:r>
-              <a:rPr lang="de-CH" sz="2000" noProof="0"/>
+              <a:rPr lang="de-CH" sz="2000" noProof="0" dirty="0"/>
               <a:t>, </a:t>
             </a:r>
             <a:r>
-              <a:rPr lang="de-CH" sz="2000" noProof="0" err="1"/>
+              <a:rPr lang="de-CH" sz="2000" noProof="0" dirty="0" err="1"/>
               <a:t>acquireDate</a:t>
             </a:r>
             <a:r>
-              <a:rPr lang="de-CH" sz="2000" noProof="0"/>
+              <a:rPr lang="de-CH" sz="2000" noProof="0" dirty="0"/>
               <a:t>, </a:t>
             </a:r>
             <a:r>
-              <a:rPr lang="de-CH" sz="2000" noProof="0" err="1"/>
+              <a:rPr lang="de-CH" sz="2000" noProof="0" dirty="0" err="1"/>
               <a:t>closedDate</a:t>
             </a:r>
             <a:r>
-              <a:rPr lang="de-CH" sz="2000" noProof="0"/>
+              <a:rPr lang="de-CH" sz="2000" noProof="0" dirty="0"/>
               <a:t>, </a:t>
             </a:r>
             <a:r>
-              <a:rPr lang="de-CH" sz="2000" noProof="0" err="1"/>
+              <a:rPr lang="de-CH" sz="2000" noProof="0" dirty="0" err="1"/>
               <a:t>id</a:t>
             </a:r>
             <a:r>
-              <a:rPr lang="de-CH" sz="2000" noProof="0"/>
+              <a:rPr lang="de-CH" sz="2000" noProof="0" dirty="0"/>
               <a:t>, </a:t>
             </a:r>
             <a:r>
-              <a:rPr lang="de-CH" sz="2000" noProof="0" err="1"/>
+              <a:rPr lang="de-CH" sz="2000" noProof="0" dirty="0" err="1"/>
               <a:t>object_id</a:t>
             </a:r>
             <a:r>
-              <a:rPr lang="de-CH" sz="2000" noProof="0"/>
+              <a:rPr lang="de-CH" sz="2000" noProof="0" dirty="0"/>
               <a:t>, </a:t>
             </a:r>
             <a:r>
-              <a:rPr lang="de-CH" sz="2000" noProof="0" err="1"/>
+              <a:rPr lang="de-CH" sz="2000" noProof="0" dirty="0" err="1"/>
               <a:t>OfficeAddress</a:t>
             </a:r>
             <a:r>
-              <a:rPr lang="de-CH" sz="2000" noProof="0"/>
+              <a:rPr lang="de-CH" sz="2000" noProof="0" dirty="0"/>
               <a:t>, </a:t>
             </a:r>
             <a:r>
-              <a:rPr lang="de-CH" sz="2000" noProof="0" err="1"/>
+              <a:rPr lang="de-CH" sz="2000" noProof="0" dirty="0" err="1"/>
               <a:t>longitude</a:t>
             </a:r>
             <a:r>
-              <a:rPr lang="de-CH" sz="2000" noProof="0"/>
+              <a:rPr lang="de-CH" sz="2000" noProof="0" dirty="0"/>
               <a:t>, </a:t>
             </a:r>
             <a:r>
-              <a:rPr lang="de-CH" sz="2000" noProof="0" err="1"/>
+              <a:rPr lang="de-CH" sz="2000" noProof="0" dirty="0" err="1"/>
               <a:t>latidude</a:t>
             </a:r>
             <a:r>
-              <a:rPr lang="de-CH" sz="2000" noProof="0"/>
+              <a:rPr lang="de-CH" sz="2000" noProof="0" dirty="0"/>
               <a:t>, Name, LocalCode:42</a:t>
             </a:r>
           </a:p>
           <a:p>
             <a:r>
-              <a:rPr lang="de-CH" sz="2000" noProof="0"/>
+              <a:rPr lang="de-CH" sz="2000" noProof="0" dirty="0"/>
               <a:t>Clean 2</a:t>
             </a:r>
           </a:p>
           <a:p>
             <a:pPr lvl="1"/>
             <a:r>
-              <a:rPr lang="de-CH" sz="2000" b="1" noProof="0"/>
+              <a:rPr lang="de-CH" sz="2000" b="1" noProof="0" dirty="0"/>
               <a:t>Neue Features erstellt: </a:t>
             </a:r>
             <a:r>
-              <a:rPr lang="de-CH" sz="2000" err="1">
+              <a:rPr lang="de-CH" sz="2000" dirty="0" err="1">
                 <a:effectLst/>
                 <a:ea typeface="Aptos" panose="020B0004020202020204" pitchFamily="34" charset="0"/>
                 <a:cs typeface="Times New Roman" panose="02020603050405020304" pitchFamily="18" charset="0"/>
@@ -6177,7 +6177,7 @@
               <a:t>got_funding_during_recession</a:t>
             </a:r>
             <a:r>
-              <a:rPr lang="de-CH" sz="2000">
+              <a:rPr lang="de-CH" sz="2000" dirty="0">
                 <a:effectLst/>
                 <a:ea typeface="Aptos" panose="020B0004020202020204" pitchFamily="34" charset="0"/>
                 <a:cs typeface="Times New Roman" panose="02020603050405020304" pitchFamily="18" charset="0"/>
@@ -6185,7 +6185,7 @@
               <a:t>, </a:t>
             </a:r>
             <a:r>
-              <a:rPr lang="de-CH" sz="2000" err="1">
+              <a:rPr lang="de-CH" sz="2000" dirty="0" err="1">
                 <a:effectLst/>
                 <a:ea typeface="Aptos" panose="020B0004020202020204" pitchFamily="34" charset="0"/>
                 <a:cs typeface="Times New Roman" panose="02020603050405020304" pitchFamily="18" charset="0"/>
@@ -6193,14 +6193,14 @@
               <a:t>biggest_funding_amount_share_of_total_funding</a:t>
             </a:r>
             <a:r>
-              <a:rPr lang="de-CH" sz="2000">
+              <a:rPr lang="de-CH" sz="2000" dirty="0">
                 <a:ea typeface="Aptos" panose="020B0004020202020204" pitchFamily="34" charset="0"/>
                 <a:cs typeface="Times New Roman" panose="02020603050405020304" pitchFamily="18" charset="0"/>
               </a:rPr>
               <a:t>, </a:t>
             </a:r>
             <a:r>
-              <a:rPr lang="de-CH" sz="2000" err="1">
+              <a:rPr lang="de-CH" sz="2000" dirty="0" err="1">
                 <a:effectLst/>
                 <a:ea typeface="Aptos" panose="020B0004020202020204" pitchFamily="34" charset="0"/>
                 <a:cs typeface="Times New Roman" panose="02020603050405020304" pitchFamily="18" charset="0"/>
@@ -6208,14 +6208,14 @@
               <a:t>biggest_funding_amount</a:t>
             </a:r>
             <a:r>
-              <a:rPr lang="de-CH" sz="2000">
+              <a:rPr lang="de-CH" sz="2000" dirty="0">
                 <a:ea typeface="Aptos" panose="020B0004020202020204" pitchFamily="34" charset="0"/>
                 <a:cs typeface="Times New Roman" panose="02020603050405020304" pitchFamily="18" charset="0"/>
               </a:rPr>
               <a:t>, </a:t>
             </a:r>
             <a:r>
-              <a:rPr lang="de-CH" sz="2000" err="1">
+              <a:rPr lang="de-CH" sz="2000" dirty="0" err="1">
                 <a:effectLst/>
                 <a:ea typeface="Aptos" panose="020B0004020202020204" pitchFamily="34" charset="0"/>
                 <a:cs typeface="Times New Roman" panose="02020603050405020304" pitchFamily="18" charset="0"/>
@@ -6223,14 +6223,14 @@
               <a:t>Funding_rounds</a:t>
             </a:r>
             <a:r>
-              <a:rPr lang="de-CH" sz="2000">
+              <a:rPr lang="de-CH" sz="2000" dirty="0">
                 <a:ea typeface="Aptos" panose="020B0004020202020204" pitchFamily="34" charset="0"/>
                 <a:cs typeface="Times New Roman" panose="02020603050405020304" pitchFamily="18" charset="0"/>
               </a:rPr>
               <a:t>, </a:t>
             </a:r>
             <a:r>
-              <a:rPr lang="de-CH" sz="2000" err="1">
+              <a:rPr lang="de-CH" sz="2000" dirty="0" err="1">
                 <a:effectLst/>
                 <a:ea typeface="Aptos" panose="020B0004020202020204" pitchFamily="34" charset="0"/>
                 <a:cs typeface="Times New Roman" panose="02020603050405020304" pitchFamily="18" charset="0"/>
@@ -6238,14 +6238,14 @@
               <a:t>average_funding_size</a:t>
             </a:r>
             <a:r>
-              <a:rPr lang="de-CH" sz="2000">
+              <a:rPr lang="de-CH" sz="2000" dirty="0">
                 <a:ea typeface="Aptos" panose="020B0004020202020204" pitchFamily="34" charset="0"/>
                 <a:cs typeface="Times New Roman" panose="02020603050405020304" pitchFamily="18" charset="0"/>
               </a:rPr>
               <a:t>, </a:t>
             </a:r>
             <a:r>
-              <a:rPr lang="de-CH" sz="2000" err="1">
+              <a:rPr lang="de-CH" sz="2000" dirty="0" err="1">
                 <a:effectLst/>
                 <a:ea typeface="Aptos" panose="020B0004020202020204" pitchFamily="34" charset="0"/>
                 <a:cs typeface="Times New Roman" panose="02020603050405020304" pitchFamily="18" charset="0"/>
@@ -6253,14 +6253,14 @@
               <a:t>First_funding_amount</a:t>
             </a:r>
             <a:r>
-              <a:rPr lang="de-CH" sz="2000">
+              <a:rPr lang="de-CH" sz="2000" dirty="0">
                 <a:ea typeface="Aptos" panose="020B0004020202020204" pitchFamily="34" charset="0"/>
                 <a:cs typeface="Times New Roman" panose="02020603050405020304" pitchFamily="18" charset="0"/>
               </a:rPr>
               <a:t>, </a:t>
             </a:r>
             <a:r>
-              <a:rPr lang="de-CH" sz="2000" err="1">
+              <a:rPr lang="de-CH" sz="2000" dirty="0" err="1">
                 <a:effectLst/>
                 <a:ea typeface="Aptos" panose="020B0004020202020204" pitchFamily="34" charset="0"/>
                 <a:cs typeface="Times New Roman" panose="02020603050405020304" pitchFamily="18" charset="0"/>
@@ -6268,7 +6268,7 @@
               <a:t>days_per_funding</a:t>
             </a:r>
             <a:r>
-              <a:rPr lang="de-CH" sz="2000">
+              <a:rPr lang="de-CH" sz="2000" dirty="0">
                 <a:effectLst/>
                 <a:ea typeface="Aptos" panose="020B0004020202020204" pitchFamily="34" charset="0"/>
                 <a:cs typeface="Times New Roman" panose="02020603050405020304" pitchFamily="18" charset="0"/>
@@ -6276,7 +6276,7 @@
               <a:t>, </a:t>
             </a:r>
             <a:r>
-              <a:rPr lang="de-CH" sz="2000" err="1">
+              <a:rPr lang="de-CH" sz="2000" dirty="0" err="1">
                 <a:effectLst/>
                 <a:ea typeface="Aptos" panose="020B0004020202020204" pitchFamily="34" charset="0"/>
                 <a:cs typeface="Times New Roman" panose="02020603050405020304" pitchFamily="18" charset="0"/>
@@ -6284,7 +6284,7 @@
               <a:t>funding_rounds</a:t>
             </a:r>
             <a:r>
-              <a:rPr lang="de-CH" sz="2000">
+              <a:rPr lang="de-CH" sz="2000" dirty="0">
                 <a:effectLst/>
                 <a:ea typeface="Aptos" panose="020B0004020202020204" pitchFamily="34" charset="0"/>
                 <a:cs typeface="Times New Roman" panose="02020603050405020304" pitchFamily="18" charset="0"/>
@@ -6292,7 +6292,7 @@
               <a:t>, </a:t>
             </a:r>
             <a:r>
-              <a:rPr lang="de-CH" sz="2000" err="1">
+              <a:rPr lang="de-CH" sz="2000" dirty="0" err="1">
                 <a:effectLst/>
                 <a:ea typeface="Aptos" panose="020B0004020202020204" pitchFamily="34" charset="0"/>
                 <a:cs typeface="Times New Roman" panose="02020603050405020304" pitchFamily="18" charset="0"/>
@@ -6300,7 +6300,7 @@
               <a:t>last_funding_date</a:t>
             </a:r>
             <a:r>
-              <a:rPr lang="de-CH" sz="2000">
+              <a:rPr lang="de-CH" sz="2000" dirty="0">
                 <a:effectLst/>
                 <a:ea typeface="Aptos" panose="020B0004020202020204" pitchFamily="34" charset="0"/>
                 <a:cs typeface="Times New Roman" panose="02020603050405020304" pitchFamily="18" charset="0"/>
@@ -6308,7 +6308,7 @@
               <a:t>, </a:t>
             </a:r>
             <a:r>
-              <a:rPr lang="de-CH" sz="2000" err="1">
+              <a:rPr lang="de-CH" sz="2000" dirty="0" err="1">
                 <a:effectLst/>
                 <a:ea typeface="Aptos" panose="020B0004020202020204" pitchFamily="34" charset="0"/>
                 <a:cs typeface="Times New Roman" panose="02020603050405020304" pitchFamily="18" charset="0"/>
@@ -6316,7 +6316,7 @@
               <a:t>funding_duration_days</a:t>
             </a:r>
             <a:r>
-              <a:rPr lang="de-CH" sz="2000">
+              <a:rPr lang="de-CH" sz="2000" dirty="0">
                 <a:effectLst/>
                 <a:ea typeface="Aptos" panose="020B0004020202020204" pitchFamily="34" charset="0"/>
                 <a:cs typeface="Times New Roman" panose="02020603050405020304" pitchFamily="18" charset="0"/>
@@ -6324,7 +6324,7 @@
               <a:t>, </a:t>
             </a:r>
             <a:r>
-              <a:rPr lang="de-CH" sz="2000" err="1">
+              <a:rPr lang="de-CH" sz="2000" dirty="0" err="1">
                 <a:effectLst/>
                 <a:ea typeface="Aptos" panose="020B0004020202020204" pitchFamily="34" charset="0"/>
                 <a:cs typeface="Times New Roman" panose="02020603050405020304" pitchFamily="18" charset="0"/>
@@ -6332,7 +6332,7 @@
               <a:t>last_funding_date</a:t>
             </a:r>
             <a:r>
-              <a:rPr lang="de-CH" sz="2000">
+              <a:rPr lang="de-CH" sz="2000" dirty="0">
                 <a:effectLst/>
                 <a:ea typeface="Aptos" panose="020B0004020202020204" pitchFamily="34" charset="0"/>
                 <a:cs typeface="Times New Roman" panose="02020603050405020304" pitchFamily="18" charset="0"/>
@@ -6340,7 +6340,7 @@
               <a:t>, </a:t>
             </a:r>
             <a:r>
-              <a:rPr lang="de-CH" sz="2000" err="1">
+              <a:rPr lang="de-CH" sz="2000" dirty="0" err="1">
                 <a:effectLst/>
                 <a:ea typeface="Aptos" panose="020B0004020202020204" pitchFamily="34" charset="0"/>
                 <a:cs typeface="Times New Roman" panose="02020603050405020304" pitchFamily="18" charset="0"/>
@@ -6348,7 +6348,7 @@
               <a:t>first_funding_date</a:t>
             </a:r>
             <a:r>
-              <a:rPr lang="de-CH" sz="2000">
+              <a:rPr lang="de-CH" sz="2000" dirty="0">
                 <a:effectLst/>
                 <a:ea typeface="Aptos" panose="020B0004020202020204" pitchFamily="34" charset="0"/>
                 <a:cs typeface="Times New Roman" panose="02020603050405020304" pitchFamily="18" charset="0"/>
@@ -6356,7 +6356,7 @@
               <a:t>, </a:t>
             </a:r>
             <a:r>
-              <a:rPr lang="de-CH" sz="2000" err="1">
+              <a:rPr lang="de-CH" sz="2000" dirty="0" err="1">
                 <a:effectLst/>
                 <a:ea typeface="Aptos" panose="020B0004020202020204" pitchFamily="34" charset="0"/>
                 <a:cs typeface="Times New Roman" panose="02020603050405020304" pitchFamily="18" charset="0"/>
@@ -6364,7 +6364,7 @@
               <a:t>Funding_total</a:t>
             </a:r>
             <a:r>
-              <a:rPr lang="de-CH" sz="2000">
+              <a:rPr lang="de-CH" sz="2000" dirty="0">
                 <a:effectLst/>
                 <a:ea typeface="Aptos" panose="020B0004020202020204" pitchFamily="34" charset="0"/>
                 <a:cs typeface="Times New Roman" panose="02020603050405020304" pitchFamily="18" charset="0"/>
@@ -6372,23 +6372,23 @@
               <a:t>, </a:t>
             </a:r>
             <a:r>
-              <a:rPr lang="de-CH" sz="2000" err="1">
+              <a:rPr lang="de-CH" sz="2000" dirty="0" err="1">
                 <a:effectLst/>
                 <a:ea typeface="Aptos" panose="020B0004020202020204" pitchFamily="34" charset="0"/>
                 <a:cs typeface="Times New Roman" panose="02020603050405020304" pitchFamily="18" charset="0"/>
               </a:rPr>
               <a:t>company_id_funding</a:t>
             </a:r>
-            <a:endParaRPr lang="de-CH" sz="2000" noProof="0"/>
+            <a:endParaRPr lang="de-CH" sz="2000" noProof="0" dirty="0"/>
           </a:p>
           <a:p>
             <a:pPr lvl="1"/>
             <a:r>
-              <a:rPr lang="de-CH" sz="2000" b="1" noProof="0"/>
+              <a:rPr lang="de-CH" sz="2000" b="1" noProof="0" dirty="0"/>
               <a:t>Geänderte Features: </a:t>
             </a:r>
             <a:r>
-              <a:rPr lang="de-CH" sz="2000" err="1">
+              <a:rPr lang="de-CH" sz="2000" dirty="0" err="1">
                 <a:effectLst/>
                 <a:ea typeface="Aptos" panose="020B0004020202020204" pitchFamily="34" charset="0"/>
                 <a:cs typeface="Times New Roman" panose="02020603050405020304" pitchFamily="18" charset="0"/>
@@ -6396,7 +6396,7 @@
               <a:t>days_per_funding</a:t>
             </a:r>
             <a:r>
-              <a:rPr lang="de-CH" sz="2000">
+              <a:rPr lang="de-CH" sz="2000" dirty="0">
                 <a:effectLst/>
                 <a:ea typeface="Aptos" panose="020B0004020202020204" pitchFamily="34" charset="0"/>
                 <a:cs typeface="Times New Roman" panose="02020603050405020304" pitchFamily="18" charset="0"/>
@@ -6404,7 +6404,7 @@
               <a:t>, </a:t>
             </a:r>
             <a:r>
-              <a:rPr lang="de-CH" sz="2000" err="1">
+              <a:rPr lang="de-CH" sz="2000" dirty="0" err="1">
                 <a:effectLst/>
                 <a:ea typeface="Aptos" panose="020B0004020202020204" pitchFamily="34" charset="0"/>
                 <a:cs typeface="Times New Roman" panose="02020603050405020304" pitchFamily="18" charset="0"/>
@@ -6412,23 +6412,23 @@
               <a:t>average_funding_size</a:t>
             </a:r>
             <a:r>
-              <a:rPr lang="de-CH" sz="2000">
+              <a:rPr lang="de-CH" sz="2000" dirty="0">
                 <a:effectLst/>
                 <a:ea typeface="Aptos" panose="020B0004020202020204" pitchFamily="34" charset="0"/>
                 <a:cs typeface="Times New Roman" panose="02020603050405020304" pitchFamily="18" charset="0"/>
               </a:rPr>
               <a:t> </a:t>
             </a:r>
-            <a:endParaRPr lang="de-CH" sz="2000" noProof="0"/>
+            <a:endParaRPr lang="de-CH" sz="2000" noProof="0" dirty="0"/>
           </a:p>
           <a:p>
             <a:pPr lvl="1"/>
             <a:r>
-              <a:rPr lang="de-CH" sz="2000" b="1" noProof="0"/>
+              <a:rPr lang="de-CH" sz="2000" b="1" noProof="0" dirty="0"/>
               <a:t>Gelöschte Features: </a:t>
             </a:r>
             <a:r>
-              <a:rPr lang="de-CH" sz="2000" kern="100" err="1">
+              <a:rPr lang="de-CH" sz="2000" kern="100" dirty="0" err="1">
                 <a:effectLst/>
                 <a:ea typeface="Aptos" panose="020B0004020202020204" pitchFamily="34" charset="0"/>
                 <a:cs typeface="Times New Roman" panose="02020603050405020304" pitchFamily="18" charset="0"/>
@@ -6436,7 +6436,7 @@
               <a:t>round_date</a:t>
             </a:r>
             <a:r>
-              <a:rPr lang="de-CH" sz="2000" kern="100">
+              <a:rPr lang="de-CH" sz="2000" kern="100" dirty="0">
                 <a:effectLst/>
                 <a:ea typeface="Aptos" panose="020B0004020202020204" pitchFamily="34" charset="0"/>
                 <a:cs typeface="Times New Roman" panose="02020603050405020304" pitchFamily="18" charset="0"/>
@@ -6444,7 +6444,7 @@
               <a:t>, </a:t>
             </a:r>
             <a:r>
-              <a:rPr lang="de-CH" sz="2000" kern="100" err="1">
+              <a:rPr lang="de-CH" sz="2000" kern="100" dirty="0" err="1">
                 <a:effectLst/>
                 <a:ea typeface="Aptos" panose="020B0004020202020204" pitchFamily="34" charset="0"/>
                 <a:cs typeface="Times New Roman" panose="02020603050405020304" pitchFamily="18" charset="0"/>
@@ -6452,14 +6452,14 @@
               <a:t>funding_rounds</a:t>
             </a:r>
             <a:r>
-              <a:rPr lang="de-CH" sz="2000" kern="100">
+              <a:rPr lang="de-CH" sz="2000" kern="100" dirty="0">
                 <a:ea typeface="Aptos" panose="020B0004020202020204" pitchFamily="34" charset="0"/>
                 <a:cs typeface="Times New Roman" panose="02020603050405020304" pitchFamily="18" charset="0"/>
               </a:rPr>
               <a:t>, </a:t>
             </a:r>
             <a:r>
-              <a:rPr lang="de-CH" sz="2000" kern="100" err="1">
+              <a:rPr lang="de-CH" sz="2000" kern="100" dirty="0" err="1">
                 <a:effectLst/>
                 <a:ea typeface="Aptos" panose="020B0004020202020204" pitchFamily="34" charset="0"/>
                 <a:cs typeface="Times New Roman" panose="02020603050405020304" pitchFamily="18" charset="0"/>
@@ -6467,21 +6467,21 @@
               <a:t>round_nr</a:t>
             </a:r>
             <a:r>
-              <a:rPr lang="de-CH" sz="2000" kern="100">
+              <a:rPr lang="de-CH" sz="2000" kern="100" dirty="0">
                 <a:ea typeface="Aptos" panose="020B0004020202020204" pitchFamily="34" charset="0"/>
                 <a:cs typeface="Times New Roman" panose="02020603050405020304" pitchFamily="18" charset="0"/>
               </a:rPr>
               <a:t>, </a:t>
             </a:r>
             <a:r>
-              <a:rPr lang="de-CH" sz="2000" kern="100" err="1">
+              <a:rPr lang="de-CH" sz="2000" kern="100" dirty="0" err="1">
                 <a:effectLst/>
                 <a:ea typeface="Aptos" panose="020B0004020202020204" pitchFamily="34" charset="0"/>
                 <a:cs typeface="Times New Roman" panose="02020603050405020304" pitchFamily="18" charset="0"/>
               </a:rPr>
               <a:t>company_id</a:t>
             </a:r>
-            <a:endParaRPr lang="de-CH" sz="2000" kern="100">
+            <a:endParaRPr lang="de-CH" sz="2000" kern="100" dirty="0">
               <a:effectLst/>
               <a:ea typeface="Aptos" panose="020B0004020202020204" pitchFamily="34" charset="0"/>
               <a:cs typeface="Times New Roman" panose="02020603050405020304" pitchFamily="18" charset="0"/>
@@ -6489,13 +6489,13 @@
           </a:p>
           <a:p>
             <a:pPr lvl="1"/>
-            <a:endParaRPr lang="de-CH" sz="2000" noProof="0"/>
+            <a:endParaRPr lang="de-CH" sz="2000" noProof="0" dirty="0"/>
           </a:p>
           <a:p>
             <a:pPr marL="457200" lvl="1" indent="0">
               <a:buNone/>
             </a:pPr>
-            <a:endParaRPr lang="de-CH" sz="2000" noProof="0"/>
+            <a:endParaRPr lang="de-CH" sz="2000" noProof="0" dirty="0"/>
           </a:p>
         </p:txBody>
       </p:sp>
@@ -6595,44 +6595,44 @@
           <a:lstStyle/>
           <a:p>
             <a:r>
-              <a:rPr lang="de-CH" sz="1700" noProof="0"/>
+              <a:rPr lang="de-CH" sz="1700" noProof="0" dirty="0"/>
               <a:t>Aggregate 1</a:t>
             </a:r>
           </a:p>
           <a:p>
             <a:pPr lvl="1"/>
             <a:r>
-              <a:rPr lang="de-CH" sz="1700" b="1"/>
+              <a:rPr lang="de-CH" sz="1700" b="1" dirty="0"/>
               <a:t>Geändert: </a:t>
             </a:r>
             <a:r>
-              <a:rPr lang="de-CH" sz="1700" err="1"/>
+              <a:rPr lang="de-CH" sz="1700" dirty="0" err="1"/>
               <a:t>last_funding_date</a:t>
             </a:r>
             <a:r>
-              <a:rPr lang="de-CH" sz="1700"/>
+              <a:rPr lang="de-CH" sz="1700" dirty="0"/>
               <a:t>, </a:t>
             </a:r>
             <a:r>
-              <a:rPr lang="de-CH" sz="1700" err="1"/>
+              <a:rPr lang="de-CH" sz="1700" dirty="0" err="1"/>
               <a:t>first_funding_date</a:t>
             </a:r>
-            <a:endParaRPr lang="de-CH" sz="1700" noProof="0"/>
-          </a:p>
-          <a:p>
-            <a:r>
-              <a:rPr lang="de-CH" sz="1700" noProof="0"/>
+            <a:endParaRPr lang="de-CH" sz="1700" noProof="0" dirty="0"/>
+          </a:p>
+          <a:p>
+            <a:r>
+              <a:rPr lang="de-CH" sz="1700" noProof="0" dirty="0"/>
               <a:t>Clean 3</a:t>
             </a:r>
           </a:p>
           <a:p>
             <a:pPr lvl="1"/>
             <a:r>
-              <a:rPr lang="de-CH" sz="1700" b="1" noProof="0"/>
+              <a:rPr lang="de-CH" sz="1700" b="1" noProof="0" dirty="0"/>
               <a:t>Neue Features erstellt: </a:t>
             </a:r>
             <a:r>
-              <a:rPr lang="de-CH" sz="1700" err="1">
+              <a:rPr lang="de-CH" sz="1700" dirty="0" err="1">
                 <a:effectLst/>
                 <a:ea typeface="Aptos" panose="020B0004020202020204" pitchFamily="34" charset="0"/>
                 <a:cs typeface="Times New Roman" panose="02020603050405020304" pitchFamily="18" charset="0"/>
@@ -6640,7 +6640,7 @@
               <a:t>average_days_per_milestone</a:t>
             </a:r>
             <a:r>
-              <a:rPr lang="de-CH" sz="1700">
+              <a:rPr lang="de-CH" sz="1700" dirty="0">
                 <a:effectLst/>
                 <a:ea typeface="Aptos" panose="020B0004020202020204" pitchFamily="34" charset="0"/>
                 <a:cs typeface="Times New Roman" panose="02020603050405020304" pitchFamily="18" charset="0"/>
@@ -6648,7 +6648,7 @@
               <a:t>, </a:t>
             </a:r>
             <a:r>
-              <a:rPr lang="de-CH" sz="1700" err="1">
+              <a:rPr lang="de-CH" sz="1700" dirty="0" err="1">
                 <a:effectLst/>
                 <a:ea typeface="Aptos" panose="020B0004020202020204" pitchFamily="34" charset="0"/>
                 <a:cs typeface="Times New Roman" panose="02020603050405020304" pitchFamily="18" charset="0"/>
@@ -6656,7 +6656,7 @@
               <a:t>days_from_first_to_last_milestone</a:t>
             </a:r>
             <a:r>
-              <a:rPr lang="de-CH" sz="1700">
+              <a:rPr lang="de-CH" sz="1700" dirty="0">
                 <a:effectLst/>
                 <a:ea typeface="Aptos" panose="020B0004020202020204" pitchFamily="34" charset="0"/>
                 <a:cs typeface="Times New Roman" panose="02020603050405020304" pitchFamily="18" charset="0"/>
@@ -6664,7 +6664,7 @@
               <a:t>, </a:t>
             </a:r>
             <a:r>
-              <a:rPr lang="de-CH" sz="1700" err="1">
+              <a:rPr lang="de-CH" sz="1700" dirty="0" err="1">
                 <a:effectLst/>
                 <a:ea typeface="Aptos" panose="020B0004020202020204" pitchFamily="34" charset="0"/>
                 <a:cs typeface="Times New Roman" panose="02020603050405020304" pitchFamily="18" charset="0"/>
@@ -6672,7 +6672,7 @@
               <a:t>last_milestone</a:t>
             </a:r>
             <a:r>
-              <a:rPr lang="de-CH" sz="1700">
+              <a:rPr lang="de-CH" sz="1700" dirty="0">
                 <a:effectLst/>
                 <a:ea typeface="Aptos" panose="020B0004020202020204" pitchFamily="34" charset="0"/>
                 <a:cs typeface="Times New Roman" panose="02020603050405020304" pitchFamily="18" charset="0"/>
@@ -6680,7 +6680,7 @@
               <a:t>, </a:t>
             </a:r>
             <a:r>
-              <a:rPr lang="de-CH" sz="1700" err="1">
+              <a:rPr lang="de-CH" sz="1700" dirty="0" err="1">
                 <a:effectLst/>
                 <a:ea typeface="Aptos" panose="020B0004020202020204" pitchFamily="34" charset="0"/>
                 <a:cs typeface="Times New Roman" panose="02020603050405020304" pitchFamily="18" charset="0"/>
@@ -6688,7 +6688,7 @@
               <a:t>first_milestone</a:t>
             </a:r>
             <a:r>
-              <a:rPr lang="de-CH" sz="1700">
+              <a:rPr lang="de-CH" sz="1700" dirty="0">
                 <a:effectLst/>
                 <a:ea typeface="Aptos" panose="020B0004020202020204" pitchFamily="34" charset="0"/>
                 <a:cs typeface="Times New Roman" panose="02020603050405020304" pitchFamily="18" charset="0"/>
@@ -6696,7 +6696,7 @@
               <a:t>, </a:t>
             </a:r>
             <a:r>
-              <a:rPr lang="de-CH" sz="1700" err="1">
+              <a:rPr lang="de-CH" sz="1700" dirty="0" err="1">
                 <a:effectLst/>
                 <a:ea typeface="Aptos" panose="020B0004020202020204" pitchFamily="34" charset="0"/>
                 <a:cs typeface="Times New Roman" panose="02020603050405020304" pitchFamily="18" charset="0"/>
@@ -6704,7 +6704,7 @@
               <a:t>company_id_milestones</a:t>
             </a:r>
             <a:r>
-              <a:rPr lang="de-CH" sz="1700">
+              <a:rPr lang="de-CH" sz="1700" dirty="0">
                 <a:effectLst/>
                 <a:ea typeface="Aptos" panose="020B0004020202020204" pitchFamily="34" charset="0"/>
                 <a:cs typeface="Times New Roman" panose="02020603050405020304" pitchFamily="18" charset="0"/>
@@ -6712,23 +6712,23 @@
               <a:t>, </a:t>
             </a:r>
             <a:r>
-              <a:rPr lang="de-CH" sz="1700" err="1">
+              <a:rPr lang="de-CH" sz="1700" dirty="0" err="1">
                 <a:effectLst/>
                 <a:ea typeface="Aptos" panose="020B0004020202020204" pitchFamily="34" charset="0"/>
                 <a:cs typeface="Times New Roman" panose="02020603050405020304" pitchFamily="18" charset="0"/>
               </a:rPr>
               <a:t>amount_milestones</a:t>
             </a:r>
-            <a:endParaRPr lang="de-CH" sz="1700" noProof="0"/>
+            <a:endParaRPr lang="de-CH" sz="1700" noProof="0" dirty="0"/>
           </a:p>
           <a:p>
             <a:pPr lvl="1"/>
             <a:r>
-              <a:rPr lang="de-CH" sz="1700" b="1" noProof="0"/>
+              <a:rPr lang="de-CH" sz="1700" b="1" noProof="0" dirty="0"/>
               <a:t>Geänderte Features: </a:t>
             </a:r>
             <a:r>
-              <a:rPr lang="de-CH" sz="1700" err="1">
+              <a:rPr lang="de-CH" sz="1700" dirty="0" err="1">
                 <a:effectLst/>
                 <a:ea typeface="Aptos" panose="020B0004020202020204" pitchFamily="34" charset="0"/>
                 <a:cs typeface="Times New Roman" panose="02020603050405020304" pitchFamily="18" charset="0"/>
@@ -6736,23 +6736,23 @@
               <a:t>average_days_per_milestone</a:t>
             </a:r>
             <a:r>
-              <a:rPr lang="de-CH" sz="1700">
+              <a:rPr lang="de-CH" sz="1700" dirty="0">
                 <a:effectLst/>
                 <a:ea typeface="Aptos" panose="020B0004020202020204" pitchFamily="34" charset="0"/>
                 <a:cs typeface="Times New Roman" panose="02020603050405020304" pitchFamily="18" charset="0"/>
               </a:rPr>
               <a:t> </a:t>
             </a:r>
-            <a:endParaRPr lang="de-CH" sz="1700" noProof="0"/>
+            <a:endParaRPr lang="de-CH" sz="1700" noProof="0" dirty="0"/>
           </a:p>
           <a:p>
             <a:pPr lvl="1"/>
             <a:r>
-              <a:rPr lang="de-CH" sz="1700" b="1" noProof="0"/>
+              <a:rPr lang="de-CH" sz="1700" b="1" noProof="0" dirty="0"/>
               <a:t>Gelöschte Features: </a:t>
             </a:r>
             <a:r>
-              <a:rPr lang="de-CH" sz="1700" kern="100" err="1">
+              <a:rPr lang="de-CH" sz="1700" kern="100" dirty="0" err="1">
                 <a:effectLst/>
                 <a:ea typeface="Aptos" panose="020B0004020202020204" pitchFamily="34" charset="0"/>
                 <a:cs typeface="Times New Roman" panose="02020603050405020304" pitchFamily="18" charset="0"/>
@@ -6760,7 +6760,7 @@
               <a:t>milestone_date</a:t>
             </a:r>
             <a:r>
-              <a:rPr lang="de-CH" sz="1700" kern="100">
+              <a:rPr lang="de-CH" sz="1700" kern="100" dirty="0">
                 <a:effectLst/>
                 <a:ea typeface="Aptos" panose="020B0004020202020204" pitchFamily="34" charset="0"/>
                 <a:cs typeface="Times New Roman" panose="02020603050405020304" pitchFamily="18" charset="0"/>
@@ -6768,7 +6768,7 @@
               <a:t>, </a:t>
             </a:r>
             <a:r>
-              <a:rPr lang="de-CH" sz="1700" kern="100" err="1">
+              <a:rPr lang="de-CH" sz="1700" kern="100" dirty="0" err="1">
                 <a:effectLst/>
                 <a:ea typeface="Aptos" panose="020B0004020202020204" pitchFamily="34" charset="0"/>
                 <a:cs typeface="Times New Roman" panose="02020603050405020304" pitchFamily="18" charset="0"/>
@@ -6776,14 +6776,14 @@
               <a:t>first_milestone</a:t>
             </a:r>
             <a:r>
-              <a:rPr lang="de-CH" sz="1700" kern="100">
+              <a:rPr lang="de-CH" sz="1700" kern="100" dirty="0">
                 <a:ea typeface="Aptos" panose="020B0004020202020204" pitchFamily="34" charset="0"/>
                 <a:cs typeface="Times New Roman" panose="02020603050405020304" pitchFamily="18" charset="0"/>
               </a:rPr>
               <a:t>, </a:t>
             </a:r>
             <a:r>
-              <a:rPr lang="de-CH" sz="1700" kern="100" err="1">
+              <a:rPr lang="de-CH" sz="1700" kern="100" dirty="0" err="1">
                 <a:effectLst/>
                 <a:ea typeface="Aptos" panose="020B0004020202020204" pitchFamily="34" charset="0"/>
                 <a:cs typeface="Times New Roman" panose="02020603050405020304" pitchFamily="18" charset="0"/>
@@ -6791,14 +6791,14 @@
               <a:t>last_milestone</a:t>
             </a:r>
             <a:r>
-              <a:rPr lang="de-CH" sz="1700" kern="100">
+              <a:rPr lang="de-CH" sz="1700" kern="100" dirty="0">
                 <a:ea typeface="Aptos" panose="020B0004020202020204" pitchFamily="34" charset="0"/>
                 <a:cs typeface="Times New Roman" panose="02020603050405020304" pitchFamily="18" charset="0"/>
               </a:rPr>
               <a:t>, </a:t>
             </a:r>
             <a:r>
-              <a:rPr lang="de-CH" sz="1700" kern="100" err="1">
+              <a:rPr lang="de-CH" sz="1700" kern="100" dirty="0" err="1">
                 <a:effectLst/>
                 <a:ea typeface="Aptos" panose="020B0004020202020204" pitchFamily="34" charset="0"/>
                 <a:cs typeface="Times New Roman" panose="02020603050405020304" pitchFamily="18" charset="0"/>
@@ -6806,7 +6806,7 @@
               <a:t>milestone_nr</a:t>
             </a:r>
             <a:r>
-              <a:rPr lang="de-CH" sz="1700" kern="100">
+              <a:rPr lang="de-CH" sz="1700" kern="100" dirty="0">
                 <a:effectLst/>
                 <a:ea typeface="Aptos" panose="020B0004020202020204" pitchFamily="34" charset="0"/>
                 <a:cs typeface="Times New Roman" panose="02020603050405020304" pitchFamily="18" charset="0"/>
@@ -6814,14 +6814,14 @@
               <a:t>, </a:t>
             </a:r>
             <a:r>
-              <a:rPr lang="de-CH" sz="1700" kern="100" err="1">
+              <a:rPr lang="de-CH" sz="1700" kern="100" dirty="0" err="1">
                 <a:effectLst/>
                 <a:ea typeface="Aptos" panose="020B0004020202020204" pitchFamily="34" charset="0"/>
                 <a:cs typeface="Times New Roman" panose="02020603050405020304" pitchFamily="18" charset="0"/>
               </a:rPr>
               <a:t>company_id</a:t>
             </a:r>
-            <a:endParaRPr lang="de-CH" sz="1700" kern="100">
+            <a:endParaRPr lang="de-CH" sz="1700" kern="100" dirty="0">
               <a:effectLst/>
               <a:ea typeface="Aptos" panose="020B0004020202020204" pitchFamily="34" charset="0"/>
               <a:cs typeface="Times New Roman" panose="02020603050405020304" pitchFamily="18" charset="0"/>
@@ -6829,23 +6829,23 @@
           </a:p>
           <a:p>
             <a:r>
-              <a:rPr lang="de-CH" sz="1700" noProof="0"/>
+              <a:rPr lang="de-CH" sz="1700" noProof="0" dirty="0"/>
               <a:t>Clean </a:t>
             </a:r>
             <a:r>
-              <a:rPr lang="de-CH" sz="1700"/>
+              <a:rPr lang="de-CH" sz="1700" dirty="0"/>
               <a:t>4</a:t>
             </a:r>
-            <a:endParaRPr lang="de-CH" sz="1700" noProof="0"/>
+            <a:endParaRPr lang="de-CH" sz="1700" noProof="0" dirty="0"/>
           </a:p>
           <a:p>
             <a:pPr lvl="1"/>
             <a:r>
-              <a:rPr lang="de-CH" sz="1700" b="1" noProof="0"/>
+              <a:rPr lang="de-CH" sz="1700" b="1" noProof="0" dirty="0"/>
               <a:t>Neue Features erstellt: </a:t>
             </a:r>
             <a:r>
-              <a:rPr lang="de-CH" sz="1700">
+              <a:rPr lang="de-CH" sz="1700" dirty="0">
                 <a:effectLst/>
                 <a:ea typeface="Aptos" panose="020B0004020202020204" pitchFamily="34" charset="0"/>
                 <a:cs typeface="Times New Roman" panose="02020603050405020304" pitchFamily="18" charset="0"/>
@@ -6853,7 +6853,7 @@
               <a:t>age_2014_in_years, </a:t>
             </a:r>
             <a:r>
-              <a:rPr lang="de-CH" sz="1700" kern="100" err="1">
+              <a:rPr lang="de-CH" sz="1700" kern="100" dirty="0" err="1">
                 <a:effectLst/>
                 <a:ea typeface="Aptos" panose="020B0004020202020204" pitchFamily="34" charset="0"/>
                 <a:cs typeface="Times New Roman" panose="02020603050405020304" pitchFamily="18" charset="0"/>
@@ -6861,14 +6861,14 @@
               <a:t>is_founding_year_recession_year</a:t>
             </a:r>
             <a:r>
-              <a:rPr lang="de-CH" sz="1700" kern="100">
+              <a:rPr lang="de-CH" sz="1700" kern="100" dirty="0">
                 <a:ea typeface="Aptos" panose="020B0004020202020204" pitchFamily="34" charset="0"/>
                 <a:cs typeface="Times New Roman" panose="02020603050405020304" pitchFamily="18" charset="0"/>
               </a:rPr>
               <a:t>, </a:t>
             </a:r>
             <a:r>
-              <a:rPr lang="de-CH" sz="1700" err="1">
+              <a:rPr lang="de-CH" sz="1700" dirty="0" err="1">
                 <a:effectLst/>
                 <a:ea typeface="Aptos" panose="020B0004020202020204" pitchFamily="34" charset="0"/>
                 <a:cs typeface="Times New Roman" panose="02020603050405020304" pitchFamily="18" charset="0"/>
@@ -6876,7 +6876,7 @@
               <a:t>founding_year</a:t>
             </a:r>
             <a:r>
-              <a:rPr lang="de-CH" sz="1700">
+              <a:rPr lang="de-CH" sz="1700" dirty="0">
                 <a:effectLst/>
                 <a:ea typeface="Aptos" panose="020B0004020202020204" pitchFamily="34" charset="0"/>
                 <a:cs typeface="Times New Roman" panose="02020603050405020304" pitchFamily="18" charset="0"/>
@@ -6884,7 +6884,7 @@
               <a:t>, </a:t>
             </a:r>
             <a:r>
-              <a:rPr lang="de-CH" sz="1700" kern="100" err="1">
+              <a:rPr lang="de-CH" sz="1700" kern="100" dirty="0" err="1">
                 <a:effectLst/>
                 <a:ea typeface="Aptos" panose="020B0004020202020204" pitchFamily="34" charset="0"/>
                 <a:cs typeface="Times New Roman" panose="02020603050405020304" pitchFamily="18" charset="0"/>
@@ -6892,7 +6892,7 @@
               <a:t>biggest_funding_amount_share_of_total_funding</a:t>
             </a:r>
             <a:r>
-              <a:rPr lang="de-CH" sz="1700" kern="100">
+              <a:rPr lang="de-CH" sz="1700" kern="100" dirty="0">
                 <a:effectLst/>
                 <a:ea typeface="Aptos" panose="020B0004020202020204" pitchFamily="34" charset="0"/>
                 <a:cs typeface="Times New Roman" panose="02020603050405020304" pitchFamily="18" charset="0"/>
@@ -6900,7 +6900,7 @@
               <a:t>_%, </a:t>
             </a:r>
             <a:r>
-              <a:rPr lang="de-CH" sz="1700" err="1">
+              <a:rPr lang="de-CH" sz="1700" dirty="0" err="1">
                 <a:effectLst/>
                 <a:ea typeface="Aptos" panose="020B0004020202020204" pitchFamily="34" charset="0"/>
                 <a:cs typeface="Times New Roman" panose="02020603050405020304" pitchFamily="18" charset="0"/>
@@ -6908,7 +6908,7 @@
               <a:t>amount_milestones_corrected</a:t>
             </a:r>
             <a:r>
-              <a:rPr lang="de-CH" sz="1700">
+              <a:rPr lang="de-CH" sz="1700" dirty="0">
                 <a:effectLst/>
                 <a:ea typeface="Aptos" panose="020B0004020202020204" pitchFamily="34" charset="0"/>
                 <a:cs typeface="Times New Roman" panose="02020603050405020304" pitchFamily="18" charset="0"/>
@@ -6916,7 +6916,7 @@
               <a:t>, </a:t>
             </a:r>
             <a:r>
-              <a:rPr lang="de-CH" sz="1700" err="1">
+              <a:rPr lang="de-CH" sz="1700" dirty="0" err="1">
                 <a:effectLst/>
                 <a:ea typeface="Aptos" panose="020B0004020202020204" pitchFamily="34" charset="0"/>
                 <a:cs typeface="Times New Roman" panose="02020603050405020304" pitchFamily="18" charset="0"/>
@@ -6924,7 +6924,7 @@
               <a:t>age_last_funding</a:t>
             </a:r>
             <a:r>
-              <a:rPr lang="de-CH" sz="1700">
+              <a:rPr lang="de-CH" sz="1700" dirty="0">
                 <a:effectLst/>
                 <a:ea typeface="Aptos" panose="020B0004020202020204" pitchFamily="34" charset="0"/>
                 <a:cs typeface="Times New Roman" panose="02020603050405020304" pitchFamily="18" charset="0"/>
@@ -6932,7 +6932,7 @@
               <a:t>, </a:t>
             </a:r>
             <a:r>
-              <a:rPr lang="de-CH" sz="1700" err="1">
+              <a:rPr lang="de-CH" sz="1700" dirty="0" err="1">
                 <a:effectLst/>
                 <a:ea typeface="Aptos" panose="020B0004020202020204" pitchFamily="34" charset="0"/>
                 <a:cs typeface="Times New Roman" panose="02020603050405020304" pitchFamily="18" charset="0"/>
@@ -6940,7 +6940,7 @@
               <a:t>age_first_funding</a:t>
             </a:r>
             <a:r>
-              <a:rPr lang="de-CH" sz="1700">
+              <a:rPr lang="de-CH" sz="1700" dirty="0">
                 <a:effectLst/>
                 <a:ea typeface="Aptos" panose="020B0004020202020204" pitchFamily="34" charset="0"/>
                 <a:cs typeface="Times New Roman" panose="02020603050405020304" pitchFamily="18" charset="0"/>
@@ -6948,7 +6948,7 @@
               <a:t>, </a:t>
             </a:r>
             <a:r>
-              <a:rPr lang="de-CH" sz="1700" err="1">
+              <a:rPr lang="de-CH" sz="1700" dirty="0" err="1">
                 <a:effectLst/>
                 <a:ea typeface="Aptos" panose="020B0004020202020204" pitchFamily="34" charset="0"/>
                 <a:cs typeface="Times New Roman" panose="02020603050405020304" pitchFamily="18" charset="0"/>
@@ -6956,14 +6956,14 @@
               <a:t>is_first_funding_the_biggest_funding</a:t>
             </a:r>
             <a:r>
-              <a:rPr lang="de-CH" sz="1700">
+              <a:rPr lang="de-CH" sz="1700" dirty="0">
                 <a:effectLst/>
                 <a:ea typeface="Aptos" panose="020B0004020202020204" pitchFamily="34" charset="0"/>
                 <a:cs typeface="Times New Roman" panose="02020603050405020304" pitchFamily="18" charset="0"/>
               </a:rPr>
               <a:t>, </a:t>
             </a:r>
-            <a:endParaRPr lang="de-CH" sz="1700" kern="100">
+            <a:endParaRPr lang="de-CH" sz="1700" kern="100" dirty="0">
               <a:effectLst/>
               <a:ea typeface="Aptos" panose="020B0004020202020204" pitchFamily="34" charset="0"/>
               <a:cs typeface="Times New Roman" panose="02020603050405020304" pitchFamily="18" charset="0"/>
@@ -6972,11 +6972,11 @@
           <a:p>
             <a:pPr lvl="1"/>
             <a:r>
-              <a:rPr lang="de-CH" sz="1700" b="1" noProof="0"/>
+              <a:rPr lang="de-CH" sz="1700" b="1" noProof="0" dirty="0"/>
               <a:t>Geänderte Features: </a:t>
             </a:r>
             <a:r>
-              <a:rPr lang="de-CH" sz="1700" err="1">
+              <a:rPr lang="de-CH" sz="1700" dirty="0" err="1">
                 <a:effectLst/>
                 <a:ea typeface="Aptos" panose="020B0004020202020204" pitchFamily="34" charset="0"/>
                 <a:cs typeface="Times New Roman" panose="02020603050405020304" pitchFamily="18" charset="0"/>
@@ -6984,7 +6984,7 @@
               <a:t>founding_year</a:t>
             </a:r>
             <a:r>
-              <a:rPr lang="de-CH" sz="1700">
+              <a:rPr lang="de-CH" sz="1700" dirty="0">
                 <a:effectLst/>
                 <a:ea typeface="Aptos" panose="020B0004020202020204" pitchFamily="34" charset="0"/>
                 <a:cs typeface="Times New Roman" panose="02020603050405020304" pitchFamily="18" charset="0"/>
@@ -6992,7 +6992,7 @@
               <a:t>, </a:t>
             </a:r>
             <a:r>
-              <a:rPr lang="de-CH" sz="1700" err="1">
+              <a:rPr lang="de-CH" sz="1700" dirty="0" err="1">
                 <a:effectLst/>
                 <a:ea typeface="Aptos" panose="020B0004020202020204" pitchFamily="34" charset="0"/>
                 <a:cs typeface="Times New Roman" panose="02020603050405020304" pitchFamily="18" charset="0"/>
@@ -7000,7 +7000,7 @@
               <a:t>biggest_funding_amount_share_of_total_funding</a:t>
             </a:r>
             <a:r>
-              <a:rPr lang="de-CH" sz="1700">
+              <a:rPr lang="de-CH" sz="1700" dirty="0">
                 <a:effectLst/>
                 <a:ea typeface="Aptos" panose="020B0004020202020204" pitchFamily="34" charset="0"/>
                 <a:cs typeface="Times New Roman" panose="02020603050405020304" pitchFamily="18" charset="0"/>
@@ -7008,23 +7008,23 @@
               <a:t>_%, </a:t>
             </a:r>
             <a:r>
-              <a:rPr lang="de-CH" sz="1700" err="1">
+              <a:rPr lang="de-CH" sz="1700" dirty="0" err="1">
                 <a:effectLst/>
                 <a:ea typeface="Aptos" panose="020B0004020202020204" pitchFamily="34" charset="0"/>
                 <a:cs typeface="Times New Roman" panose="02020603050405020304" pitchFamily="18" charset="0"/>
               </a:rPr>
               <a:t>NumContributors</a:t>
             </a:r>
-            <a:endParaRPr lang="de-CH" sz="1700" noProof="0"/>
+            <a:endParaRPr lang="de-CH" sz="1700" noProof="0" dirty="0"/>
           </a:p>
           <a:p>
             <a:pPr lvl="1"/>
             <a:r>
-              <a:rPr lang="de-CH" sz="1700" b="1" noProof="0"/>
+              <a:rPr lang="de-CH" sz="1700" b="1" noProof="0" dirty="0"/>
               <a:t>Gefilterte Features: </a:t>
             </a:r>
             <a:r>
-              <a:rPr lang="de-CH" sz="1700" err="1">
+              <a:rPr lang="de-CH" sz="1700" dirty="0" err="1">
                 <a:effectLst/>
                 <a:ea typeface="Aptos" panose="020B0004020202020204" pitchFamily="34" charset="0"/>
                 <a:cs typeface="Times New Roman" panose="02020603050405020304" pitchFamily="18" charset="0"/>
@@ -7032,7 +7032,7 @@
               <a:t>age_first_funding</a:t>
             </a:r>
             <a:r>
-              <a:rPr lang="de-CH" sz="1700">
+              <a:rPr lang="de-CH" sz="1700" dirty="0">
                 <a:effectLst/>
                 <a:ea typeface="Aptos" panose="020B0004020202020204" pitchFamily="34" charset="0"/>
                 <a:cs typeface="Times New Roman" panose="02020603050405020304" pitchFamily="18" charset="0"/>
@@ -7040,23 +7040,23 @@
               <a:t>, </a:t>
             </a:r>
             <a:r>
-              <a:rPr lang="de-CH" sz="1700" kern="100" err="1">
+              <a:rPr lang="de-CH" sz="1700" kern="100" dirty="0" err="1">
                 <a:effectLst/>
                 <a:ea typeface="Aptos" panose="020B0004020202020204" pitchFamily="34" charset="0"/>
                 <a:cs typeface="Times New Roman" panose="02020603050405020304" pitchFamily="18" charset="0"/>
               </a:rPr>
               <a:t>age_last_funding</a:t>
             </a:r>
-            <a:endParaRPr lang="de-CH" sz="1700" noProof="0"/>
+            <a:endParaRPr lang="de-CH" sz="1700" noProof="0" dirty="0"/>
           </a:p>
           <a:p>
             <a:pPr lvl="1"/>
             <a:r>
-              <a:rPr lang="de-CH" sz="1700" b="1" noProof="0"/>
+              <a:rPr lang="de-CH" sz="1700" b="1" noProof="0" dirty="0"/>
               <a:t>Gelöschte Features: </a:t>
             </a:r>
             <a:r>
-              <a:rPr lang="de-CH" sz="1700" kern="100" err="1">
+              <a:rPr lang="de-CH" sz="1700" kern="100" dirty="0" err="1">
                 <a:effectLst/>
                 <a:ea typeface="Aptos" panose="020B0004020202020204" pitchFamily="34" charset="0"/>
                 <a:cs typeface="Times New Roman" panose="02020603050405020304" pitchFamily="18" charset="0"/>
@@ -7064,14 +7064,14 @@
               <a:t>last_funding_date</a:t>
             </a:r>
             <a:r>
-              <a:rPr lang="de-CH" sz="1700" kern="100">
+              <a:rPr lang="de-CH" sz="1700" kern="100" dirty="0">
                 <a:ea typeface="Aptos" panose="020B0004020202020204" pitchFamily="34" charset="0"/>
                 <a:cs typeface="Times New Roman" panose="02020603050405020304" pitchFamily="18" charset="0"/>
               </a:rPr>
               <a:t>, </a:t>
             </a:r>
             <a:r>
-              <a:rPr lang="de-CH" sz="1700" kern="100" err="1">
+              <a:rPr lang="de-CH" sz="1700" kern="100" dirty="0" err="1">
                 <a:effectLst/>
                 <a:ea typeface="Aptos" panose="020B0004020202020204" pitchFamily="34" charset="0"/>
                 <a:cs typeface="Times New Roman" panose="02020603050405020304" pitchFamily="18" charset="0"/>
@@ -7079,14 +7079,14 @@
               <a:t>first_funding_date</a:t>
             </a:r>
             <a:r>
-              <a:rPr lang="de-CH" sz="1700" kern="100">
+              <a:rPr lang="de-CH" sz="1700" kern="100" dirty="0">
                 <a:ea typeface="Aptos" panose="020B0004020202020204" pitchFamily="34" charset="0"/>
                 <a:cs typeface="Times New Roman" panose="02020603050405020304" pitchFamily="18" charset="0"/>
               </a:rPr>
               <a:t>, </a:t>
             </a:r>
             <a:r>
-              <a:rPr lang="de-CH" sz="1700" kern="100" err="1">
+              <a:rPr lang="de-CH" sz="1700" kern="100" dirty="0" err="1">
                 <a:effectLst/>
                 <a:ea typeface="Aptos" panose="020B0004020202020204" pitchFamily="34" charset="0"/>
                 <a:cs typeface="Times New Roman" panose="02020603050405020304" pitchFamily="18" charset="0"/>
@@ -7094,14 +7094,14 @@
               <a:t>biggest_funding_amount_share_of_total_funding</a:t>
             </a:r>
             <a:r>
-              <a:rPr lang="de-CH" sz="1700" kern="100">
+              <a:rPr lang="de-CH" sz="1700" kern="100" dirty="0">
                 <a:ea typeface="Aptos" panose="020B0004020202020204" pitchFamily="34" charset="0"/>
                 <a:cs typeface="Times New Roman" panose="02020603050405020304" pitchFamily="18" charset="0"/>
               </a:rPr>
               <a:t>, </a:t>
             </a:r>
             <a:r>
-              <a:rPr lang="de-CH" sz="1700" kern="100" err="1">
+              <a:rPr lang="de-CH" sz="1700" kern="100" dirty="0" err="1">
                 <a:effectLst/>
                 <a:ea typeface="Aptos" panose="020B0004020202020204" pitchFamily="34" charset="0"/>
                 <a:cs typeface="Times New Roman" panose="02020603050405020304" pitchFamily="18" charset="0"/>
@@ -7109,14 +7109,14 @@
               <a:t>amount_milestones</a:t>
             </a:r>
             <a:r>
-              <a:rPr lang="de-CH" sz="1700" kern="100">
+              <a:rPr lang="de-CH" sz="1700" kern="100" dirty="0">
                 <a:ea typeface="Aptos" panose="020B0004020202020204" pitchFamily="34" charset="0"/>
                 <a:cs typeface="Times New Roman" panose="02020603050405020304" pitchFamily="18" charset="0"/>
               </a:rPr>
               <a:t>, </a:t>
             </a:r>
             <a:r>
-              <a:rPr lang="de-CH" sz="1700" kern="100" err="1">
+              <a:rPr lang="de-CH" sz="1700" kern="100" dirty="0" err="1">
                 <a:effectLst/>
                 <a:ea typeface="Aptos" panose="020B0004020202020204" pitchFamily="34" charset="0"/>
                 <a:cs typeface="Times New Roman" panose="02020603050405020304" pitchFamily="18" charset="0"/>
@@ -7124,14 +7124,14 @@
               <a:t>company_id_milestones</a:t>
             </a:r>
             <a:r>
-              <a:rPr lang="de-CH" sz="1700" kern="100">
+              <a:rPr lang="de-CH" sz="1700" kern="100" dirty="0">
                 <a:ea typeface="Aptos" panose="020B0004020202020204" pitchFamily="34" charset="0"/>
                 <a:cs typeface="Times New Roman" panose="02020603050405020304" pitchFamily="18" charset="0"/>
               </a:rPr>
               <a:t>, </a:t>
             </a:r>
             <a:r>
-              <a:rPr lang="de-CH" sz="1700" kern="100" err="1">
+              <a:rPr lang="de-CH" sz="1700" kern="100" dirty="0" err="1">
                 <a:effectLst/>
                 <a:ea typeface="Aptos" panose="020B0004020202020204" pitchFamily="34" charset="0"/>
                 <a:cs typeface="Times New Roman" panose="02020603050405020304" pitchFamily="18" charset="0"/>
@@ -7139,27 +7139,27 @@
               <a:t>company_id</a:t>
             </a:r>
             <a:r>
-              <a:rPr lang="de-CH" sz="1700" kern="100">
+              <a:rPr lang="de-CH" sz="1700" kern="100" dirty="0">
                 <a:ea typeface="Aptos" panose="020B0004020202020204" pitchFamily="34" charset="0"/>
                 <a:cs typeface="Times New Roman" panose="02020603050405020304" pitchFamily="18" charset="0"/>
               </a:rPr>
               <a:t>, </a:t>
             </a:r>
             <a:r>
-              <a:rPr lang="de-CH" sz="1700" kern="100" err="1">
+              <a:rPr lang="de-CH" sz="1700" kern="100" dirty="0" err="1">
                 <a:effectLst/>
                 <a:ea typeface="Aptos" panose="020B0004020202020204" pitchFamily="34" charset="0"/>
                 <a:cs typeface="Times New Roman" panose="02020603050405020304" pitchFamily="18" charset="0"/>
               </a:rPr>
               <a:t>company_id_funding</a:t>
             </a:r>
-            <a:endParaRPr lang="de-CH" sz="1700" noProof="0"/>
+            <a:endParaRPr lang="de-CH" sz="1700" noProof="0" dirty="0"/>
           </a:p>
           <a:p>
             <a:pPr marL="457200" lvl="1" indent="0">
               <a:buNone/>
             </a:pPr>
-            <a:endParaRPr lang="de-CH" sz="1700" noProof="0"/>
+            <a:endParaRPr lang="de-CH" sz="1700" noProof="0" dirty="0"/>
           </a:p>
         </p:txBody>
       </p:sp>
@@ -7245,7 +7245,7 @@
           <a:lstStyle/>
           <a:p>
             <a:r>
-              <a:rPr lang="de-CH" sz="1800" kern="100" noProof="0" err="1">
+              <a:rPr lang="de-CH" sz="1800" kern="100" noProof="0" dirty="0" err="1">
                 <a:effectLst/>
                 <a:latin typeface="Aptos" panose="020B0004020202020204" pitchFamily="34" charset="0"/>
                 <a:ea typeface="Aptos" panose="020B0004020202020204" pitchFamily="34" charset="0"/>
@@ -7254,7 +7254,7 @@
               <a:t>first_funding_date</a:t>
             </a:r>
             <a:r>
-              <a:rPr lang="de-CH" sz="1800" kern="100" noProof="0">
+              <a:rPr lang="de-CH" sz="1800" kern="100" noProof="0" dirty="0">
                 <a:effectLst/>
                 <a:latin typeface="Aptos" panose="020B0004020202020204" pitchFamily="34" charset="0"/>
                 <a:ea typeface="Aptos" panose="020B0004020202020204" pitchFamily="34" charset="0"/>
@@ -7265,7 +7265,7 @@
           </a:p>
           <a:p>
             <a:r>
-              <a:rPr lang="de-CH" sz="1800" kern="100" noProof="0" err="1">
+              <a:rPr lang="de-CH" sz="1800" kern="100" noProof="0" dirty="0" err="1">
                 <a:effectLst/>
                 <a:latin typeface="Aptos" panose="020B0004020202020204" pitchFamily="34" charset="0"/>
                 <a:ea typeface="Aptos" panose="020B0004020202020204" pitchFamily="34" charset="0"/>
@@ -7274,7 +7274,7 @@
               <a:t>last_funding_date</a:t>
             </a:r>
             <a:r>
-              <a:rPr lang="de-CH" sz="1800" kern="100" noProof="0">
+              <a:rPr lang="de-CH" sz="1800" kern="100" noProof="0" dirty="0">
                 <a:effectLst/>
                 <a:latin typeface="Aptos" panose="020B0004020202020204" pitchFamily="34" charset="0"/>
                 <a:ea typeface="Aptos" panose="020B0004020202020204" pitchFamily="34" charset="0"/>
@@ -7283,14 +7283,14 @@
               <a:t> (zu Typ Datum geändert</a:t>
             </a:r>
             <a:r>
-              <a:rPr lang="de-CH" sz="1800" kern="100">
+              <a:rPr lang="de-CH" sz="1800" kern="100" dirty="0">
                 <a:latin typeface="Aptos" panose="020B0004020202020204" pitchFamily="34" charset="0"/>
                 <a:ea typeface="Aptos" panose="020B0004020202020204" pitchFamily="34" charset="0"/>
                 <a:cs typeface="Times New Roman" panose="02020603050405020304" pitchFamily="18" charset="0"/>
               </a:rPr>
               <a:t>): Wurde zu einem Datum geändert, sodass wir mit den Datumsdifferenzen rechnen konnten</a:t>
             </a:r>
-            <a:endParaRPr lang="de-CH" sz="1800" kern="100" noProof="0">
+            <a:endParaRPr lang="de-CH" sz="1800" kern="100" noProof="0" dirty="0">
               <a:effectLst/>
               <a:latin typeface="Aptos" panose="020B0004020202020204" pitchFamily="34" charset="0"/>
               <a:ea typeface="Aptos" panose="020B0004020202020204" pitchFamily="34" charset="0"/>
@@ -7299,7 +7299,7 @@
           </a:p>
           <a:p>
             <a:r>
-              <a:rPr lang="de-CH" sz="1800" kern="100" noProof="0" err="1">
+              <a:rPr lang="de-CH" sz="1800" kern="100" noProof="0" dirty="0" err="1">
                 <a:effectLst/>
                 <a:latin typeface="Aptos" panose="020B0004020202020204" pitchFamily="34" charset="0"/>
                 <a:ea typeface="Aptos" panose="020B0004020202020204" pitchFamily="34" charset="0"/>
@@ -7308,7 +7308,7 @@
               <a:t>days_per_funding</a:t>
             </a:r>
             <a:r>
-              <a:rPr lang="de-CH" sz="1800" kern="100" noProof="0">
+              <a:rPr lang="de-CH" sz="1800" kern="100" noProof="0" dirty="0">
                 <a:effectLst/>
                 <a:latin typeface="Aptos" panose="020B0004020202020204" pitchFamily="34" charset="0"/>
                 <a:ea typeface="Aptos" panose="020B0004020202020204" pitchFamily="34" charset="0"/>
@@ -7317,14 +7317,14 @@
               <a:t> (zu Typ Zahl (Ganzzahl) geändert</a:t>
             </a:r>
             <a:r>
-              <a:rPr lang="de-CH" sz="1800" kern="100">
+              <a:rPr lang="de-CH" sz="1800" kern="100" dirty="0">
                 <a:latin typeface="Aptos" panose="020B0004020202020204" pitchFamily="34" charset="0"/>
                 <a:ea typeface="Aptos" panose="020B0004020202020204" pitchFamily="34" charset="0"/>
                 <a:cs typeface="Times New Roman" panose="02020603050405020304" pitchFamily="18" charset="0"/>
               </a:rPr>
               <a:t>): Wurde zu einer Ganzzahl geändert, da wir die Anzahl Tage ohne Kommaschreibweise benötigen</a:t>
             </a:r>
-            <a:endParaRPr lang="de-CH" sz="1800" kern="100" noProof="0">
+            <a:endParaRPr lang="de-CH" sz="1800" kern="100" noProof="0" dirty="0">
               <a:effectLst/>
               <a:latin typeface="Aptos" panose="020B0004020202020204" pitchFamily="34" charset="0"/>
               <a:ea typeface="Aptos" panose="020B0004020202020204" pitchFamily="34" charset="0"/>
@@ -7333,7 +7333,7 @@
           </a:p>
           <a:p>
             <a:r>
-              <a:rPr lang="de-CH" sz="1800" kern="100" noProof="0" err="1">
+              <a:rPr lang="de-CH" sz="1800" kern="100" noProof="0" dirty="0" err="1">
                 <a:effectLst/>
                 <a:latin typeface="Aptos" panose="020B0004020202020204" pitchFamily="34" charset="0"/>
                 <a:ea typeface="Aptos" panose="020B0004020202020204" pitchFamily="34" charset="0"/>
@@ -7342,7 +7342,7 @@
               <a:t>average_funding_size</a:t>
             </a:r>
             <a:r>
-              <a:rPr lang="de-CH" sz="1800" kern="100" noProof="0">
+              <a:rPr lang="de-CH" sz="1800" kern="100" noProof="0" dirty="0">
                 <a:effectLst/>
                 <a:latin typeface="Aptos" panose="020B0004020202020204" pitchFamily="34" charset="0"/>
                 <a:ea typeface="Aptos" panose="020B0004020202020204" pitchFamily="34" charset="0"/>
@@ -7353,7 +7353,7 @@
           </a:p>
           <a:p>
             <a:r>
-              <a:rPr lang="de-CH" sz="1800" kern="100" noProof="0" err="1">
+              <a:rPr lang="de-CH" sz="1800" kern="100" noProof="0" dirty="0" err="1">
                 <a:effectLst/>
                 <a:latin typeface="Aptos" panose="020B0004020202020204" pitchFamily="34" charset="0"/>
                 <a:ea typeface="Aptos" panose="020B0004020202020204" pitchFamily="34" charset="0"/>
@@ -7362,7 +7362,7 @@
               <a:t>average_days_per_milestone</a:t>
             </a:r>
             <a:r>
-              <a:rPr lang="de-CH" sz="1800" kern="100" noProof="0">
+              <a:rPr lang="de-CH" sz="1800" kern="100" noProof="0" dirty="0">
                 <a:effectLst/>
                 <a:latin typeface="Aptos" panose="020B0004020202020204" pitchFamily="34" charset="0"/>
                 <a:ea typeface="Aptos" panose="020B0004020202020204" pitchFamily="34" charset="0"/>
@@ -7371,14 +7371,14 @@
               <a:t> (zu Typ Zahl (Ganzzahl) geändert</a:t>
             </a:r>
             <a:r>
-              <a:rPr lang="de-CH" sz="1800" kern="100">
+              <a:rPr lang="de-CH" sz="1800" kern="100" dirty="0">
                 <a:latin typeface="Aptos" panose="020B0004020202020204" pitchFamily="34" charset="0"/>
                 <a:ea typeface="Aptos" panose="020B0004020202020204" pitchFamily="34" charset="0"/>
                 <a:cs typeface="Times New Roman" panose="02020603050405020304" pitchFamily="18" charset="0"/>
               </a:rPr>
               <a:t>): Wurde zu einer Ganzzahl geändert, da wir die Anzahl Tage ohne Kommaschreibweise benötigen</a:t>
             </a:r>
-            <a:endParaRPr lang="de-CH" sz="1800" kern="100" noProof="0">
+            <a:endParaRPr lang="de-CH" sz="1800" kern="100" noProof="0" dirty="0">
               <a:effectLst/>
               <a:latin typeface="Aptos" panose="020B0004020202020204" pitchFamily="34" charset="0"/>
               <a:ea typeface="Aptos" panose="020B0004020202020204" pitchFamily="34" charset="0"/>
@@ -7387,7 +7387,7 @@
           </a:p>
           <a:p>
             <a:r>
-              <a:rPr lang="de-CH" sz="1800" kern="100" noProof="0" err="1">
+              <a:rPr lang="de-CH" sz="1800" kern="100" noProof="0" dirty="0" err="1">
                 <a:effectLst/>
                 <a:latin typeface="Aptos" panose="020B0004020202020204" pitchFamily="34" charset="0"/>
                 <a:ea typeface="Aptos" panose="020B0004020202020204" pitchFamily="34" charset="0"/>
@@ -7396,7 +7396,7 @@
               <a:t>founding_year</a:t>
             </a:r>
             <a:r>
-              <a:rPr lang="de-CH" sz="1800" kern="100" noProof="0">
+              <a:rPr lang="de-CH" sz="1800" kern="100" noProof="0" dirty="0">
                 <a:effectLst/>
                 <a:latin typeface="Aptos" panose="020B0004020202020204" pitchFamily="34" charset="0"/>
                 <a:ea typeface="Aptos" panose="020B0004020202020204" pitchFamily="34" charset="0"/>
@@ -7407,7 +7407,7 @@
           </a:p>
           <a:p>
             <a:r>
-              <a:rPr lang="de-CH" sz="1800" kern="100" noProof="0" err="1">
+              <a:rPr lang="de-CH" sz="1800" kern="100" noProof="0" dirty="0" err="1">
                 <a:effectLst/>
                 <a:latin typeface="Aptos" panose="020B0004020202020204" pitchFamily="34" charset="0"/>
                 <a:ea typeface="Aptos" panose="020B0004020202020204" pitchFamily="34" charset="0"/>
@@ -7416,7 +7416,7 @@
               <a:t>biggest_funding_amount_share_of_total_funding</a:t>
             </a:r>
             <a:r>
-              <a:rPr lang="de-CH" sz="1800" kern="100" noProof="0">
+              <a:rPr lang="de-CH" sz="1800" kern="100" noProof="0" dirty="0">
                 <a:effectLst/>
                 <a:latin typeface="Aptos" panose="020B0004020202020204" pitchFamily="34" charset="0"/>
                 <a:ea typeface="Aptos" panose="020B0004020202020204" pitchFamily="34" charset="0"/>
@@ -7427,7 +7427,7 @@
           </a:p>
           <a:p>
             <a:r>
-              <a:rPr lang="de-CH" sz="1800" kern="100" noProof="0" err="1">
+              <a:rPr lang="de-CH" sz="1800" kern="100" noProof="0" dirty="0" err="1">
                 <a:effectLst/>
                 <a:latin typeface="Aptos" panose="020B0004020202020204" pitchFamily="34" charset="0"/>
                 <a:ea typeface="Aptos" panose="020B0004020202020204" pitchFamily="34" charset="0"/>
@@ -7436,7 +7436,7 @@
               <a:t>NumContributors</a:t>
             </a:r>
             <a:r>
-              <a:rPr lang="de-CH" sz="1800" kern="100" noProof="0">
+              <a:rPr lang="de-CH" sz="1800" kern="100" noProof="0" dirty="0">
                 <a:effectLst/>
                 <a:latin typeface="Aptos" panose="020B0004020202020204" pitchFamily="34" charset="0"/>
                 <a:ea typeface="Aptos" panose="020B0004020202020204" pitchFamily="34" charset="0"/>
@@ -7445,7 +7445,7 @@
               <a:t> (zu Typ Zahl (Ganzzahl) geändert): Wurde auch zu einer Ganzzahl geändert, da es </a:t>
             </a:r>
             <a:r>
-              <a:rPr lang="de-CH" sz="1800" kern="100">
+              <a:rPr lang="de-CH" sz="1800" kern="100" dirty="0">
                 <a:latin typeface="Aptos" panose="020B0004020202020204" pitchFamily="34" charset="0"/>
                 <a:ea typeface="Aptos" panose="020B0004020202020204" pitchFamily="34" charset="0"/>
                 <a:cs typeface="Times New Roman" panose="02020603050405020304" pitchFamily="18" charset="0"/>
@@ -7453,7 +7453,7 @@
               <a:t>nicht Bruchteile eines </a:t>
             </a:r>
             <a:r>
-              <a:rPr lang="de-CH" sz="1800" kern="100" err="1">
+              <a:rPr lang="de-CH" sz="1800" kern="100" dirty="0" err="1">
                 <a:latin typeface="Aptos" panose="020B0004020202020204" pitchFamily="34" charset="0"/>
                 <a:ea typeface="Aptos" panose="020B0004020202020204" pitchFamily="34" charset="0"/>
                 <a:cs typeface="Times New Roman" panose="02020603050405020304" pitchFamily="18" charset="0"/>
@@ -7461,14 +7461,14 @@
               <a:t>Contributors</a:t>
             </a:r>
             <a:r>
-              <a:rPr lang="de-CH" sz="1800" kern="100">
+              <a:rPr lang="de-CH" sz="1800" kern="100" dirty="0">
                 <a:latin typeface="Aptos" panose="020B0004020202020204" pitchFamily="34" charset="0"/>
                 <a:ea typeface="Aptos" panose="020B0004020202020204" pitchFamily="34" charset="0"/>
                 <a:cs typeface="Times New Roman" panose="02020603050405020304" pitchFamily="18" charset="0"/>
               </a:rPr>
               <a:t> haben kann und wir so auch eine Korrektheit der Daten gewährleisten können</a:t>
             </a:r>
-            <a:endParaRPr lang="de-CH" sz="1800" kern="100" noProof="0">
+            <a:endParaRPr lang="de-CH" sz="1800" kern="100" noProof="0" dirty="0">
               <a:effectLst/>
               <a:latin typeface="Aptos" panose="020B0004020202020204" pitchFamily="34" charset="0"/>
               <a:ea typeface="Aptos" panose="020B0004020202020204" pitchFamily="34" charset="0"/>
@@ -7476,7 +7476,7 @@
             </a:endParaRPr>
           </a:p>
           <a:p>
-            <a:endParaRPr lang="de-CH" noProof="0"/>
+            <a:endParaRPr lang="de-CH" noProof="0" dirty="0"/>
           </a:p>
         </p:txBody>
       </p:sp>
@@ -7703,7 +7703,12 @@
             <p:ph idx="1"/>
           </p:nvPr>
         </p:nvSpPr>
-        <p:spPr/>
+        <p:spPr>
+          <a:xfrm>
+            <a:off x="650422" y="1384753"/>
+            <a:ext cx="10515600" cy="4967061"/>
+          </a:xfrm>
+        </p:spPr>
         <p:txBody>
           <a:bodyPr vert="horz" lIns="91440" tIns="45720" rIns="91440" bIns="45720" rtlCol="0" anchor="t">
             <a:normAutofit fontScale="55000" lnSpcReduction="20000"/>
@@ -7711,313 +7716,333 @@
           <a:lstStyle/>
           <a:p>
             <a:r>
-              <a:rPr lang="de-CH" noProof="0" err="1"/>
+              <a:rPr lang="de-CH" noProof="0" dirty="0" err="1"/>
+              <a:t>Zip_Code</a:t>
+            </a:r>
+            <a:r>
+              <a:rPr lang="de-CH" noProof="0" dirty="0"/>
+              <a:t>: </a:t>
+            </a:r>
+            <a:r>
+              <a:rPr lang="de-DE" altLang="de-DE" sz="2700" dirty="0"/>
+              <a:t>Zu viele Einzelwerte, keine generalisierbaren Muster, Datendichte pro ZIP zu gering</a:t>
+            </a:r>
+          </a:p>
+          <a:p>
+            <a:r>
+              <a:rPr lang="de-CH" sz="2700" dirty="0"/>
+              <a:t>City: Gibt viele die gleich heissen, Datendichte zu gering pro Stadt zu gering ausser für Grossstädte</a:t>
+            </a:r>
+          </a:p>
+          <a:p>
+            <a:r>
+              <a:rPr lang="de-CH" noProof="0" dirty="0" err="1"/>
               <a:t>Milestone_date</a:t>
             </a:r>
             <a:r>
-              <a:rPr lang="de-CH" noProof="0"/>
+              <a:rPr lang="de-CH" noProof="0" dirty="0"/>
               <a:t>: daten irrelevant (</a:t>
             </a:r>
             <a:r>
-              <a:rPr lang="de-CH" noProof="0" err="1"/>
+              <a:rPr lang="de-CH" noProof="0" dirty="0" err="1"/>
               <a:t>datum</a:t>
             </a:r>
             <a:r>
-              <a:rPr lang="de-CH" noProof="0"/>
+              <a:rPr lang="de-CH" noProof="0" dirty="0"/>
               <a:t>), da viel zu spezifisch</a:t>
             </a:r>
           </a:p>
           <a:p>
             <a:r>
-              <a:rPr lang="de-CH" noProof="0" err="1"/>
+              <a:rPr lang="de-CH" noProof="0" dirty="0" err="1"/>
               <a:t>Milestone_nr</a:t>
             </a:r>
             <a:r>
-              <a:rPr lang="de-CH" noProof="0"/>
+              <a:rPr lang="de-CH" noProof="0" dirty="0"/>
               <a:t>: </a:t>
             </a:r>
             <a:r>
-              <a:rPr lang="de-CH" noProof="0" err="1"/>
+              <a:rPr lang="de-CH" noProof="0" dirty="0" err="1"/>
               <a:t>Amount</a:t>
             </a:r>
             <a:r>
-              <a:rPr lang="de-CH" noProof="0"/>
+              <a:rPr lang="de-CH" noProof="0" dirty="0"/>
               <a:t> Milestones ersetzt das und </a:t>
             </a:r>
             <a:r>
-              <a:rPr lang="de-CH" noProof="0" err="1"/>
+              <a:rPr lang="de-CH" noProof="0" dirty="0" err="1"/>
               <a:t>id</a:t>
             </a:r>
             <a:r>
-              <a:rPr lang="de-CH" noProof="0"/>
+              <a:rPr lang="de-CH" noProof="0" dirty="0"/>
               <a:t> bringt nichts, da jede </a:t>
             </a:r>
             <a:r>
-              <a:rPr lang="de-CH" noProof="0" err="1"/>
+              <a:rPr lang="de-CH" noProof="0" dirty="0" err="1"/>
               <a:t>nr</a:t>
             </a:r>
             <a:r>
-              <a:rPr lang="de-CH" noProof="0"/>
+              <a:rPr lang="de-CH" noProof="0" dirty="0"/>
               <a:t> </a:t>
             </a:r>
             <a:r>
-              <a:rPr lang="de-CH" noProof="0" err="1"/>
+              <a:rPr lang="de-CH" noProof="0" dirty="0" err="1"/>
               <a:t>unique</a:t>
             </a:r>
             <a:r>
-              <a:rPr lang="de-CH" noProof="0"/>
+              <a:rPr lang="de-CH" noProof="0" dirty="0"/>
               <a:t> ist</a:t>
             </a:r>
           </a:p>
           <a:p>
             <a:r>
-              <a:rPr lang="de-CH" noProof="0" err="1"/>
+              <a:rPr lang="de-CH" noProof="0" dirty="0" err="1"/>
               <a:t>Company_id</a:t>
             </a:r>
             <a:r>
-              <a:rPr lang="de-CH" noProof="0"/>
+              <a:rPr lang="de-CH" noProof="0" dirty="0"/>
               <a:t>: Mehrmals gelöscht, nicht aussagekräftig, da jede </a:t>
             </a:r>
             <a:r>
-              <a:rPr lang="de-CH" noProof="0" err="1"/>
+              <a:rPr lang="de-CH" noProof="0" dirty="0" err="1"/>
               <a:t>id</a:t>
             </a:r>
             <a:r>
-              <a:rPr lang="de-CH" noProof="0"/>
+              <a:rPr lang="de-CH" noProof="0" dirty="0"/>
               <a:t> </a:t>
             </a:r>
             <a:r>
-              <a:rPr lang="de-CH" noProof="0" err="1"/>
+              <a:rPr lang="de-CH" noProof="0" dirty="0" err="1"/>
               <a:t>unique</a:t>
             </a:r>
             <a:r>
-              <a:rPr lang="de-CH" noProof="0"/>
+              <a:rPr lang="de-CH" noProof="0" dirty="0"/>
               <a:t> ist</a:t>
             </a:r>
           </a:p>
           <a:p>
             <a:r>
-              <a:rPr lang="de-CH" noProof="0" err="1"/>
+              <a:rPr lang="de-CH" noProof="0" dirty="0" err="1"/>
               <a:t>Round_date</a:t>
             </a:r>
             <a:r>
-              <a:rPr lang="de-CH" noProof="0"/>
+              <a:rPr lang="de-CH" noProof="0" dirty="0"/>
               <a:t>: Datum irrelevant, da diese oftmals </a:t>
             </a:r>
             <a:r>
-              <a:rPr lang="de-CH" noProof="0" err="1"/>
+              <a:rPr lang="de-CH" noProof="0" dirty="0" err="1"/>
               <a:t>unique</a:t>
             </a:r>
             <a:r>
-              <a:rPr lang="de-CH" noProof="0"/>
+              <a:rPr lang="de-CH" noProof="0" dirty="0"/>
               <a:t> sind </a:t>
             </a:r>
           </a:p>
           <a:p>
             <a:r>
-              <a:rPr lang="de-CH" noProof="0" err="1"/>
+              <a:rPr lang="de-CH" noProof="0" dirty="0" err="1"/>
               <a:t>Round_nr</a:t>
             </a:r>
             <a:r>
-              <a:rPr lang="de-CH" noProof="0"/>
+              <a:rPr lang="de-CH" noProof="0" dirty="0"/>
               <a:t>: </a:t>
             </a:r>
             <a:r>
-              <a:rPr lang="de-CH" noProof="0" err="1"/>
+              <a:rPr lang="de-CH" noProof="0" dirty="0" err="1"/>
               <a:t>funding_rounds</a:t>
             </a:r>
             <a:r>
-              <a:rPr lang="de-CH" noProof="0"/>
+              <a:rPr lang="de-CH" noProof="0" dirty="0"/>
               <a:t> ersetzt das und </a:t>
             </a:r>
             <a:r>
-              <a:rPr lang="de-CH" noProof="0" err="1"/>
+              <a:rPr lang="de-CH" noProof="0" dirty="0" err="1"/>
               <a:t>id</a:t>
             </a:r>
             <a:r>
-              <a:rPr lang="de-CH" noProof="0"/>
+              <a:rPr lang="de-CH" noProof="0" dirty="0"/>
               <a:t> bringt nichts, da jede </a:t>
             </a:r>
             <a:r>
-              <a:rPr lang="de-CH" noProof="0" err="1"/>
+              <a:rPr lang="de-CH" noProof="0" dirty="0" err="1"/>
               <a:t>nr</a:t>
             </a:r>
             <a:r>
-              <a:rPr lang="de-CH" noProof="0"/>
+              <a:rPr lang="de-CH" noProof="0" dirty="0"/>
               <a:t> </a:t>
             </a:r>
             <a:r>
-              <a:rPr lang="de-CH" noProof="0" err="1"/>
+              <a:rPr lang="de-CH" noProof="0" dirty="0" err="1"/>
               <a:t>unique</a:t>
             </a:r>
             <a:r>
-              <a:rPr lang="de-CH" noProof="0"/>
+              <a:rPr lang="de-CH" noProof="0" dirty="0"/>
               <a:t> ist</a:t>
             </a:r>
           </a:p>
           <a:p>
             <a:r>
-              <a:rPr lang="de-CH" noProof="0"/>
+              <a:rPr lang="de-CH" noProof="0" dirty="0"/>
               <a:t>LocalCode:42: irrelevant, da jede spezifisch ist und keinen Einfluss hat</a:t>
             </a:r>
           </a:p>
           <a:p>
             <a:r>
-              <a:rPr lang="de-CH" noProof="0"/>
+              <a:rPr lang="de-CH" noProof="0" dirty="0"/>
               <a:t>Name von Company: Unique irrelevant, wenn dann müsste hier ein riesiges LLM dahinter mit NLP, aber zu 99% würde der Name nur einen kleinen Einfluss haben, bzw. gar keinen</a:t>
             </a:r>
           </a:p>
           <a:p>
             <a:r>
-              <a:rPr lang="de-CH" noProof="0"/>
+              <a:rPr lang="de-CH" noProof="0" dirty="0"/>
               <a:t>Latitude/</a:t>
             </a:r>
             <a:r>
-              <a:rPr lang="de-CH" noProof="0" err="1"/>
+              <a:rPr lang="de-CH" noProof="0" dirty="0" err="1"/>
               <a:t>longitude</a:t>
             </a:r>
             <a:r>
-              <a:rPr lang="de-CH" noProof="0"/>
+              <a:rPr lang="de-CH" noProof="0" dirty="0"/>
               <a:t>: </a:t>
             </a:r>
             <a:r>
-              <a:rPr lang="de-CH" noProof="0" err="1"/>
+              <a:rPr lang="de-CH" noProof="0" dirty="0" err="1"/>
               <a:t>irrelevent</a:t>
             </a:r>
             <a:r>
-              <a:rPr lang="de-CH" noProof="0"/>
+              <a:rPr lang="de-CH" noProof="0" dirty="0"/>
               <a:t> jeder </a:t>
             </a:r>
             <a:r>
-              <a:rPr lang="de-CH"/>
+              <a:rPr lang="de-CH" dirty="0"/>
               <a:t>Wert ist </a:t>
             </a:r>
             <a:r>
-              <a:rPr lang="de-CH" err="1"/>
+              <a:rPr lang="de-CH" dirty="0" err="1"/>
               <a:t>unique</a:t>
             </a:r>
             <a:r>
-              <a:rPr lang="de-CH"/>
+              <a:rPr lang="de-CH" dirty="0"/>
               <a:t> und wir haben Bundesstaaten für Orte, dies ist deutlich aussagekräftiger</a:t>
             </a:r>
-            <a:endParaRPr lang="de-CH" noProof="0"/>
-          </a:p>
-          <a:p>
-            <a:r>
-              <a:rPr lang="de-CH" noProof="0" err="1"/>
+            <a:endParaRPr lang="de-CH" noProof="0" dirty="0"/>
+          </a:p>
+          <a:p>
+            <a:r>
+              <a:rPr lang="de-CH" noProof="0" dirty="0" err="1"/>
               <a:t>OfficeAddress</a:t>
             </a:r>
             <a:r>
-              <a:rPr lang="de-CH" noProof="0"/>
+              <a:rPr lang="de-CH" noProof="0" dirty="0"/>
               <a:t>: Unique</a:t>
             </a:r>
           </a:p>
           <a:p>
             <a:r>
-              <a:rPr lang="de-CH" noProof="0" err="1"/>
+              <a:rPr lang="de-CH" noProof="0" dirty="0" err="1"/>
               <a:t>Object_id</a:t>
             </a:r>
             <a:r>
-              <a:rPr lang="de-CH" noProof="0"/>
+              <a:rPr lang="de-CH" noProof="0" dirty="0"/>
               <a:t>: </a:t>
             </a:r>
             <a:r>
-              <a:rPr lang="de-CH" noProof="0" err="1"/>
+              <a:rPr lang="de-CH" noProof="0" dirty="0" err="1"/>
               <a:t>irrelevent</a:t>
             </a:r>
             <a:r>
-              <a:rPr lang="de-CH" noProof="0"/>
+              <a:rPr lang="de-CH" noProof="0" dirty="0"/>
               <a:t> und </a:t>
             </a:r>
             <a:r>
-              <a:rPr lang="de-CH" noProof="0" err="1"/>
+              <a:rPr lang="de-CH" noProof="0" dirty="0" err="1"/>
               <a:t>unique</a:t>
             </a:r>
-            <a:endParaRPr lang="de-CH" noProof="0"/>
-          </a:p>
-          <a:p>
-            <a:r>
-              <a:rPr lang="de-CH" noProof="0"/>
+            <a:endParaRPr lang="de-CH" noProof="0" dirty="0"/>
+          </a:p>
+          <a:p>
+            <a:r>
+              <a:rPr lang="de-CH" noProof="0" dirty="0"/>
               <a:t>Alle </a:t>
             </a:r>
             <a:r>
-              <a:rPr lang="de-CH" noProof="0" err="1"/>
+              <a:rPr lang="de-CH" noProof="0" dirty="0" err="1"/>
               <a:t>company_id</a:t>
             </a:r>
             <a:r>
-              <a:rPr lang="de-CH" noProof="0"/>
+              <a:rPr lang="de-CH" noProof="0" dirty="0"/>
               <a:t> gelöscht, da </a:t>
             </a:r>
             <a:r>
-              <a:rPr lang="de-CH" noProof="0" err="1"/>
+              <a:rPr lang="de-CH" noProof="0" dirty="0" err="1"/>
               <a:t>unique</a:t>
             </a:r>
-            <a:endParaRPr lang="de-CH" noProof="0"/>
-          </a:p>
-          <a:p>
-            <a:r>
-              <a:rPr lang="de-CH" noProof="0" err="1"/>
+            <a:endParaRPr lang="de-CH" noProof="0" dirty="0"/>
+          </a:p>
+          <a:p>
+            <a:r>
+              <a:rPr lang="de-CH" noProof="0" dirty="0" err="1"/>
               <a:t>ClosedDate</a:t>
             </a:r>
             <a:r>
-              <a:rPr lang="de-CH" noProof="0"/>
+              <a:rPr lang="de-CH" noProof="0" dirty="0"/>
               <a:t>, </a:t>
             </a:r>
             <a:r>
-              <a:rPr lang="de-CH" noProof="0" err="1"/>
+              <a:rPr lang="de-CH" noProof="0" dirty="0" err="1"/>
               <a:t>AquiredDate</a:t>
             </a:r>
             <a:r>
-              <a:rPr lang="de-CH" noProof="0"/>
+              <a:rPr lang="de-CH" noProof="0" dirty="0"/>
               <a:t>: Wurde für die Zielvariabel gelöscht, ansonsten wäre </a:t>
             </a:r>
             <a:r>
-              <a:rPr lang="de-CH" noProof="0" err="1"/>
+              <a:rPr lang="de-CH" noProof="0" dirty="0" err="1"/>
               <a:t>data</a:t>
             </a:r>
             <a:r>
-              <a:rPr lang="de-CH" noProof="0"/>
+              <a:rPr lang="de-CH" noProof="0" dirty="0"/>
               <a:t> </a:t>
             </a:r>
             <a:r>
-              <a:rPr lang="de-CH" noProof="0" err="1"/>
+              <a:rPr lang="de-CH" noProof="0" dirty="0" err="1"/>
               <a:t>leakage</a:t>
             </a:r>
             <a:r>
-              <a:rPr lang="de-CH" noProof="0"/>
+              <a:rPr lang="de-CH" noProof="0" dirty="0"/>
               <a:t> vorhanden, da das Modell direkt lernt </a:t>
             </a:r>
             <a:r>
-              <a:rPr lang="de-CH" noProof="0" err="1"/>
+              <a:rPr lang="de-CH" noProof="0" dirty="0" err="1"/>
               <a:t>obe</a:t>
             </a:r>
             <a:r>
-              <a:rPr lang="de-CH" noProof="0"/>
+              <a:rPr lang="de-CH" noProof="0" dirty="0"/>
               <a:t> es erfolgreich war oder nicht</a:t>
             </a:r>
           </a:p>
           <a:p>
             <a:r>
-              <a:rPr lang="de-CH" noProof="0" err="1"/>
+              <a:rPr lang="de-CH" noProof="0" dirty="0" err="1"/>
               <a:t>First_funding_date</a:t>
             </a:r>
             <a:r>
-              <a:rPr lang="de-CH" noProof="0"/>
+              <a:rPr lang="de-CH" noProof="0" dirty="0"/>
               <a:t>: Datum, Unique – </a:t>
             </a:r>
             <a:r>
-              <a:rPr lang="de-CH"/>
+              <a:rPr lang="de-CH" dirty="0"/>
               <a:t>bringt nichts, da es zu spezifisch ist</a:t>
             </a:r>
-            <a:endParaRPr lang="de-CH" noProof="0"/>
-          </a:p>
-          <a:p>
-            <a:r>
-              <a:rPr lang="de-CH" noProof="0" err="1"/>
+            <a:endParaRPr lang="de-CH" noProof="0" dirty="0"/>
+          </a:p>
+          <a:p>
+            <a:r>
+              <a:rPr lang="de-CH" noProof="0" dirty="0" err="1"/>
               <a:t>Last_funding_date</a:t>
             </a:r>
             <a:r>
-              <a:rPr lang="de-CH" noProof="0"/>
+              <a:rPr lang="de-CH" noProof="0" dirty="0"/>
               <a:t>: Datum, Unique – bringts nichts, da es zu spezifisch ist</a:t>
             </a:r>
           </a:p>
@@ -19996,6 +20021,15 @@
 </file>
 
 <file path=customXml/item1.xml><?xml version="1.0" encoding="utf-8"?>
+<?mso-contentType ?>
+<FormTemplates xmlns="http://schemas.microsoft.com/sharepoint/v3/contenttype/forms">
+  <Display>DocumentLibraryForm</Display>
+  <Edit>DocumentLibraryForm</Edit>
+  <New>DocumentLibraryForm</New>
+</FormTemplates>
+</file>
+
+<file path=customXml/item2.xml><?xml version="1.0" encoding="utf-8"?>
 <ct:contentTypeSchema xmlns:ct="http://schemas.microsoft.com/office/2006/metadata/contentType" xmlns:ma="http://schemas.microsoft.com/office/2006/metadata/properties/metaAttributes" ct:_="" ma:_="" ma:contentTypeName="Dokument" ma:contentTypeID="0x010100DCE739724316454AA3672485459F1332" ma:contentTypeVersion="3" ma:contentTypeDescription="Ein neues Dokument erstellen." ma:contentTypeScope="" ma:versionID="7c50e8480f20c5bc5756446a7bed63e4">
   <xsd:schema xmlns:xsd="http://www.w3.org/2001/XMLSchema" xmlns:xs="http://www.w3.org/2001/XMLSchema" xmlns:p="http://schemas.microsoft.com/office/2006/metadata/properties" xmlns:ns2="5ad74086-d408-4f98-bfe0-7ad896b6e69a" targetNamespace="http://schemas.microsoft.com/office/2006/metadata/properties" ma:root="true" ma:fieldsID="43e49c4d77cc63fc5f0be22376f3c9fd" ns2:_="">
     <xsd:import namespace="5ad74086-d408-4f98-bfe0-7ad896b6e69a"/>
@@ -20133,22 +20167,21 @@
 </ct:contentTypeSchema>
 </file>
 
-<file path=customXml/item2.xml><?xml version="1.0" encoding="utf-8"?>
+<file path=customXml/item3.xml><?xml version="1.0" encoding="utf-8"?>
 <p:properties xmlns:p="http://schemas.microsoft.com/office/2006/metadata/properties" xmlns:xsi="http://www.w3.org/2001/XMLSchema-instance" xmlns:pc="http://schemas.microsoft.com/office/infopath/2007/PartnerControls">
   <documentManagement/>
 </p:properties>
 </file>
 
-<file path=customXml/item3.xml><?xml version="1.0" encoding="utf-8"?>
-<?mso-contentType ?>
-<FormTemplates xmlns="http://schemas.microsoft.com/sharepoint/v3/contenttype/forms">
-  <Display>DocumentLibraryForm</Display>
-  <Edit>DocumentLibraryForm</Edit>
-  <New>DocumentLibraryForm</New>
-</FormTemplates>
+<file path=customXml/itemProps1.xml><?xml version="1.0" encoding="utf-8"?>
+<ds:datastoreItem xmlns:ds="http://schemas.openxmlformats.org/officeDocument/2006/customXml" ds:itemID="{9182E4D4-0C1D-418C-82B6-6CEE3AA03AFB}">
+  <ds:schemaRefs>
+    <ds:schemaRef ds:uri="http://schemas.microsoft.com/sharepoint/v3/contenttype/forms"/>
+  </ds:schemaRefs>
+</ds:datastoreItem>
 </file>
 
-<file path=customXml/itemProps1.xml><?xml version="1.0" encoding="utf-8"?>
+<file path=customXml/itemProps2.xml><?xml version="1.0" encoding="utf-8"?>
 <ds:datastoreItem xmlns:ds="http://schemas.openxmlformats.org/officeDocument/2006/customXml" ds:itemID="{B3743A81-05E1-47A5-845C-6DF95A5A4099}">
   <ds:schemaRefs>
     <ds:schemaRef ds:uri="5ad74086-d408-4f98-bfe0-7ad896b6e69a"/>
@@ -20166,7 +20199,7 @@
 </ds:datastoreItem>
 </file>
 
-<file path=customXml/itemProps2.xml><?xml version="1.0" encoding="utf-8"?>
+<file path=customXml/itemProps3.xml><?xml version="1.0" encoding="utf-8"?>
 <ds:datastoreItem xmlns:ds="http://schemas.openxmlformats.org/officeDocument/2006/customXml" ds:itemID="{FDD960FB-180D-4742-AF18-EF3109E2712F}">
   <ds:schemaRefs>
     <ds:schemaRef ds:uri="5ad74086-d408-4f98-bfe0-7ad896b6e69a"/>
@@ -20180,12 +20213,4 @@
     <ds:schemaRef ds:uri="http://www.w3.org/XML/1998/namespace"/>
   </ds:schemaRefs>
 </ds:datastoreItem>
-</file>
-
-<file path=customXml/itemProps3.xml><?xml version="1.0" encoding="utf-8"?>
-<ds:datastoreItem xmlns:ds="http://schemas.openxmlformats.org/officeDocument/2006/customXml" ds:itemID="{9182E4D4-0C1D-418C-82B6-6CEE3AA03AFB}">
-  <ds:schemaRefs>
-    <ds:schemaRef ds:uri="http://schemas.microsoft.com/sharepoint/v3/contenttype/forms"/>
-  </ds:schemaRefs>
-</ds:datastoreItem>
 </file>